--- a/study-note/자바/2022-08-06 내용정리.pptx
+++ b/study-note/자바/2022-08-06 내용정리.pptx
@@ -5,7 +5,7 @@
     <p:sldMasterId id="2147483648" r:id="rId1"/>
   </p:sldMasterIdLst>
   <p:notesMasterIdLst>
-    <p:notesMasterId r:id="rId7"/>
+    <p:notesMasterId r:id="rId8"/>
   </p:notesMasterIdLst>
   <p:sldIdLst>
     <p:sldId id="256" r:id="rId2"/>
@@ -13,6 +13,7 @@
     <p:sldId id="278" r:id="rId4"/>
     <p:sldId id="279" r:id="rId5"/>
     <p:sldId id="280" r:id="rId6"/>
+    <p:sldId id="281" r:id="rId7"/>
   </p:sldIdLst>
   <p:sldSz cx="12192000" cy="6858000"/>
   <p:notesSz cx="6858000" cy="9144000"/>
@@ -3707,7 +3708,7 @@
           <a:lstStyle/>
           <a:p>
             <a:r>
-              <a:rPr lang="en-US" altLang="ko-KR"/>
+              <a:rPr lang="en-US" altLang="ko-KR" dirty="0"/>
               <a:t>2022-08-06 </a:t>
             </a:r>
             <a:r>
@@ -6715,6 +6716,330 @@
     <p:extLst>
       <p:ext uri="{BB962C8B-B14F-4D97-AF65-F5344CB8AC3E}">
         <p14:creationId xmlns:p14="http://schemas.microsoft.com/office/powerpoint/2010/main" val="4272082683"/>
+      </p:ext>
+    </p:extLst>
+  </p:cSld>
+  <p:clrMapOvr>
+    <a:masterClrMapping/>
+  </p:clrMapOvr>
+</p:sld>
+</file>
+
+<file path=ppt/slides/slide6.xml><?xml version="1.0" encoding="utf-8"?>
+<p:sld xmlns:a="http://schemas.openxmlformats.org/drawingml/2006/main" xmlns:r="http://schemas.openxmlformats.org/officeDocument/2006/relationships" xmlns:p="http://schemas.openxmlformats.org/presentationml/2006/main">
+  <p:cSld>
+    <p:spTree>
+      <p:nvGrpSpPr>
+        <p:cNvPr id="1" name=""/>
+        <p:cNvGrpSpPr/>
+        <p:nvPr/>
+      </p:nvGrpSpPr>
+      <p:grpSpPr>
+        <a:xfrm>
+          <a:off x="0" y="0"/>
+          <a:ext cx="0" cy="0"/>
+          <a:chOff x="0" y="0"/>
+          <a:chExt cx="0" cy="0"/>
+        </a:xfrm>
+      </p:grpSpPr>
+      <p:sp>
+        <p:nvSpPr>
+          <p:cNvPr id="2" name="직사각형 1">
+            <a:extLst>
+              <a:ext uri="{FF2B5EF4-FFF2-40B4-BE49-F238E27FC236}">
+                <a16:creationId xmlns:a16="http://schemas.microsoft.com/office/drawing/2014/main" id="{6F084B5D-3E9D-97CE-F61D-92F56C50CF66}"/>
+              </a:ext>
+            </a:extLst>
+          </p:cNvPr>
+          <p:cNvSpPr/>
+          <p:nvPr/>
+        </p:nvSpPr>
+        <p:spPr>
+          <a:xfrm>
+            <a:off x="1261240" y="2982310"/>
+            <a:ext cx="2690649" cy="893379"/>
+          </a:xfrm>
+          <a:prstGeom prst="rect">
+            <a:avLst/>
+          </a:prstGeom>
+        </p:spPr>
+        <p:style>
+          <a:lnRef idx="2">
+            <a:schemeClr val="accent1">
+              <a:shade val="50000"/>
+            </a:schemeClr>
+          </a:lnRef>
+          <a:fillRef idx="1">
+            <a:schemeClr val="accent1"/>
+          </a:fillRef>
+          <a:effectRef idx="0">
+            <a:schemeClr val="accent1"/>
+          </a:effectRef>
+          <a:fontRef idx="minor">
+            <a:schemeClr val="lt1"/>
+          </a:fontRef>
+        </p:style>
+        <p:txBody>
+          <a:bodyPr rtlCol="0" anchor="ctr"/>
+          <a:lstStyle/>
+          <a:p>
+            <a:pPr algn="ctr"/>
+            <a:r>
+              <a:rPr kumimoji="1" lang="en-US" altLang="ko-Kore-KR" dirty="0" err="1"/>
+              <a:t>BoardDao</a:t>
+            </a:r>
+            <a:endParaRPr kumimoji="1" lang="ko-Kore-KR" altLang="en-US" dirty="0"/>
+          </a:p>
+        </p:txBody>
+      </p:sp>
+      <p:sp>
+        <p:nvSpPr>
+          <p:cNvPr id="4" name="직사각형 3">
+            <a:extLst>
+              <a:ext uri="{FF2B5EF4-FFF2-40B4-BE49-F238E27FC236}">
+                <a16:creationId xmlns:a16="http://schemas.microsoft.com/office/drawing/2014/main" id="{ACD2ED21-7BD5-5C79-4C71-FBE0B4A8CD29}"/>
+              </a:ext>
+            </a:extLst>
+          </p:cNvPr>
+          <p:cNvSpPr/>
+          <p:nvPr/>
+        </p:nvSpPr>
+        <p:spPr>
+          <a:xfrm>
+            <a:off x="7467600" y="2396359"/>
+            <a:ext cx="2690649" cy="2532993"/>
+          </a:xfrm>
+          <a:prstGeom prst="rect">
+            <a:avLst/>
+          </a:prstGeom>
+        </p:spPr>
+        <p:style>
+          <a:lnRef idx="2">
+            <a:schemeClr val="accent3">
+              <a:shade val="50000"/>
+            </a:schemeClr>
+          </a:lnRef>
+          <a:fillRef idx="1">
+            <a:schemeClr val="accent3"/>
+          </a:fillRef>
+          <a:effectRef idx="0">
+            <a:schemeClr val="accent3"/>
+          </a:effectRef>
+          <a:fontRef idx="minor">
+            <a:schemeClr val="lt1"/>
+          </a:fontRef>
+        </p:style>
+        <p:txBody>
+          <a:bodyPr rtlCol="0" anchor="ctr"/>
+          <a:lstStyle/>
+          <a:p>
+            <a:pPr algn="ctr"/>
+            <a:r>
+              <a:rPr kumimoji="1" lang="en-US" altLang="ko-Kore-KR" dirty="0"/>
+              <a:t>File</a:t>
+            </a:r>
+            <a:endParaRPr kumimoji="1" lang="ko-Kore-KR" altLang="en-US" dirty="0"/>
+          </a:p>
+        </p:txBody>
+      </p:sp>
+      <p:sp>
+        <p:nvSpPr>
+          <p:cNvPr id="5" name="오른쪽 화살표[R] 4">
+            <a:extLst>
+              <a:ext uri="{FF2B5EF4-FFF2-40B4-BE49-F238E27FC236}">
+                <a16:creationId xmlns:a16="http://schemas.microsoft.com/office/drawing/2014/main" id="{291EC083-541C-9E9B-8E74-45547E8D0167}"/>
+              </a:ext>
+            </a:extLst>
+          </p:cNvPr>
+          <p:cNvSpPr/>
+          <p:nvPr/>
+        </p:nvSpPr>
+        <p:spPr>
+          <a:xfrm>
+            <a:off x="4800601" y="2635468"/>
+            <a:ext cx="2049517" cy="693683"/>
+          </a:xfrm>
+          <a:prstGeom prst="rightArrow">
+            <a:avLst/>
+          </a:prstGeom>
+        </p:spPr>
+        <p:style>
+          <a:lnRef idx="2">
+            <a:schemeClr val="accent1">
+              <a:shade val="50000"/>
+            </a:schemeClr>
+          </a:lnRef>
+          <a:fillRef idx="1">
+            <a:schemeClr val="accent1"/>
+          </a:fillRef>
+          <a:effectRef idx="0">
+            <a:schemeClr val="accent1"/>
+          </a:effectRef>
+          <a:fontRef idx="minor">
+            <a:schemeClr val="lt1"/>
+          </a:fontRef>
+        </p:style>
+        <p:txBody>
+          <a:bodyPr rtlCol="0" anchor="ctr"/>
+          <a:lstStyle/>
+          <a:p>
+            <a:pPr algn="ctr"/>
+            <a:endParaRPr kumimoji="1" lang="ko-Kore-KR" altLang="en-US"/>
+          </a:p>
+        </p:txBody>
+      </p:sp>
+      <p:sp>
+        <p:nvSpPr>
+          <p:cNvPr id="8" name="왼쪽 화살표[L] 7">
+            <a:extLst>
+              <a:ext uri="{FF2B5EF4-FFF2-40B4-BE49-F238E27FC236}">
+                <a16:creationId xmlns:a16="http://schemas.microsoft.com/office/drawing/2014/main" id="{9D04AC2C-32B1-3B7C-A393-D6DBAA9FBCB0}"/>
+              </a:ext>
+            </a:extLst>
+          </p:cNvPr>
+          <p:cNvSpPr/>
+          <p:nvPr/>
+        </p:nvSpPr>
+        <p:spPr>
+          <a:xfrm>
+            <a:off x="4724401" y="3781097"/>
+            <a:ext cx="2049517" cy="693684"/>
+          </a:xfrm>
+          <a:prstGeom prst="leftArrow">
+            <a:avLst/>
+          </a:prstGeom>
+        </p:spPr>
+        <p:style>
+          <a:lnRef idx="2">
+            <a:schemeClr val="accent3">
+              <a:shade val="50000"/>
+            </a:schemeClr>
+          </a:lnRef>
+          <a:fillRef idx="1">
+            <a:schemeClr val="accent3"/>
+          </a:fillRef>
+          <a:effectRef idx="0">
+            <a:schemeClr val="accent3"/>
+          </a:effectRef>
+          <a:fontRef idx="minor">
+            <a:schemeClr val="lt1"/>
+          </a:fontRef>
+        </p:style>
+        <p:txBody>
+          <a:bodyPr rtlCol="0" anchor="ctr"/>
+          <a:lstStyle/>
+          <a:p>
+            <a:pPr algn="ctr"/>
+            <a:endParaRPr kumimoji="1" lang="ko-Kore-KR" altLang="en-US"/>
+          </a:p>
+        </p:txBody>
+      </p:sp>
+      <p:sp>
+        <p:nvSpPr>
+          <p:cNvPr id="9" name="TextBox 8">
+            <a:extLst>
+              <a:ext uri="{FF2B5EF4-FFF2-40B4-BE49-F238E27FC236}">
+                <a16:creationId xmlns:a16="http://schemas.microsoft.com/office/drawing/2014/main" id="{7C326421-0B50-1FD3-A879-081A8CBA1887}"/>
+              </a:ext>
+            </a:extLst>
+          </p:cNvPr>
+          <p:cNvSpPr txBox="1"/>
+          <p:nvPr/>
+        </p:nvSpPr>
+        <p:spPr>
+          <a:xfrm>
+            <a:off x="5415455" y="2341179"/>
+            <a:ext cx="819807" cy="369332"/>
+          </a:xfrm>
+          <a:prstGeom prst="rect">
+            <a:avLst/>
+          </a:prstGeom>
+        </p:spPr>
+        <p:style>
+          <a:lnRef idx="2">
+            <a:schemeClr val="accent1"/>
+          </a:lnRef>
+          <a:fillRef idx="1">
+            <a:schemeClr val="lt1"/>
+          </a:fillRef>
+          <a:effectRef idx="0">
+            <a:schemeClr val="accent1"/>
+          </a:effectRef>
+          <a:fontRef idx="minor">
+            <a:schemeClr val="dk1"/>
+          </a:fontRef>
+        </p:style>
+        <p:txBody>
+          <a:bodyPr wrap="square" rtlCol="0">
+            <a:spAutoFit/>
+          </a:bodyPr>
+          <a:lstStyle/>
+          <a:p>
+            <a:r>
+              <a:rPr kumimoji="1" lang="en-US" altLang="ko-Kore-KR" dirty="0"/>
+              <a:t>save()</a:t>
+            </a:r>
+            <a:endParaRPr kumimoji="1" lang="ko-Kore-KR" altLang="en-US" dirty="0"/>
+          </a:p>
+        </p:txBody>
+      </p:sp>
+      <p:sp>
+        <p:nvSpPr>
+          <p:cNvPr id="10" name="TextBox 9">
+            <a:extLst>
+              <a:ext uri="{FF2B5EF4-FFF2-40B4-BE49-F238E27FC236}">
+                <a16:creationId xmlns:a16="http://schemas.microsoft.com/office/drawing/2014/main" id="{5B8F3020-7EC9-A4BD-C063-6203B8D5D113}"/>
+              </a:ext>
+            </a:extLst>
+          </p:cNvPr>
+          <p:cNvSpPr txBox="1"/>
+          <p:nvPr/>
+        </p:nvSpPr>
+        <p:spPr>
+          <a:xfrm>
+            <a:off x="5415455" y="4411721"/>
+            <a:ext cx="819807" cy="369332"/>
+          </a:xfrm>
+          <a:prstGeom prst="rect">
+            <a:avLst/>
+          </a:prstGeom>
+        </p:spPr>
+        <p:style>
+          <a:lnRef idx="2">
+            <a:schemeClr val="accent3"/>
+          </a:lnRef>
+          <a:fillRef idx="1">
+            <a:schemeClr val="lt1"/>
+          </a:fillRef>
+          <a:effectRef idx="0">
+            <a:schemeClr val="accent3"/>
+          </a:effectRef>
+          <a:fontRef idx="minor">
+            <a:schemeClr val="dk1"/>
+          </a:fontRef>
+        </p:style>
+        <p:txBody>
+          <a:bodyPr wrap="square" rtlCol="0">
+            <a:spAutoFit/>
+          </a:bodyPr>
+          <a:lstStyle/>
+          <a:p>
+            <a:r>
+              <a:rPr kumimoji="1" lang="en-US" altLang="ko-Kore-KR"/>
+              <a:t>load</a:t>
+            </a:r>
+            <a:r>
+              <a:rPr kumimoji="1" lang="en-US" altLang="ko-Kore-KR" dirty="0"/>
+              <a:t>()</a:t>
+            </a:r>
+            <a:endParaRPr kumimoji="1" lang="ko-Kore-KR" altLang="en-US" dirty="0"/>
+          </a:p>
+        </p:txBody>
+      </p:sp>
+    </p:spTree>
+    <p:extLst>
+      <p:ext uri="{BB962C8B-B14F-4D97-AF65-F5344CB8AC3E}">
+        <p14:creationId xmlns:p14="http://schemas.microsoft.com/office/powerpoint/2010/main" val="3183026515"/>
       </p:ext>
     </p:extLst>
   </p:cSld>

--- a/study-note/자바/2022-08-06 내용정리.pptx
+++ b/study-note/자바/2022-08-06 내용정리.pptx
@@ -5,15 +5,12 @@
     <p:sldMasterId id="2147483648" r:id="rId1"/>
   </p:sldMasterIdLst>
   <p:notesMasterIdLst>
-    <p:notesMasterId r:id="rId8"/>
+    <p:notesMasterId r:id="rId5"/>
   </p:notesMasterIdLst>
   <p:sldIdLst>
     <p:sldId id="256" r:id="rId2"/>
-    <p:sldId id="277" r:id="rId3"/>
-    <p:sldId id="278" r:id="rId4"/>
-    <p:sldId id="279" r:id="rId5"/>
-    <p:sldId id="280" r:id="rId6"/>
-    <p:sldId id="281" r:id="rId7"/>
+    <p:sldId id="280" r:id="rId3"/>
+    <p:sldId id="281" r:id="rId4"/>
   </p:sldIdLst>
   <p:sldSz cx="12192000" cy="6858000"/>
   <p:notesSz cx="6858000" cy="9144000"/>
@@ -3773,999 +3770,26 @@
           <a:chExt cx="0" cy="0"/>
         </a:xfrm>
       </p:grpSpPr>
-      <p:sp>
-        <p:nvSpPr>
-          <p:cNvPr id="4" name="직사각형 3">
-            <a:extLst>
-              <a:ext uri="{FF2B5EF4-FFF2-40B4-BE49-F238E27FC236}">
-                <a16:creationId xmlns:a16="http://schemas.microsoft.com/office/drawing/2014/main" id="{92D1EBF9-BF79-C348-542E-7867D7EFD64A}"/>
-              </a:ext>
-            </a:extLst>
-          </p:cNvPr>
-          <p:cNvSpPr/>
-          <p:nvPr/>
-        </p:nvSpPr>
-        <p:spPr>
-          <a:xfrm>
-            <a:off x="1051033" y="804042"/>
-            <a:ext cx="1828801" cy="677917"/>
-          </a:xfrm>
-          <a:prstGeom prst="rect">
-            <a:avLst/>
-          </a:prstGeom>
-        </p:spPr>
-        <p:style>
-          <a:lnRef idx="2">
-            <a:schemeClr val="accent1">
-              <a:shade val="50000"/>
-            </a:schemeClr>
-          </a:lnRef>
-          <a:fillRef idx="1">
-            <a:schemeClr val="accent1"/>
-          </a:fillRef>
-          <a:effectRef idx="0">
-            <a:schemeClr val="accent1"/>
-          </a:effectRef>
-          <a:fontRef idx="minor">
-            <a:schemeClr val="lt1"/>
-          </a:fontRef>
-        </p:style>
-        <p:txBody>
-          <a:bodyPr rtlCol="0" anchor="ctr"/>
-          <a:lstStyle/>
-          <a:p>
-            <a:pPr algn="ctr"/>
-            <a:r>
-              <a:rPr kumimoji="1" lang="en-US" altLang="ko-Kore-KR" dirty="0" err="1"/>
-              <a:t>ArrayList</a:t>
-            </a:r>
-            <a:endParaRPr kumimoji="1" lang="ko-Kore-KR" altLang="en-US" dirty="0"/>
-          </a:p>
-        </p:txBody>
-      </p:sp>
-      <p:sp>
-        <p:nvSpPr>
-          <p:cNvPr id="7" name="직사각형 6">
-            <a:extLst>
-              <a:ext uri="{FF2B5EF4-FFF2-40B4-BE49-F238E27FC236}">
-                <a16:creationId xmlns:a16="http://schemas.microsoft.com/office/drawing/2014/main" id="{FE0F70A9-B948-5105-6F83-EF9C136BC26D}"/>
-              </a:ext>
-            </a:extLst>
-          </p:cNvPr>
-          <p:cNvSpPr/>
-          <p:nvPr/>
-        </p:nvSpPr>
-        <p:spPr>
-          <a:xfrm>
-            <a:off x="1051032" y="1839311"/>
-            <a:ext cx="1828801" cy="677917"/>
-          </a:xfrm>
-          <a:prstGeom prst="rect">
-            <a:avLst/>
-          </a:prstGeom>
-        </p:spPr>
-        <p:style>
-          <a:lnRef idx="2">
-            <a:schemeClr val="accent1">
-              <a:shade val="50000"/>
-            </a:schemeClr>
-          </a:lnRef>
-          <a:fillRef idx="1">
-            <a:schemeClr val="accent1"/>
-          </a:fillRef>
-          <a:effectRef idx="0">
-            <a:schemeClr val="accent1"/>
-          </a:effectRef>
-          <a:fontRef idx="minor">
-            <a:schemeClr val="lt1"/>
-          </a:fontRef>
-        </p:style>
-        <p:txBody>
-          <a:bodyPr rtlCol="0" anchor="ctr"/>
-          <a:lstStyle/>
-          <a:p>
-            <a:pPr algn="ctr"/>
-            <a:r>
-              <a:rPr kumimoji="1" lang="en-US" altLang="ko-Kore-KR" dirty="0"/>
-              <a:t>LinkedList</a:t>
-            </a:r>
-            <a:endParaRPr kumimoji="1" lang="ko-Kore-KR" altLang="en-US" dirty="0"/>
-          </a:p>
-        </p:txBody>
-      </p:sp>
-      <p:sp>
-        <p:nvSpPr>
-          <p:cNvPr id="8" name="직사각형 7">
-            <a:extLst>
-              <a:ext uri="{FF2B5EF4-FFF2-40B4-BE49-F238E27FC236}">
-                <a16:creationId xmlns:a16="http://schemas.microsoft.com/office/drawing/2014/main" id="{40FFE58C-54FD-E225-41DA-D6A8FEFDFD88}"/>
-              </a:ext>
-            </a:extLst>
-          </p:cNvPr>
-          <p:cNvSpPr/>
-          <p:nvPr/>
-        </p:nvSpPr>
-        <p:spPr>
-          <a:xfrm>
-            <a:off x="1051031" y="2920562"/>
-            <a:ext cx="1828801" cy="677917"/>
-          </a:xfrm>
-          <a:prstGeom prst="rect">
-            <a:avLst/>
-          </a:prstGeom>
-        </p:spPr>
-        <p:style>
-          <a:lnRef idx="2">
-            <a:schemeClr val="accent1">
-              <a:shade val="50000"/>
-            </a:schemeClr>
-          </a:lnRef>
-          <a:fillRef idx="1">
-            <a:schemeClr val="accent1"/>
-          </a:fillRef>
-          <a:effectRef idx="0">
-            <a:schemeClr val="accent1"/>
-          </a:effectRef>
-          <a:fontRef idx="minor">
-            <a:schemeClr val="lt1"/>
-          </a:fontRef>
-        </p:style>
-        <p:txBody>
-          <a:bodyPr rtlCol="0" anchor="ctr"/>
-          <a:lstStyle/>
-          <a:p>
-            <a:pPr algn="ctr"/>
-            <a:r>
-              <a:rPr kumimoji="1" lang="en-US" altLang="ko-Kore-KR" dirty="0"/>
-              <a:t>Stack</a:t>
-            </a:r>
-            <a:endParaRPr kumimoji="1" lang="ko-Kore-KR" altLang="en-US" dirty="0"/>
-          </a:p>
-        </p:txBody>
-      </p:sp>
-      <p:sp>
-        <p:nvSpPr>
-          <p:cNvPr id="9" name="직사각형 8">
-            <a:extLst>
-              <a:ext uri="{FF2B5EF4-FFF2-40B4-BE49-F238E27FC236}">
-                <a16:creationId xmlns:a16="http://schemas.microsoft.com/office/drawing/2014/main" id="{7E4B8974-D4EB-E905-0ED3-2D2DDC9365F0}"/>
-              </a:ext>
-            </a:extLst>
-          </p:cNvPr>
-          <p:cNvSpPr/>
-          <p:nvPr/>
-        </p:nvSpPr>
-        <p:spPr>
-          <a:xfrm>
-            <a:off x="1051031" y="3955831"/>
-            <a:ext cx="1828801" cy="677917"/>
-          </a:xfrm>
-          <a:prstGeom prst="rect">
-            <a:avLst/>
-          </a:prstGeom>
-        </p:spPr>
-        <p:style>
-          <a:lnRef idx="2">
-            <a:schemeClr val="accent1">
-              <a:shade val="50000"/>
-            </a:schemeClr>
-          </a:lnRef>
-          <a:fillRef idx="1">
-            <a:schemeClr val="accent1"/>
-          </a:fillRef>
-          <a:effectRef idx="0">
-            <a:schemeClr val="accent1"/>
-          </a:effectRef>
-          <a:fontRef idx="minor">
-            <a:schemeClr val="lt1"/>
-          </a:fontRef>
-        </p:style>
-        <p:txBody>
-          <a:bodyPr rtlCol="0" anchor="ctr"/>
-          <a:lstStyle/>
-          <a:p>
-            <a:pPr algn="ctr"/>
-            <a:r>
-              <a:rPr kumimoji="1" lang="en-US" altLang="ko-Kore-KR" dirty="0"/>
-              <a:t>Queue</a:t>
-            </a:r>
-            <a:endParaRPr kumimoji="1" lang="ko-Kore-KR" altLang="en-US" dirty="0"/>
-          </a:p>
-        </p:txBody>
-      </p:sp>
-      <p:sp>
-        <p:nvSpPr>
-          <p:cNvPr id="10" name="직사각형 9">
-            <a:extLst>
-              <a:ext uri="{FF2B5EF4-FFF2-40B4-BE49-F238E27FC236}">
-                <a16:creationId xmlns:a16="http://schemas.microsoft.com/office/drawing/2014/main" id="{071F57C6-F048-0718-D255-C12E543ACF94}"/>
-              </a:ext>
-            </a:extLst>
-          </p:cNvPr>
-          <p:cNvSpPr/>
-          <p:nvPr/>
-        </p:nvSpPr>
-        <p:spPr>
-          <a:xfrm>
-            <a:off x="1051031" y="5037082"/>
-            <a:ext cx="1828801" cy="677917"/>
-          </a:xfrm>
-          <a:prstGeom prst="rect">
-            <a:avLst/>
-          </a:prstGeom>
-        </p:spPr>
-        <p:style>
-          <a:lnRef idx="2">
-            <a:schemeClr val="accent1">
-              <a:shade val="50000"/>
-            </a:schemeClr>
-          </a:lnRef>
-          <a:fillRef idx="1">
-            <a:schemeClr val="accent1"/>
-          </a:fillRef>
-          <a:effectRef idx="0">
-            <a:schemeClr val="accent1"/>
-          </a:effectRef>
-          <a:fontRef idx="minor">
-            <a:schemeClr val="lt1"/>
-          </a:fontRef>
-        </p:style>
-        <p:txBody>
-          <a:bodyPr rtlCol="0" anchor="ctr"/>
-          <a:lstStyle/>
-          <a:p>
-            <a:pPr algn="ctr"/>
-            <a:r>
-              <a:rPr kumimoji="1" lang="en-US" altLang="ko-Kore-KR" dirty="0"/>
-              <a:t>HashSet</a:t>
-            </a:r>
-            <a:endParaRPr kumimoji="1" lang="ko-Kore-KR" altLang="en-US" dirty="0"/>
-          </a:p>
-        </p:txBody>
-      </p:sp>
-      <p:sp>
-        <p:nvSpPr>
-          <p:cNvPr id="14" name="TextBox 13">
-            <a:extLst>
-              <a:ext uri="{FF2B5EF4-FFF2-40B4-BE49-F238E27FC236}">
-                <a16:creationId xmlns:a16="http://schemas.microsoft.com/office/drawing/2014/main" id="{12424D5B-79B7-CF39-074C-257708FF3616}"/>
-              </a:ext>
-            </a:extLst>
-          </p:cNvPr>
-          <p:cNvSpPr txBox="1"/>
-          <p:nvPr/>
-        </p:nvSpPr>
-        <p:spPr>
-          <a:xfrm>
-            <a:off x="9609083" y="2941638"/>
-            <a:ext cx="1742090" cy="646331"/>
-          </a:xfrm>
-          <a:prstGeom prst="rect">
-            <a:avLst/>
-          </a:prstGeom>
-        </p:spPr>
-        <p:style>
-          <a:lnRef idx="2">
-            <a:schemeClr val="accent1"/>
-          </a:lnRef>
-          <a:fillRef idx="1">
-            <a:schemeClr val="lt1"/>
-          </a:fillRef>
-          <a:effectRef idx="0">
-            <a:schemeClr val="accent1"/>
-          </a:effectRef>
-          <a:fontRef idx="minor">
-            <a:schemeClr val="dk1"/>
-          </a:fontRef>
-        </p:style>
-        <p:txBody>
-          <a:bodyPr wrap="square" rtlCol="0">
-            <a:spAutoFit/>
-          </a:bodyPr>
-          <a:lstStyle/>
-          <a:p>
-            <a:r>
-              <a:rPr kumimoji="1" lang="en-US" altLang="ko-Kore-KR" dirty="0"/>
-              <a:t>if(</a:t>
-            </a:r>
-            <a:r>
-              <a:rPr kumimoji="1" lang="en-US" altLang="ko-Kore-KR" dirty="0" err="1"/>
-              <a:t>hasNext</a:t>
-            </a:r>
-            <a:r>
-              <a:rPr kumimoji="1" lang="en-US" altLang="ko-Kore-KR" dirty="0"/>
-              <a:t>())</a:t>
-            </a:r>
-          </a:p>
-          <a:p>
-            <a:r>
-              <a:rPr kumimoji="1" lang="en-US" altLang="ko-Kore-KR" dirty="0">
-                <a:sym typeface="Wingdings" pitchFamily="2" charset="2"/>
-              </a:rPr>
-              <a:t> next();</a:t>
-            </a:r>
-            <a:endParaRPr kumimoji="1" lang="ko-Kore-KR" altLang="en-US" dirty="0"/>
-          </a:p>
-        </p:txBody>
-      </p:sp>
-      <p:sp>
-        <p:nvSpPr>
-          <p:cNvPr id="18" name="TextBox 17">
-            <a:extLst>
-              <a:ext uri="{FF2B5EF4-FFF2-40B4-BE49-F238E27FC236}">
-                <a16:creationId xmlns:a16="http://schemas.microsoft.com/office/drawing/2014/main" id="{4F232CB8-A83C-2EFF-9850-CE4F847D5AAA}"/>
-              </a:ext>
-            </a:extLst>
-          </p:cNvPr>
-          <p:cNvSpPr txBox="1"/>
-          <p:nvPr/>
-        </p:nvSpPr>
-        <p:spPr>
-          <a:xfrm>
-            <a:off x="4742790" y="2797855"/>
-            <a:ext cx="2706419" cy="923330"/>
-          </a:xfrm>
-          <a:prstGeom prst="rect">
-            <a:avLst/>
-          </a:prstGeom>
-        </p:spPr>
-        <p:style>
-          <a:lnRef idx="2">
-            <a:schemeClr val="accent5">
-              <a:shade val="50000"/>
-            </a:schemeClr>
-          </a:lnRef>
-          <a:fillRef idx="1">
-            <a:schemeClr val="accent5"/>
-          </a:fillRef>
-          <a:effectRef idx="0">
-            <a:schemeClr val="accent5"/>
-          </a:effectRef>
-          <a:fontRef idx="minor">
-            <a:schemeClr val="lt1"/>
-          </a:fontRef>
-        </p:style>
-        <p:txBody>
-          <a:bodyPr wrap="square" rtlCol="0">
-            <a:spAutoFit/>
-          </a:bodyPr>
-          <a:lstStyle/>
-          <a:p>
-            <a:pPr algn="ctr"/>
-            <a:r>
-              <a:rPr kumimoji="1" lang="ko-Kore-KR" altLang="en-US" dirty="0"/>
-              <a:t>데이터조회전문가</a:t>
-            </a:r>
-            <a:endParaRPr kumimoji="1" lang="en-US" altLang="ko-Kore-KR" dirty="0"/>
-          </a:p>
-          <a:p>
-            <a:pPr algn="ctr"/>
-            <a:r>
-              <a:rPr kumimoji="1" lang="en-US" altLang="ko-Kore-KR" dirty="0"/>
-              <a:t>Iterator</a:t>
-            </a:r>
-          </a:p>
-          <a:p>
-            <a:pPr algn="ctr"/>
-            <a:endParaRPr kumimoji="1" lang="ko-Kore-KR" altLang="en-US" dirty="0"/>
-          </a:p>
-        </p:txBody>
-      </p:sp>
       <p:cxnSp>
         <p:nvCxnSpPr>
-          <p:cNvPr id="25" name="직선 화살표 연결선 24">
-            <a:extLst>
-              <a:ext uri="{FF2B5EF4-FFF2-40B4-BE49-F238E27FC236}">
-                <a16:creationId xmlns:a16="http://schemas.microsoft.com/office/drawing/2014/main" id="{62F1336D-E9AB-EBCF-BA83-7950534502BA}"/>
+          <p:cNvPr id="75" name="직선 화살표 연결선 74">
+            <a:extLst>
+              <a:ext uri="{FF2B5EF4-FFF2-40B4-BE49-F238E27FC236}">
+                <a16:creationId xmlns:a16="http://schemas.microsoft.com/office/drawing/2014/main" id="{6D35E7B3-3A74-489D-2B33-6F19BBD938EE}"/>
               </a:ext>
             </a:extLst>
           </p:cNvPr>
           <p:cNvCxnSpPr>
             <a:cxnSpLocks/>
-            <a:stCxn id="14" idx="1"/>
-            <a:endCxn id="18" idx="3"/>
-          </p:cNvCxnSpPr>
-          <p:nvPr/>
-        </p:nvCxnSpPr>
-        <p:spPr>
-          <a:xfrm flipH="1" flipV="1">
-            <a:off x="7449209" y="3259520"/>
-            <a:ext cx="2159874" cy="5284"/>
-          </a:xfrm>
-          <a:prstGeom prst="straightConnector1">
-            <a:avLst/>
-          </a:prstGeom>
-          <a:ln>
-            <a:tailEnd type="triangle"/>
-          </a:ln>
-        </p:spPr>
-        <p:style>
-          <a:lnRef idx="3">
-            <a:schemeClr val="accent1"/>
-          </a:lnRef>
-          <a:fillRef idx="0">
-            <a:schemeClr val="accent1"/>
-          </a:fillRef>
-          <a:effectRef idx="2">
-            <a:schemeClr val="accent1"/>
-          </a:effectRef>
-          <a:fontRef idx="minor">
-            <a:schemeClr val="tx1"/>
-          </a:fontRef>
-        </p:style>
-      </p:cxnSp>
-      <p:cxnSp>
-        <p:nvCxnSpPr>
-          <p:cNvPr id="39" name="직선 화살표 연결선 38">
-            <a:extLst>
-              <a:ext uri="{FF2B5EF4-FFF2-40B4-BE49-F238E27FC236}">
-                <a16:creationId xmlns:a16="http://schemas.microsoft.com/office/drawing/2014/main" id="{5E5096CD-9653-6807-6844-6E1B381D5F49}"/>
-              </a:ext>
-            </a:extLst>
-          </p:cNvPr>
-          <p:cNvCxnSpPr>
-            <a:cxnSpLocks/>
-            <a:stCxn id="4" idx="3"/>
-            <a:endCxn id="18" idx="1"/>
-          </p:cNvCxnSpPr>
-          <p:nvPr/>
-        </p:nvCxnSpPr>
-        <p:spPr>
-          <a:xfrm>
-            <a:off x="2879834" y="1143001"/>
-            <a:ext cx="1862956" cy="2116519"/>
-          </a:xfrm>
-          <a:prstGeom prst="straightConnector1">
-            <a:avLst/>
-          </a:prstGeom>
-          <a:ln>
-            <a:tailEnd type="triangle"/>
-          </a:ln>
-        </p:spPr>
-        <p:style>
-          <a:lnRef idx="3">
-            <a:schemeClr val="accent1"/>
-          </a:lnRef>
-          <a:fillRef idx="0">
-            <a:schemeClr val="accent1"/>
-          </a:fillRef>
-          <a:effectRef idx="2">
-            <a:schemeClr val="accent1"/>
-          </a:effectRef>
-          <a:fontRef idx="minor">
-            <a:schemeClr val="tx1"/>
-          </a:fontRef>
-        </p:style>
-      </p:cxnSp>
-      <p:cxnSp>
-        <p:nvCxnSpPr>
-          <p:cNvPr id="42" name="직선 화살표 연결선 41">
-            <a:extLst>
-              <a:ext uri="{FF2B5EF4-FFF2-40B4-BE49-F238E27FC236}">
-                <a16:creationId xmlns:a16="http://schemas.microsoft.com/office/drawing/2014/main" id="{90F6D2E0-5401-948F-D33B-E53762B575D2}"/>
-              </a:ext>
-            </a:extLst>
-          </p:cNvPr>
-          <p:cNvCxnSpPr>
-            <a:cxnSpLocks/>
-            <a:stCxn id="7" idx="3"/>
-            <a:endCxn id="18" idx="1"/>
-          </p:cNvCxnSpPr>
-          <p:nvPr/>
-        </p:nvCxnSpPr>
-        <p:spPr>
-          <a:xfrm>
-            <a:off x="2879833" y="2178270"/>
-            <a:ext cx="1862957" cy="1081250"/>
-          </a:xfrm>
-          <a:prstGeom prst="straightConnector1">
-            <a:avLst/>
-          </a:prstGeom>
-          <a:ln>
-            <a:tailEnd type="triangle"/>
-          </a:ln>
-        </p:spPr>
-        <p:style>
-          <a:lnRef idx="3">
-            <a:schemeClr val="accent1"/>
-          </a:lnRef>
-          <a:fillRef idx="0">
-            <a:schemeClr val="accent1"/>
-          </a:fillRef>
-          <a:effectRef idx="2">
-            <a:schemeClr val="accent1"/>
-          </a:effectRef>
-          <a:fontRef idx="minor">
-            <a:schemeClr val="tx1"/>
-          </a:fontRef>
-        </p:style>
-      </p:cxnSp>
-      <p:cxnSp>
-        <p:nvCxnSpPr>
-          <p:cNvPr id="45" name="직선 화살표 연결선 44">
-            <a:extLst>
-              <a:ext uri="{FF2B5EF4-FFF2-40B4-BE49-F238E27FC236}">
-                <a16:creationId xmlns:a16="http://schemas.microsoft.com/office/drawing/2014/main" id="{7048F1E5-A227-B9BA-2001-12BA46DBD232}"/>
-              </a:ext>
-            </a:extLst>
-          </p:cNvPr>
-          <p:cNvCxnSpPr>
-            <a:cxnSpLocks/>
-            <a:stCxn id="8" idx="3"/>
-            <a:endCxn id="18" idx="1"/>
+            <a:stCxn id="19" idx="0"/>
+            <a:endCxn id="74" idx="2"/>
           </p:cNvCxnSpPr>
           <p:nvPr/>
         </p:nvCxnSpPr>
         <p:spPr>
           <a:xfrm flipV="1">
-            <a:off x="2879832" y="3259520"/>
-            <a:ext cx="1862958" cy="1"/>
-          </a:xfrm>
-          <a:prstGeom prst="straightConnector1">
-            <a:avLst/>
-          </a:prstGeom>
-          <a:ln>
-            <a:tailEnd type="triangle"/>
-          </a:ln>
-        </p:spPr>
-        <p:style>
-          <a:lnRef idx="3">
-            <a:schemeClr val="accent1"/>
-          </a:lnRef>
-          <a:fillRef idx="0">
-            <a:schemeClr val="accent1"/>
-          </a:fillRef>
-          <a:effectRef idx="2">
-            <a:schemeClr val="accent1"/>
-          </a:effectRef>
-          <a:fontRef idx="minor">
-            <a:schemeClr val="tx1"/>
-          </a:fontRef>
-        </p:style>
-      </p:cxnSp>
-      <p:cxnSp>
-        <p:nvCxnSpPr>
-          <p:cNvPr id="49" name="직선 화살표 연결선 48">
-            <a:extLst>
-              <a:ext uri="{FF2B5EF4-FFF2-40B4-BE49-F238E27FC236}">
-                <a16:creationId xmlns:a16="http://schemas.microsoft.com/office/drawing/2014/main" id="{A5BF1855-8B5C-A3C6-7C1F-E0FFEDB8477D}"/>
-              </a:ext>
-            </a:extLst>
-          </p:cNvPr>
-          <p:cNvCxnSpPr>
-            <a:cxnSpLocks/>
-            <a:stCxn id="9" idx="3"/>
-            <a:endCxn id="18" idx="1"/>
-          </p:cNvCxnSpPr>
-          <p:nvPr/>
-        </p:nvCxnSpPr>
-        <p:spPr>
-          <a:xfrm flipV="1">
-            <a:off x="2879832" y="3259520"/>
-            <a:ext cx="1862958" cy="1035270"/>
-          </a:xfrm>
-          <a:prstGeom prst="straightConnector1">
-            <a:avLst/>
-          </a:prstGeom>
-          <a:ln>
-            <a:tailEnd type="triangle"/>
-          </a:ln>
-        </p:spPr>
-        <p:style>
-          <a:lnRef idx="3">
-            <a:schemeClr val="accent1"/>
-          </a:lnRef>
-          <a:fillRef idx="0">
-            <a:schemeClr val="accent1"/>
-          </a:fillRef>
-          <a:effectRef idx="2">
-            <a:schemeClr val="accent1"/>
-          </a:effectRef>
-          <a:fontRef idx="minor">
-            <a:schemeClr val="tx1"/>
-          </a:fontRef>
-        </p:style>
-      </p:cxnSp>
-      <p:cxnSp>
-        <p:nvCxnSpPr>
-          <p:cNvPr id="52" name="직선 화살표 연결선 51">
-            <a:extLst>
-              <a:ext uri="{FF2B5EF4-FFF2-40B4-BE49-F238E27FC236}">
-                <a16:creationId xmlns:a16="http://schemas.microsoft.com/office/drawing/2014/main" id="{3EE4050A-08E5-8012-FD20-D7EE5F115948}"/>
-              </a:ext>
-            </a:extLst>
-          </p:cNvPr>
-          <p:cNvCxnSpPr>
-            <a:cxnSpLocks/>
-            <a:stCxn id="10" idx="3"/>
-            <a:endCxn id="18" idx="1"/>
-          </p:cNvCxnSpPr>
-          <p:nvPr/>
-        </p:nvCxnSpPr>
-        <p:spPr>
-          <a:xfrm flipV="1">
-            <a:off x="2879832" y="3259520"/>
-            <a:ext cx="1862958" cy="2116521"/>
-          </a:xfrm>
-          <a:prstGeom prst="straightConnector1">
-            <a:avLst/>
-          </a:prstGeom>
-          <a:ln>
-            <a:tailEnd type="triangle"/>
-          </a:ln>
-        </p:spPr>
-        <p:style>
-          <a:lnRef idx="3">
-            <a:schemeClr val="accent1"/>
-          </a:lnRef>
-          <a:fillRef idx="0">
-            <a:schemeClr val="accent1"/>
-          </a:fillRef>
-          <a:effectRef idx="2">
-            <a:schemeClr val="accent1"/>
-          </a:effectRef>
-          <a:fontRef idx="minor">
-            <a:schemeClr val="tx1"/>
-          </a:fontRef>
-        </p:style>
-      </p:cxnSp>
-    </p:spTree>
-    <p:extLst>
-      <p:ext uri="{BB962C8B-B14F-4D97-AF65-F5344CB8AC3E}">
-        <p14:creationId xmlns:p14="http://schemas.microsoft.com/office/powerpoint/2010/main" val="3523101145"/>
-      </p:ext>
-    </p:extLst>
-  </p:cSld>
-  <p:clrMapOvr>
-    <a:masterClrMapping/>
-  </p:clrMapOvr>
-</p:sld>
-</file>
-
-<file path=ppt/slides/slide3.xml><?xml version="1.0" encoding="utf-8"?>
-<p:sld xmlns:a="http://schemas.openxmlformats.org/drawingml/2006/main" xmlns:r="http://schemas.openxmlformats.org/officeDocument/2006/relationships" xmlns:p="http://schemas.openxmlformats.org/presentationml/2006/main">
-  <p:cSld>
-    <p:spTree>
-      <p:nvGrpSpPr>
-        <p:cNvPr id="1" name=""/>
-        <p:cNvGrpSpPr/>
-        <p:nvPr/>
-      </p:nvGrpSpPr>
-      <p:grpSpPr>
-        <a:xfrm>
-          <a:off x="0" y="0"/>
-          <a:ext cx="0" cy="0"/>
-          <a:chOff x="0" y="0"/>
-          <a:chExt cx="0" cy="0"/>
-        </a:xfrm>
-      </p:grpSpPr>
-      <p:sp>
-        <p:nvSpPr>
-          <p:cNvPr id="7" name="직사각형 6">
-            <a:extLst>
-              <a:ext uri="{FF2B5EF4-FFF2-40B4-BE49-F238E27FC236}">
-                <a16:creationId xmlns:a16="http://schemas.microsoft.com/office/drawing/2014/main" id="{FE0F70A9-B948-5105-6F83-EF9C136BC26D}"/>
-              </a:ext>
-            </a:extLst>
-          </p:cNvPr>
-          <p:cNvSpPr/>
-          <p:nvPr/>
-        </p:nvSpPr>
-        <p:spPr>
-          <a:xfrm>
-            <a:off x="919652" y="2910052"/>
-            <a:ext cx="1828801" cy="677917"/>
-          </a:xfrm>
-          <a:prstGeom prst="rect">
-            <a:avLst/>
-          </a:prstGeom>
-        </p:spPr>
-        <p:style>
-          <a:lnRef idx="2">
-            <a:schemeClr val="accent1">
-              <a:shade val="50000"/>
-            </a:schemeClr>
-          </a:lnRef>
-          <a:fillRef idx="1">
-            <a:schemeClr val="accent1"/>
-          </a:fillRef>
-          <a:effectRef idx="0">
-            <a:schemeClr val="accent1"/>
-          </a:effectRef>
-          <a:fontRef idx="minor">
-            <a:schemeClr val="lt1"/>
-          </a:fontRef>
-        </p:style>
-        <p:txBody>
-          <a:bodyPr rtlCol="0" anchor="ctr"/>
-          <a:lstStyle/>
-          <a:p>
-            <a:pPr algn="ctr"/>
-            <a:r>
-              <a:rPr kumimoji="1" lang="en-US" altLang="ko-Kore-KR" dirty="0"/>
-              <a:t>LinkedList</a:t>
-            </a:r>
-            <a:endParaRPr kumimoji="1" lang="ko-Kore-KR" altLang="en-US" dirty="0"/>
-          </a:p>
-        </p:txBody>
-      </p:sp>
-      <p:sp>
-        <p:nvSpPr>
-          <p:cNvPr id="14" name="TextBox 13">
-            <a:extLst>
-              <a:ext uri="{FF2B5EF4-FFF2-40B4-BE49-F238E27FC236}">
-                <a16:creationId xmlns:a16="http://schemas.microsoft.com/office/drawing/2014/main" id="{12424D5B-79B7-CF39-074C-257708FF3616}"/>
-              </a:ext>
-            </a:extLst>
-          </p:cNvPr>
-          <p:cNvSpPr txBox="1"/>
-          <p:nvPr/>
-        </p:nvSpPr>
-        <p:spPr>
-          <a:xfrm>
-            <a:off x="9609083" y="2941638"/>
-            <a:ext cx="1742090" cy="646331"/>
-          </a:xfrm>
-          <a:prstGeom prst="rect">
-            <a:avLst/>
-          </a:prstGeom>
-        </p:spPr>
-        <p:style>
-          <a:lnRef idx="2">
-            <a:schemeClr val="accent1"/>
-          </a:lnRef>
-          <a:fillRef idx="1">
-            <a:schemeClr val="lt1"/>
-          </a:fillRef>
-          <a:effectRef idx="0">
-            <a:schemeClr val="accent1"/>
-          </a:effectRef>
-          <a:fontRef idx="minor">
-            <a:schemeClr val="dk1"/>
-          </a:fontRef>
-        </p:style>
-        <p:txBody>
-          <a:bodyPr wrap="square" rtlCol="0">
-            <a:spAutoFit/>
-          </a:bodyPr>
-          <a:lstStyle/>
-          <a:p>
-            <a:r>
-              <a:rPr kumimoji="1" lang="en-US" altLang="ko-Kore-KR" dirty="0"/>
-              <a:t>if(</a:t>
-            </a:r>
-            <a:r>
-              <a:rPr kumimoji="1" lang="en-US" altLang="ko-Kore-KR" dirty="0" err="1"/>
-              <a:t>hasNext</a:t>
-            </a:r>
-            <a:r>
-              <a:rPr kumimoji="1" lang="en-US" altLang="ko-Kore-KR" dirty="0"/>
-              <a:t>())</a:t>
-            </a:r>
-          </a:p>
-          <a:p>
-            <a:r>
-              <a:rPr kumimoji="1" lang="en-US" altLang="ko-Kore-KR" dirty="0">
-                <a:sym typeface="Wingdings" pitchFamily="2" charset="2"/>
-              </a:rPr>
-              <a:t> next();</a:t>
-            </a:r>
-            <a:endParaRPr kumimoji="1" lang="ko-Kore-KR" altLang="en-US" dirty="0"/>
-          </a:p>
-        </p:txBody>
-      </p:sp>
-      <p:sp>
-        <p:nvSpPr>
-          <p:cNvPr id="18" name="TextBox 17">
-            <a:extLst>
-              <a:ext uri="{FF2B5EF4-FFF2-40B4-BE49-F238E27FC236}">
-                <a16:creationId xmlns:a16="http://schemas.microsoft.com/office/drawing/2014/main" id="{4F232CB8-A83C-2EFF-9850-CE4F847D5AAA}"/>
-              </a:ext>
-            </a:extLst>
-          </p:cNvPr>
-          <p:cNvSpPr txBox="1"/>
-          <p:nvPr/>
-        </p:nvSpPr>
-        <p:spPr>
-          <a:xfrm>
-            <a:off x="4742788" y="3064344"/>
-            <a:ext cx="2706419" cy="369332"/>
-          </a:xfrm>
-          <a:prstGeom prst="rect">
-            <a:avLst/>
-          </a:prstGeom>
-        </p:spPr>
-        <p:style>
-          <a:lnRef idx="2">
-            <a:schemeClr val="accent5">
-              <a:shade val="50000"/>
-            </a:schemeClr>
-          </a:lnRef>
-          <a:fillRef idx="1">
-            <a:schemeClr val="accent5"/>
-          </a:fillRef>
-          <a:effectRef idx="0">
-            <a:schemeClr val="accent5"/>
-          </a:effectRef>
-          <a:fontRef idx="minor">
-            <a:schemeClr val="lt1"/>
-          </a:fontRef>
-        </p:style>
-        <p:txBody>
-          <a:bodyPr wrap="square" rtlCol="0">
-            <a:spAutoFit/>
-          </a:bodyPr>
-          <a:lstStyle/>
-          <a:p>
-            <a:pPr algn="ctr"/>
-            <a:r>
-              <a:rPr kumimoji="1" lang="en-US" altLang="ko-Kore-KR" dirty="0" err="1"/>
-              <a:t>LinkedListIterator</a:t>
-            </a:r>
-            <a:endParaRPr kumimoji="1" lang="en-US" altLang="ko-Kore-KR" dirty="0"/>
-          </a:p>
-        </p:txBody>
-      </p:sp>
-      <p:cxnSp>
-        <p:nvCxnSpPr>
-          <p:cNvPr id="25" name="직선 화살표 연결선 24">
-            <a:extLst>
-              <a:ext uri="{FF2B5EF4-FFF2-40B4-BE49-F238E27FC236}">
-                <a16:creationId xmlns:a16="http://schemas.microsoft.com/office/drawing/2014/main" id="{62F1336D-E9AB-EBCF-BA83-7950534502BA}"/>
-              </a:ext>
-            </a:extLst>
-          </p:cNvPr>
-          <p:cNvCxnSpPr>
-            <a:cxnSpLocks/>
-            <a:stCxn id="14" idx="1"/>
-            <a:endCxn id="18" idx="3"/>
-          </p:cNvCxnSpPr>
-          <p:nvPr/>
-        </p:nvCxnSpPr>
-        <p:spPr>
-          <a:xfrm flipH="1" flipV="1">
-            <a:off x="7449207" y="3249010"/>
-            <a:ext cx="2159876" cy="15794"/>
-          </a:xfrm>
-          <a:prstGeom prst="straightConnector1">
-            <a:avLst/>
-          </a:prstGeom>
-          <a:ln>
-            <a:tailEnd type="triangle"/>
-          </a:ln>
-        </p:spPr>
-        <p:style>
-          <a:lnRef idx="3">
-            <a:schemeClr val="accent1"/>
-          </a:lnRef>
-          <a:fillRef idx="0">
-            <a:schemeClr val="accent1"/>
-          </a:fillRef>
-          <a:effectRef idx="2">
-            <a:schemeClr val="accent1"/>
-          </a:effectRef>
-          <a:fontRef idx="minor">
-            <a:schemeClr val="tx1"/>
-          </a:fontRef>
-        </p:style>
-      </p:cxnSp>
-      <p:cxnSp>
-        <p:nvCxnSpPr>
-          <p:cNvPr id="42" name="직선 화살표 연결선 41">
-            <a:extLst>
-              <a:ext uri="{FF2B5EF4-FFF2-40B4-BE49-F238E27FC236}">
-                <a16:creationId xmlns:a16="http://schemas.microsoft.com/office/drawing/2014/main" id="{90F6D2E0-5401-948F-D33B-E53762B575D2}"/>
-              </a:ext>
-            </a:extLst>
-          </p:cNvPr>
-          <p:cNvCxnSpPr>
-            <a:cxnSpLocks/>
-            <a:stCxn id="7" idx="3"/>
-            <a:endCxn id="18" idx="1"/>
-          </p:cNvCxnSpPr>
-          <p:nvPr/>
-        </p:nvCxnSpPr>
-        <p:spPr>
-          <a:xfrm flipV="1">
-            <a:off x="2748453" y="3249010"/>
-            <a:ext cx="1994335" cy="1"/>
-          </a:xfrm>
-          <a:prstGeom prst="straightConnector1">
-            <a:avLst/>
-          </a:prstGeom>
-          <a:ln>
-            <a:tailEnd type="triangle"/>
-          </a:ln>
-        </p:spPr>
-        <p:style>
-          <a:lnRef idx="3">
-            <a:schemeClr val="accent1"/>
-          </a:lnRef>
-          <a:fillRef idx="0">
-            <a:schemeClr val="accent1"/>
-          </a:fillRef>
-          <a:effectRef idx="2">
-            <a:schemeClr val="accent1"/>
-          </a:effectRef>
-          <a:fontRef idx="minor">
-            <a:schemeClr val="tx1"/>
-          </a:fontRef>
-        </p:style>
-      </p:cxnSp>
-      <p:sp>
-        <p:nvSpPr>
-          <p:cNvPr id="3" name="직사각형 2">
-            <a:extLst>
-              <a:ext uri="{FF2B5EF4-FFF2-40B4-BE49-F238E27FC236}">
-                <a16:creationId xmlns:a16="http://schemas.microsoft.com/office/drawing/2014/main" id="{3E2CAA9F-9834-BA5B-C62A-384357B8EC6D}"/>
-              </a:ext>
-            </a:extLst>
-          </p:cNvPr>
-          <p:cNvSpPr/>
-          <p:nvPr/>
-        </p:nvSpPr>
-        <p:spPr>
-          <a:xfrm>
-            <a:off x="5181598" y="739666"/>
-            <a:ext cx="1828801" cy="677917"/>
-          </a:xfrm>
-          <a:prstGeom prst="rect">
-            <a:avLst/>
-          </a:prstGeom>
-        </p:spPr>
-        <p:style>
-          <a:lnRef idx="3">
-            <a:schemeClr val="lt1"/>
-          </a:lnRef>
-          <a:fillRef idx="1">
-            <a:schemeClr val="accent3"/>
-          </a:fillRef>
-          <a:effectRef idx="1">
-            <a:schemeClr val="accent3"/>
-          </a:effectRef>
-          <a:fontRef idx="minor">
-            <a:schemeClr val="lt1"/>
-          </a:fontRef>
-        </p:style>
-        <p:txBody>
-          <a:bodyPr rtlCol="0" anchor="ctr"/>
-          <a:lstStyle/>
-          <a:p>
-            <a:pPr algn="ctr"/>
-            <a:r>
-              <a:rPr kumimoji="1" lang="en-US" altLang="ko-Kore-KR" dirty="0"/>
-              <a:t>&lt;&lt;Interface&gt;&gt;</a:t>
-            </a:r>
-          </a:p>
-          <a:p>
-            <a:pPr algn="ctr"/>
-            <a:r>
-              <a:rPr kumimoji="1" lang="en-US" altLang="ko-Kore-KR" dirty="0"/>
-              <a:t>Iterator</a:t>
-            </a:r>
-            <a:endParaRPr kumimoji="1" lang="ko-Kore-KR" altLang="en-US" dirty="0"/>
-          </a:p>
-        </p:txBody>
-      </p:sp>
-      <p:cxnSp>
-        <p:nvCxnSpPr>
-          <p:cNvPr id="6" name="직선 화살표 연결선 5">
-            <a:extLst>
-              <a:ext uri="{FF2B5EF4-FFF2-40B4-BE49-F238E27FC236}">
-                <a16:creationId xmlns:a16="http://schemas.microsoft.com/office/drawing/2014/main" id="{7454DA08-36E3-92F7-40B8-0D489D533627}"/>
-              </a:ext>
-            </a:extLst>
-          </p:cNvPr>
-          <p:cNvCxnSpPr>
-            <a:stCxn id="18" idx="0"/>
-            <a:endCxn id="3" idx="2"/>
-          </p:cNvCxnSpPr>
-          <p:nvPr/>
-        </p:nvCxnSpPr>
-        <p:spPr>
-          <a:xfrm flipV="1">
-            <a:off x="6095998" y="1417583"/>
-            <a:ext cx="1" cy="1646761"/>
+            <a:off x="2957337" y="1824170"/>
+            <a:ext cx="2" cy="1760169"/>
           </a:xfrm>
           <a:prstGeom prst="straightConnector1">
             <a:avLst/>
@@ -4797,10 +3821,10 @@
       </p:cxnSp>
       <p:sp>
         <p:nvSpPr>
-          <p:cNvPr id="11" name="삼각형 10">
-            <a:extLst>
-              <a:ext uri="{FF2B5EF4-FFF2-40B4-BE49-F238E27FC236}">
-                <a16:creationId xmlns:a16="http://schemas.microsoft.com/office/drawing/2014/main" id="{36B2A171-E450-7BED-24BD-794E2A27D2D9}"/>
+          <p:cNvPr id="74" name="직사각형 73">
+            <a:extLst>
+              <a:ext uri="{FF2B5EF4-FFF2-40B4-BE49-F238E27FC236}">
+                <a16:creationId xmlns:a16="http://schemas.microsoft.com/office/drawing/2014/main" id="{D6CF5554-4137-4C9F-4556-DFFC1ED4AFFC}"/>
               </a:ext>
             </a:extLst>
           </p:cNvPr>
@@ -4809,7 +3833,62 @@
         </p:nvSpPr>
         <p:spPr>
           <a:xfrm>
-            <a:off x="5975129" y="1417583"/>
+            <a:off x="2042938" y="1146253"/>
+            <a:ext cx="1828801" cy="677917"/>
+          </a:xfrm>
+          <a:prstGeom prst="rect">
+            <a:avLst/>
+          </a:prstGeom>
+        </p:spPr>
+        <p:style>
+          <a:lnRef idx="3">
+            <a:schemeClr val="lt1"/>
+          </a:lnRef>
+          <a:fillRef idx="1">
+            <a:schemeClr val="accent3"/>
+          </a:fillRef>
+          <a:effectRef idx="1">
+            <a:schemeClr val="accent3"/>
+          </a:effectRef>
+          <a:fontRef idx="minor">
+            <a:schemeClr val="lt1"/>
+          </a:fontRef>
+        </p:style>
+        <p:txBody>
+          <a:bodyPr rtlCol="0" anchor="ctr"/>
+          <a:lstStyle/>
+          <a:p>
+            <a:pPr algn="ctr"/>
+            <a:r>
+              <a:rPr kumimoji="1" lang="en-US" altLang="ko-Kore-KR" dirty="0"/>
+              <a:t>&lt;&lt;Interface&gt;&gt;</a:t>
+            </a:r>
+          </a:p>
+          <a:p>
+            <a:pPr algn="ctr"/>
+            <a:r>
+              <a:rPr kumimoji="1" lang="en-US" altLang="ko-Kore-KR" dirty="0"/>
+              <a:t>List</a:t>
+            </a:r>
+            <a:endParaRPr kumimoji="1" lang="ko-Kore-KR" altLang="en-US" dirty="0"/>
+          </a:p>
+        </p:txBody>
+      </p:sp>
+      <p:sp>
+        <p:nvSpPr>
+          <p:cNvPr id="76" name="삼각형 75">
+            <a:extLst>
+              <a:ext uri="{FF2B5EF4-FFF2-40B4-BE49-F238E27FC236}">
+                <a16:creationId xmlns:a16="http://schemas.microsoft.com/office/drawing/2014/main" id="{14C48F61-226C-4A28-4BA5-89259ED02001}"/>
+              </a:ext>
+            </a:extLst>
+          </p:cNvPr>
+          <p:cNvSpPr/>
+          <p:nvPr/>
+        </p:nvSpPr>
+        <p:spPr>
+          <a:xfrm>
+            <a:off x="2836468" y="1850536"/>
             <a:ext cx="241738" cy="208395"/>
           </a:xfrm>
           <a:prstGeom prst="triangle">
@@ -4837,92 +3916,68 @@
           <a:lstStyle/>
           <a:p>
             <a:pPr algn="ctr"/>
-            <a:endParaRPr kumimoji="1" lang="ko-Kore-KR" altLang="en-US"/>
-          </a:p>
-        </p:txBody>
-      </p:sp>
-      <p:sp>
-        <p:nvSpPr>
-          <p:cNvPr id="16" name="다이아몬드 15">
-            <a:extLst>
-              <a:ext uri="{FF2B5EF4-FFF2-40B4-BE49-F238E27FC236}">
-                <a16:creationId xmlns:a16="http://schemas.microsoft.com/office/drawing/2014/main" id="{B8B44190-F3F6-3E76-77B6-58EEFEEDC8D2}"/>
-              </a:ext>
-            </a:extLst>
-          </p:cNvPr>
-          <p:cNvSpPr/>
+            <a:endParaRPr kumimoji="1" lang="ko-Kore-KR" altLang="en-US" dirty="0"/>
+          </a:p>
+        </p:txBody>
+      </p:sp>
+      <p:sp>
+        <p:nvSpPr>
+          <p:cNvPr id="17" name="TextBox 16">
+            <a:extLst>
+              <a:ext uri="{FF2B5EF4-FFF2-40B4-BE49-F238E27FC236}">
+                <a16:creationId xmlns:a16="http://schemas.microsoft.com/office/drawing/2014/main" id="{907EDDEF-38E5-D52B-9FA9-E8D08FE31E26}"/>
+              </a:ext>
+            </a:extLst>
+          </p:cNvPr>
+          <p:cNvSpPr txBox="1"/>
           <p:nvPr/>
         </p:nvSpPr>
         <p:spPr>
           <a:xfrm>
-            <a:off x="2748453" y="3064344"/>
-            <a:ext cx="364656" cy="364656"/>
+            <a:off x="3933154" y="1300545"/>
+            <a:ext cx="2774731" cy="369332"/>
           </a:xfrm>
-          <a:prstGeom prst="diamond">
+          <a:prstGeom prst="rect">
             <a:avLst/>
           </a:prstGeom>
         </p:spPr>
         <p:style>
           <a:lnRef idx="2">
-            <a:schemeClr val="accent1">
-              <a:shade val="50000"/>
-            </a:schemeClr>
+            <a:schemeClr val="accent3"/>
           </a:lnRef>
           <a:fillRef idx="1">
-            <a:schemeClr val="accent1"/>
+            <a:schemeClr val="lt1"/>
           </a:fillRef>
           <a:effectRef idx="0">
-            <a:schemeClr val="accent1"/>
+            <a:schemeClr val="accent3"/>
           </a:effectRef>
           <a:fontRef idx="minor">
-            <a:schemeClr val="lt1"/>
+            <a:schemeClr val="dk1"/>
           </a:fontRef>
         </p:style>
         <p:txBody>
-          <a:bodyPr rtlCol="0" anchor="ctr"/>
-          <a:lstStyle/>
-          <a:p>
-            <a:pPr algn="ctr"/>
-            <a:endParaRPr kumimoji="1" lang="ko-Kore-KR" altLang="en-US"/>
-          </a:p>
-        </p:txBody>
-      </p:sp>
-    </p:spTree>
-    <p:extLst>
-      <p:ext uri="{BB962C8B-B14F-4D97-AF65-F5344CB8AC3E}">
-        <p14:creationId xmlns:p14="http://schemas.microsoft.com/office/powerpoint/2010/main" val="2583825536"/>
-      </p:ext>
-    </p:extLst>
-  </p:cSld>
-  <p:clrMapOvr>
-    <a:masterClrMapping/>
-  </p:clrMapOvr>
-</p:sld>
-</file>
-
-<file path=ppt/slides/slide4.xml><?xml version="1.0" encoding="utf-8"?>
-<p:sld xmlns:a="http://schemas.openxmlformats.org/drawingml/2006/main" xmlns:r="http://schemas.openxmlformats.org/officeDocument/2006/relationships" xmlns:p="http://schemas.openxmlformats.org/presentationml/2006/main">
-  <p:cSld>
-    <p:spTree>
-      <p:nvGrpSpPr>
-        <p:cNvPr id="1" name=""/>
-        <p:cNvGrpSpPr/>
-        <p:nvPr/>
-      </p:nvGrpSpPr>
-      <p:grpSpPr>
-        <a:xfrm>
-          <a:off x="0" y="0"/>
-          <a:ext cx="0" cy="0"/>
-          <a:chOff x="0" y="0"/>
-          <a:chExt cx="0" cy="0"/>
-        </a:xfrm>
-      </p:grpSpPr>
-      <p:sp>
-        <p:nvSpPr>
-          <p:cNvPr id="7" name="직사각형 6">
-            <a:extLst>
-              <a:ext uri="{FF2B5EF4-FFF2-40B4-BE49-F238E27FC236}">
-                <a16:creationId xmlns:a16="http://schemas.microsoft.com/office/drawing/2014/main" id="{FE0F70A9-B948-5105-6F83-EF9C136BC26D}"/>
+          <a:bodyPr wrap="square" rtlCol="0">
+            <a:spAutoFit/>
+          </a:bodyPr>
+          <a:lstStyle/>
+          <a:p>
+            <a:pPr marL="285750" indent="-285750">
+              <a:buFont typeface="Arial" panose="020B0604020202020204" pitchFamily="34" charset="0"/>
+              <a:buChar char="•"/>
+            </a:pPr>
+            <a:r>
+              <a:rPr lang="en" altLang="ko-Kore-KR" dirty="0"/>
+              <a:t>Iterator&lt;E&gt; iterator();</a:t>
+            </a:r>
+          </a:p>
+        </p:txBody>
+      </p:sp>
+      <p:sp>
+        <p:nvSpPr>
+          <p:cNvPr id="19" name="직사각형 18">
+            <a:extLst>
+              <a:ext uri="{FF2B5EF4-FFF2-40B4-BE49-F238E27FC236}">
+                <a16:creationId xmlns:a16="http://schemas.microsoft.com/office/drawing/2014/main" id="{B1797870-10BF-D1D3-F201-EBB0BEC2BD3B}"/>
               </a:ext>
             </a:extLst>
           </p:cNvPr>
@@ -4931,8 +3986,8 @@
         </p:nvSpPr>
         <p:spPr>
           <a:xfrm>
-            <a:off x="5514562" y="2857500"/>
-            <a:ext cx="1828801" cy="677917"/>
+            <a:off x="1981520" y="3584339"/>
+            <a:ext cx="1951634" cy="756745"/>
           </a:xfrm>
           <a:prstGeom prst="rect">
             <a:avLst/>
@@ -4960,16 +4015,8 @@
           <a:p>
             <a:pPr algn="ctr"/>
             <a:r>
-              <a:rPr kumimoji="1" lang="en-US" altLang="ko-Kore-KR" dirty="0" err="1"/>
-              <a:t>ArrayList</a:t>
-            </a:r>
-            <a:endParaRPr kumimoji="1" lang="en-US" altLang="ko-Kore-KR" dirty="0"/>
-          </a:p>
-          <a:p>
-            <a:pPr algn="ctr"/>
-            <a:r>
               <a:rPr kumimoji="1" lang="en-US" altLang="ko-Kore-KR" dirty="0"/>
-              <a:t>class</a:t>
+              <a:t>LinkedList class</a:t>
             </a:r>
             <a:endParaRPr kumimoji="1" lang="ko-Kore-KR" altLang="en-US" dirty="0"/>
           </a:p>
@@ -4977,10 +4024,10 @@
       </p:sp>
       <p:sp>
         <p:nvSpPr>
-          <p:cNvPr id="18" name="TextBox 17">
-            <a:extLst>
-              <a:ext uri="{FF2B5EF4-FFF2-40B4-BE49-F238E27FC236}">
-                <a16:creationId xmlns:a16="http://schemas.microsoft.com/office/drawing/2014/main" id="{4F232CB8-A83C-2EFF-9850-CE4F847D5AAA}"/>
+          <p:cNvPr id="22" name="TextBox 21">
+            <a:extLst>
+              <a:ext uri="{FF2B5EF4-FFF2-40B4-BE49-F238E27FC236}">
+                <a16:creationId xmlns:a16="http://schemas.microsoft.com/office/drawing/2014/main" id="{A4186C72-F094-B8B6-BADC-F593A8871E13}"/>
               </a:ext>
             </a:extLst>
           </p:cNvPr>
@@ -4989,8 +4036,8 @@
         </p:nvSpPr>
         <p:spPr>
           <a:xfrm>
-            <a:off x="8719807" y="2857500"/>
-            <a:ext cx="2706419" cy="646331"/>
+            <a:off x="3999385" y="3584339"/>
+            <a:ext cx="4072759" cy="1477328"/>
           </a:xfrm>
           <a:prstGeom prst="rect">
             <a:avLst/>
@@ -4998,18 +4045,16 @@
         </p:spPr>
         <p:style>
           <a:lnRef idx="2">
-            <a:schemeClr val="accent5">
-              <a:shade val="50000"/>
-            </a:schemeClr>
+            <a:schemeClr val="accent5"/>
           </a:lnRef>
           <a:fillRef idx="1">
-            <a:schemeClr val="accent5"/>
+            <a:schemeClr val="lt1"/>
           </a:fillRef>
           <a:effectRef idx="0">
             <a:schemeClr val="accent5"/>
           </a:effectRef>
           <a:fontRef idx="minor">
-            <a:schemeClr val="lt1"/>
+            <a:schemeClr val="dk1"/>
           </a:fontRef>
         </p:style>
         <p:txBody>
@@ -5018,71 +4063,82 @@
           </a:bodyPr>
           <a:lstStyle/>
           <a:p>
-            <a:pPr algn="ctr"/>
-            <a:r>
-              <a:rPr kumimoji="1" lang="en-US" altLang="ko-Kore-KR" dirty="0" err="1"/>
-              <a:t>ArrayListIterator</a:t>
-            </a:r>
-            <a:endParaRPr kumimoji="1" lang="en-US" altLang="ko-Kore-KR" dirty="0"/>
-          </a:p>
-          <a:p>
-            <a:pPr algn="ctr"/>
-            <a:r>
-              <a:rPr kumimoji="1" lang="en-US" altLang="ko-Kore-KR" dirty="0"/>
-              <a:t>class</a:t>
-            </a:r>
-          </a:p>
-        </p:txBody>
-      </p:sp>
-      <p:cxnSp>
-        <p:nvCxnSpPr>
-          <p:cNvPr id="42" name="직선 화살표 연결선 41">
-            <a:extLst>
-              <a:ext uri="{FF2B5EF4-FFF2-40B4-BE49-F238E27FC236}">
-                <a16:creationId xmlns:a16="http://schemas.microsoft.com/office/drawing/2014/main" id="{90F6D2E0-5401-948F-D33B-E53762B575D2}"/>
-              </a:ext>
-            </a:extLst>
-          </p:cNvPr>
-          <p:cNvCxnSpPr>
-            <a:cxnSpLocks/>
-            <a:stCxn id="7" idx="3"/>
-            <a:endCxn id="18" idx="1"/>
-          </p:cNvCxnSpPr>
-          <p:nvPr/>
-        </p:nvCxnSpPr>
-        <p:spPr>
-          <a:xfrm flipV="1">
-            <a:off x="7343363" y="3180666"/>
-            <a:ext cx="1376444" cy="15793"/>
-          </a:xfrm>
-          <a:prstGeom prst="straightConnector1">
-            <a:avLst/>
-          </a:prstGeom>
-          <a:ln>
-            <a:tailEnd type="triangle"/>
-          </a:ln>
-        </p:spPr>
-        <p:style>
-          <a:lnRef idx="3">
-            <a:schemeClr val="accent1"/>
-          </a:lnRef>
-          <a:fillRef idx="0">
-            <a:schemeClr val="accent1"/>
-          </a:fillRef>
-          <a:effectRef idx="2">
-            <a:schemeClr val="accent1"/>
-          </a:effectRef>
-          <a:fontRef idx="minor">
-            <a:schemeClr val="tx1"/>
-          </a:fontRef>
-        </p:style>
-      </p:cxnSp>
-      <p:sp>
-        <p:nvSpPr>
-          <p:cNvPr id="3" name="직사각형 2">
-            <a:extLst>
-              <a:ext uri="{FF2B5EF4-FFF2-40B4-BE49-F238E27FC236}">
-                <a16:creationId xmlns:a16="http://schemas.microsoft.com/office/drawing/2014/main" id="{3E2CAA9F-9834-BA5B-C62A-384357B8EC6D}"/>
+            <a:r>
+              <a:rPr lang="en" altLang="ko-Kore-KR" dirty="0"/>
+              <a:t>return new </a:t>
+            </a:r>
+            <a:r>
+              <a:rPr lang="en" altLang="ko-Kore-KR" b="1" dirty="0">
+                <a:solidFill>
+                  <a:schemeClr val="bg1">
+                    <a:lumMod val="50000"/>
+                  </a:schemeClr>
+                </a:solidFill>
+              </a:rPr>
+              <a:t>Iterator</a:t>
+            </a:r>
+            <a:r>
+              <a:rPr lang="en" altLang="ko-Kore-KR" dirty="0"/>
+              <a:t>&lt;E&gt; (){</a:t>
+            </a:r>
+          </a:p>
+          <a:p>
+            <a:r>
+              <a:rPr lang="en" altLang="ko-Kore-KR" dirty="0"/>
+              <a:t>	override </a:t>
+            </a:r>
+            <a:r>
+              <a:rPr lang="en" altLang="ko-Kore-KR" dirty="0">
+                <a:sym typeface="Wingdings" pitchFamily="2" charset="2"/>
+              </a:rPr>
+              <a:t> </a:t>
+            </a:r>
+            <a:r>
+              <a:rPr lang="en" altLang="ko-Kore-KR" dirty="0" err="1"/>
+              <a:t>hasNext</a:t>
+            </a:r>
+            <a:r>
+              <a:rPr lang="en" altLang="ko-Kore-KR" dirty="0"/>
+              <a:t>();</a:t>
+            </a:r>
+          </a:p>
+          <a:p>
+            <a:r>
+              <a:rPr lang="en" altLang="ko-Kore-KR" dirty="0"/>
+              <a:t>	override </a:t>
+            </a:r>
+            <a:r>
+              <a:rPr lang="en" altLang="ko-Kore-KR" dirty="0">
+                <a:sym typeface="Wingdings" pitchFamily="2" charset="2"/>
+              </a:rPr>
+              <a:t> </a:t>
+            </a:r>
+            <a:r>
+              <a:rPr lang="en" altLang="ko-Kore-KR" dirty="0"/>
+              <a:t>next();</a:t>
+            </a:r>
+          </a:p>
+          <a:p>
+            <a:r>
+              <a:rPr lang="en" altLang="ko-Kore-KR" dirty="0"/>
+              <a:t>};</a:t>
+            </a:r>
+          </a:p>
+          <a:p>
+            <a:pPr marL="285750" indent="-285750">
+              <a:buFont typeface="Arial" panose="020B0604020202020204" pitchFamily="34" charset="0"/>
+              <a:buChar char="•"/>
+            </a:pPr>
+            <a:endParaRPr kumimoji="1" lang="ko-Kore-KR" altLang="en-US" dirty="0"/>
+          </a:p>
+        </p:txBody>
+      </p:sp>
+      <p:sp>
+        <p:nvSpPr>
+          <p:cNvPr id="24" name="직사각형 23">
+            <a:extLst>
+              <a:ext uri="{FF2B5EF4-FFF2-40B4-BE49-F238E27FC236}">
+                <a16:creationId xmlns:a16="http://schemas.microsoft.com/office/drawing/2014/main" id="{3D699C57-4CDF-B70E-0A36-A7FBC54C01E5}"/>
               </a:ext>
             </a:extLst>
           </p:cNvPr>
@@ -5091,7 +4147,7 @@
         </p:nvSpPr>
         <p:spPr>
           <a:xfrm>
-            <a:off x="9143997" y="687115"/>
+            <a:off x="5213131" y="2380111"/>
             <a:ext cx="1828801" cy="677917"/>
           </a:xfrm>
           <a:prstGeom prst="rect">
@@ -5134,23 +4190,24 @@
       </p:sp>
       <p:cxnSp>
         <p:nvCxnSpPr>
-          <p:cNvPr id="6" name="직선 화살표 연결선 5">
-            <a:extLst>
-              <a:ext uri="{FF2B5EF4-FFF2-40B4-BE49-F238E27FC236}">
-                <a16:creationId xmlns:a16="http://schemas.microsoft.com/office/drawing/2014/main" id="{7454DA08-36E3-92F7-40B8-0D489D533627}"/>
+          <p:cNvPr id="25" name="직선 화살표 연결선 24">
+            <a:extLst>
+              <a:ext uri="{FF2B5EF4-FFF2-40B4-BE49-F238E27FC236}">
+                <a16:creationId xmlns:a16="http://schemas.microsoft.com/office/drawing/2014/main" id="{1ACF239F-039C-2C96-A6C7-A7D1BB7DE384}"/>
               </a:ext>
             </a:extLst>
           </p:cNvPr>
           <p:cNvCxnSpPr>
-            <a:stCxn id="18" idx="0"/>
-            <a:endCxn id="3" idx="2"/>
+            <a:cxnSpLocks/>
+            <a:stCxn id="22" idx="0"/>
+            <a:endCxn id="29" idx="3"/>
           </p:cNvCxnSpPr>
           <p:nvPr/>
         </p:nvCxnSpPr>
         <p:spPr>
           <a:xfrm flipH="1" flipV="1">
-            <a:off x="10058398" y="1365032"/>
-            <a:ext cx="14619" cy="1492468"/>
+            <a:off x="6029690" y="3219494"/>
+            <a:ext cx="6075" cy="364845"/>
           </a:xfrm>
           <a:prstGeom prst="straightConnector1">
             <a:avLst/>
@@ -5182,10 +4239,10 @@
       </p:cxnSp>
       <p:sp>
         <p:nvSpPr>
-          <p:cNvPr id="11" name="삼각형 10">
-            <a:extLst>
-              <a:ext uri="{FF2B5EF4-FFF2-40B4-BE49-F238E27FC236}">
-                <a16:creationId xmlns:a16="http://schemas.microsoft.com/office/drawing/2014/main" id="{36B2A171-E450-7BED-24BD-794E2A27D2D9}"/>
+          <p:cNvPr id="29" name="삼각형 28">
+            <a:extLst>
+              <a:ext uri="{FF2B5EF4-FFF2-40B4-BE49-F238E27FC236}">
+                <a16:creationId xmlns:a16="http://schemas.microsoft.com/office/drawing/2014/main" id="{2A9232C1-F53A-466C-7117-6D2CCB63B568}"/>
               </a:ext>
             </a:extLst>
           </p:cNvPr>
@@ -5193,8 +4250,8 @@
           <p:nvPr/>
         </p:nvSpPr>
         <p:spPr>
-          <a:xfrm>
-            <a:off x="9937528" y="1365032"/>
+          <a:xfrm rot="21589369">
+            <a:off x="5908499" y="3011099"/>
             <a:ext cx="241738" cy="208395"/>
           </a:xfrm>
           <a:prstGeom prst="triangle">
@@ -5222,116 +4279,26 @@
           <a:lstStyle/>
           <a:p>
             <a:pPr algn="ctr"/>
-            <a:endParaRPr kumimoji="1" lang="ko-Kore-KR" altLang="en-US"/>
-          </a:p>
-        </p:txBody>
-      </p:sp>
-      <p:sp>
-        <p:nvSpPr>
-          <p:cNvPr id="16" name="다이아몬드 15">
-            <a:extLst>
-              <a:ext uri="{FF2B5EF4-FFF2-40B4-BE49-F238E27FC236}">
-                <a16:creationId xmlns:a16="http://schemas.microsoft.com/office/drawing/2014/main" id="{B8B44190-F3F6-3E76-77B6-58EEFEEDC8D2}"/>
-              </a:ext>
-            </a:extLst>
-          </p:cNvPr>
-          <p:cNvSpPr/>
+            <a:endParaRPr kumimoji="1" lang="ko-Kore-KR" altLang="en-US" dirty="0"/>
+          </a:p>
+        </p:txBody>
+      </p:sp>
+      <p:sp>
+        <p:nvSpPr>
+          <p:cNvPr id="30" name="TextBox 29">
+            <a:extLst>
+              <a:ext uri="{FF2B5EF4-FFF2-40B4-BE49-F238E27FC236}">
+                <a16:creationId xmlns:a16="http://schemas.microsoft.com/office/drawing/2014/main" id="{3156A531-FC4C-0586-6BCE-5DC9CC88D753}"/>
+              </a:ext>
+            </a:extLst>
+          </p:cNvPr>
+          <p:cNvSpPr txBox="1"/>
           <p:nvPr/>
         </p:nvSpPr>
         <p:spPr>
           <a:xfrm>
-            <a:off x="7343363" y="3022028"/>
-            <a:ext cx="364656" cy="364656"/>
-          </a:xfrm>
-          <a:prstGeom prst="diamond">
-            <a:avLst/>
-          </a:prstGeom>
-        </p:spPr>
-        <p:style>
-          <a:lnRef idx="2">
-            <a:schemeClr val="accent1">
-              <a:shade val="50000"/>
-            </a:schemeClr>
-          </a:lnRef>
-          <a:fillRef idx="1">
-            <a:schemeClr val="accent1"/>
-          </a:fillRef>
-          <a:effectRef idx="0">
-            <a:schemeClr val="accent1"/>
-          </a:effectRef>
-          <a:fontRef idx="minor">
-            <a:schemeClr val="lt1"/>
-          </a:fontRef>
-        </p:style>
-        <p:txBody>
-          <a:bodyPr rtlCol="0" anchor="ctr"/>
-          <a:lstStyle/>
-          <a:p>
-            <a:pPr algn="ctr"/>
-            <a:endParaRPr kumimoji="1" lang="ko-Kore-KR" altLang="en-US"/>
-          </a:p>
-        </p:txBody>
-      </p:sp>
-      <p:sp>
-        <p:nvSpPr>
-          <p:cNvPr id="9" name="웃는 얼굴[S] 8">
-            <a:extLst>
-              <a:ext uri="{FF2B5EF4-FFF2-40B4-BE49-F238E27FC236}">
-                <a16:creationId xmlns:a16="http://schemas.microsoft.com/office/drawing/2014/main" id="{9AD281F6-8FBE-AF90-8550-860B19166E98}"/>
-              </a:ext>
-            </a:extLst>
-          </p:cNvPr>
-          <p:cNvSpPr/>
-          <p:nvPr/>
-        </p:nvSpPr>
-        <p:spPr>
-          <a:xfrm>
-            <a:off x="819809" y="2461681"/>
-            <a:ext cx="1313793" cy="1313793"/>
-          </a:xfrm>
-          <a:prstGeom prst="smileyFace">
-            <a:avLst/>
-          </a:prstGeom>
-        </p:spPr>
-        <p:style>
-          <a:lnRef idx="3">
-            <a:schemeClr val="lt1"/>
-          </a:lnRef>
-          <a:fillRef idx="1">
-            <a:schemeClr val="accent4"/>
-          </a:fillRef>
-          <a:effectRef idx="1">
-            <a:schemeClr val="accent4"/>
-          </a:effectRef>
-          <a:fontRef idx="minor">
-            <a:schemeClr val="lt1"/>
-          </a:fontRef>
-        </p:style>
-        <p:txBody>
-          <a:bodyPr rtlCol="0" anchor="ctr"/>
-          <a:lstStyle/>
-          <a:p>
-            <a:pPr algn="ctr"/>
-            <a:endParaRPr kumimoji="1" lang="ko-Kore-KR" altLang="en-US"/>
-          </a:p>
-        </p:txBody>
-      </p:sp>
-      <p:sp>
-        <p:nvSpPr>
-          <p:cNvPr id="10" name="TextBox 9">
-            <a:extLst>
-              <a:ext uri="{FF2B5EF4-FFF2-40B4-BE49-F238E27FC236}">
-                <a16:creationId xmlns:a16="http://schemas.microsoft.com/office/drawing/2014/main" id="{F059417A-1666-A201-A3EB-C2369ABB6376}"/>
-              </a:ext>
-            </a:extLst>
-          </p:cNvPr>
-          <p:cNvSpPr txBox="1"/>
-          <p:nvPr/>
-        </p:nvSpPr>
-        <p:spPr>
-          <a:xfrm>
-            <a:off x="945932" y="2024905"/>
-            <a:ext cx="1061545" cy="369332"/>
+            <a:off x="7166751" y="2383401"/>
+            <a:ext cx="2774731" cy="646331"/>
           </a:xfrm>
           <a:prstGeom prst="rect">
             <a:avLst/>
@@ -5339,13 +4306,13 @@
         </p:spPr>
         <p:style>
           <a:lnRef idx="2">
-            <a:schemeClr val="accent4"/>
+            <a:schemeClr val="accent3"/>
           </a:lnRef>
           <a:fillRef idx="1">
             <a:schemeClr val="lt1"/>
           </a:fillRef>
           <a:effectRef idx="0">
-            <a:schemeClr val="accent4"/>
+            <a:schemeClr val="accent3"/>
           </a:effectRef>
           <a:fontRef idx="minor">
             <a:schemeClr val="dk1"/>
@@ -5357,1358 +4324,28 @@
           </a:bodyPr>
           <a:lstStyle/>
           <a:p>
-            <a:r>
-              <a:rPr kumimoji="1" lang="en-US" altLang="ko-Kore-KR" dirty="0"/>
-              <a:t>Test01</a:t>
-            </a:r>
-            <a:endParaRPr kumimoji="1" lang="ko-Kore-KR" altLang="en-US" dirty="0"/>
-          </a:p>
-        </p:txBody>
-      </p:sp>
-      <p:cxnSp>
-        <p:nvCxnSpPr>
-          <p:cNvPr id="13" name="직선 화살표 연결선 12">
-            <a:extLst>
-              <a:ext uri="{FF2B5EF4-FFF2-40B4-BE49-F238E27FC236}">
-                <a16:creationId xmlns:a16="http://schemas.microsoft.com/office/drawing/2014/main" id="{802D944C-A824-0AC2-724D-C6C5E9004EF8}"/>
-              </a:ext>
-            </a:extLst>
-          </p:cNvPr>
-          <p:cNvCxnSpPr>
-            <a:cxnSpLocks/>
-            <a:stCxn id="9" idx="7"/>
-            <a:endCxn id="7" idx="0"/>
-          </p:cNvCxnSpPr>
-          <p:nvPr/>
-        </p:nvCxnSpPr>
-        <p:spPr>
-          <a:xfrm>
-            <a:off x="1941201" y="2654082"/>
-            <a:ext cx="4487762" cy="203418"/>
-          </a:xfrm>
-          <a:prstGeom prst="straightConnector1">
-            <a:avLst/>
-          </a:prstGeom>
-          <a:ln>
-            <a:tailEnd type="triangle"/>
-          </a:ln>
-        </p:spPr>
-        <p:style>
-          <a:lnRef idx="3">
-            <a:schemeClr val="accent4"/>
-          </a:lnRef>
-          <a:fillRef idx="0">
-            <a:schemeClr val="accent4"/>
-          </a:fillRef>
-          <a:effectRef idx="2">
-            <a:schemeClr val="accent4"/>
-          </a:effectRef>
-          <a:fontRef idx="minor">
-            <a:schemeClr val="tx1"/>
-          </a:fontRef>
-        </p:style>
-      </p:cxnSp>
-      <p:cxnSp>
-        <p:nvCxnSpPr>
-          <p:cNvPr id="15" name="직선 화살표 연결선 14">
-            <a:extLst>
-              <a:ext uri="{FF2B5EF4-FFF2-40B4-BE49-F238E27FC236}">
-                <a16:creationId xmlns:a16="http://schemas.microsoft.com/office/drawing/2014/main" id="{EB09BD6B-2D06-DC57-BCCE-830F58840380}"/>
-              </a:ext>
-            </a:extLst>
-          </p:cNvPr>
-          <p:cNvCxnSpPr>
-            <a:cxnSpLocks/>
-            <a:stCxn id="7" idx="2"/>
-            <a:endCxn id="9" idx="5"/>
-          </p:cNvCxnSpPr>
-          <p:nvPr/>
-        </p:nvCxnSpPr>
-        <p:spPr>
-          <a:xfrm flipH="1">
-            <a:off x="1941201" y="3535417"/>
-            <a:ext cx="4487762" cy="47656"/>
-          </a:xfrm>
-          <a:prstGeom prst="straightConnector1">
-            <a:avLst/>
-          </a:prstGeom>
-          <a:ln>
-            <a:tailEnd type="triangle"/>
-          </a:ln>
-        </p:spPr>
-        <p:style>
-          <a:lnRef idx="3">
-            <a:schemeClr val="accent4"/>
-          </a:lnRef>
-          <a:fillRef idx="0">
-            <a:schemeClr val="accent4"/>
-          </a:fillRef>
-          <a:effectRef idx="2">
-            <a:schemeClr val="accent4"/>
-          </a:effectRef>
-          <a:fontRef idx="minor">
-            <a:schemeClr val="tx1"/>
-          </a:fontRef>
-        </p:style>
-      </p:cxnSp>
-      <p:cxnSp>
-        <p:nvCxnSpPr>
-          <p:cNvPr id="26" name="구부러진 연결선[U] 25">
-            <a:extLst>
-              <a:ext uri="{FF2B5EF4-FFF2-40B4-BE49-F238E27FC236}">
-                <a16:creationId xmlns:a16="http://schemas.microsoft.com/office/drawing/2014/main" id="{3C94107B-DD19-38C3-FE99-B7CD74285F75}"/>
-              </a:ext>
-            </a:extLst>
-          </p:cNvPr>
-          <p:cNvCxnSpPr>
-            <a:stCxn id="9" idx="4"/>
-            <a:endCxn id="18" idx="2"/>
-          </p:cNvCxnSpPr>
-          <p:nvPr/>
-        </p:nvCxnSpPr>
-        <p:spPr>
-          <a:xfrm rot="5400000" flipH="1" flipV="1">
-            <a:off x="5639039" y="-658503"/>
-            <a:ext cx="271643" cy="8596311"/>
-          </a:xfrm>
-          <a:prstGeom prst="curvedConnector3">
-            <a:avLst>
-              <a:gd name="adj1" fmla="val -84155"/>
-            </a:avLst>
-          </a:prstGeom>
-          <a:ln>
-            <a:tailEnd type="triangle"/>
-          </a:ln>
-        </p:spPr>
-        <p:style>
-          <a:lnRef idx="3">
-            <a:schemeClr val="accent2"/>
-          </a:lnRef>
-          <a:fillRef idx="0">
-            <a:schemeClr val="accent2"/>
-          </a:fillRef>
-          <a:effectRef idx="2">
-            <a:schemeClr val="accent2"/>
-          </a:effectRef>
-          <a:fontRef idx="minor">
-            <a:schemeClr val="tx1"/>
-          </a:fontRef>
-        </p:style>
-      </p:cxnSp>
-      <p:sp>
-        <p:nvSpPr>
-          <p:cNvPr id="27" name="TextBox 26">
-            <a:extLst>
-              <a:ext uri="{FF2B5EF4-FFF2-40B4-BE49-F238E27FC236}">
-                <a16:creationId xmlns:a16="http://schemas.microsoft.com/office/drawing/2014/main" id="{2ECC67E2-C8A2-2F6D-CF7F-4FD1ACEAF1C1}"/>
-              </a:ext>
-            </a:extLst>
-          </p:cNvPr>
-          <p:cNvSpPr txBox="1"/>
-          <p:nvPr/>
-        </p:nvSpPr>
-        <p:spPr>
-          <a:xfrm>
-            <a:off x="3095867" y="2599106"/>
-            <a:ext cx="1742090" cy="369332"/>
-          </a:xfrm>
-          <a:prstGeom prst="rect">
-            <a:avLst/>
-          </a:prstGeom>
-        </p:spPr>
-        <p:style>
-          <a:lnRef idx="2">
-            <a:schemeClr val="accent4"/>
-          </a:lnRef>
-          <a:fillRef idx="1">
-            <a:schemeClr val="lt1"/>
-          </a:fillRef>
-          <a:effectRef idx="0">
-            <a:schemeClr val="accent4"/>
-          </a:effectRef>
-          <a:fontRef idx="minor">
-            <a:schemeClr val="dk1"/>
-          </a:fontRef>
-        </p:style>
-        <p:txBody>
-          <a:bodyPr wrap="square" rtlCol="0">
-            <a:spAutoFit/>
-          </a:bodyPr>
-          <a:lstStyle/>
-          <a:p>
-            <a:r>
-              <a:rPr kumimoji="1" lang="en-US" altLang="ko-Kore-KR" dirty="0"/>
-              <a:t>1. iterator()</a:t>
-            </a:r>
-          </a:p>
-        </p:txBody>
-      </p:sp>
-      <p:sp>
-        <p:nvSpPr>
-          <p:cNvPr id="28" name="TextBox 27">
-            <a:extLst>
-              <a:ext uri="{FF2B5EF4-FFF2-40B4-BE49-F238E27FC236}">
-                <a16:creationId xmlns:a16="http://schemas.microsoft.com/office/drawing/2014/main" id="{A8969F77-94AC-C2A1-A069-1C13A4194908}"/>
-              </a:ext>
-            </a:extLst>
-          </p:cNvPr>
-          <p:cNvSpPr txBox="1"/>
-          <p:nvPr/>
-        </p:nvSpPr>
-        <p:spPr>
-          <a:xfrm>
-            <a:off x="7484680" y="2487220"/>
-            <a:ext cx="1134706" cy="369332"/>
-          </a:xfrm>
-          <a:prstGeom prst="rect">
-            <a:avLst/>
-          </a:prstGeom>
-        </p:spPr>
-        <p:style>
-          <a:lnRef idx="2">
-            <a:schemeClr val="accent5"/>
-          </a:lnRef>
-          <a:fillRef idx="1">
-            <a:schemeClr val="lt1"/>
-          </a:fillRef>
-          <a:effectRef idx="0">
-            <a:schemeClr val="accent5"/>
-          </a:effectRef>
-          <a:fontRef idx="minor">
-            <a:schemeClr val="dk1"/>
-          </a:fontRef>
-        </p:style>
-        <p:txBody>
-          <a:bodyPr wrap="square" rtlCol="0">
-            <a:spAutoFit/>
-          </a:bodyPr>
-          <a:lstStyle/>
-          <a:p>
-            <a:r>
-              <a:rPr kumimoji="1" lang="en-US" altLang="ko-Kore-KR" dirty="0"/>
-              <a:t>2. new</a:t>
-            </a:r>
-          </a:p>
-        </p:txBody>
-      </p:sp>
-      <p:sp>
-        <p:nvSpPr>
-          <p:cNvPr id="29" name="TextBox 28">
-            <a:extLst>
-              <a:ext uri="{FF2B5EF4-FFF2-40B4-BE49-F238E27FC236}">
-                <a16:creationId xmlns:a16="http://schemas.microsoft.com/office/drawing/2014/main" id="{979DAA10-BB6E-6726-80BE-B1CE7DEB16D9}"/>
-              </a:ext>
-            </a:extLst>
-          </p:cNvPr>
-          <p:cNvSpPr txBox="1"/>
-          <p:nvPr/>
-        </p:nvSpPr>
-        <p:spPr>
-          <a:xfrm>
-            <a:off x="3092791" y="3381125"/>
-            <a:ext cx="1742090" cy="369332"/>
-          </a:xfrm>
-          <a:prstGeom prst="rect">
-            <a:avLst/>
-          </a:prstGeom>
-        </p:spPr>
-        <p:style>
-          <a:lnRef idx="2">
-            <a:schemeClr val="accent4"/>
-          </a:lnRef>
-          <a:fillRef idx="1">
-            <a:schemeClr val="lt1"/>
-          </a:fillRef>
-          <a:effectRef idx="0">
-            <a:schemeClr val="accent4"/>
-          </a:effectRef>
-          <a:fontRef idx="minor">
-            <a:schemeClr val="dk1"/>
-          </a:fontRef>
-        </p:style>
-        <p:txBody>
-          <a:bodyPr wrap="square" rtlCol="0">
-            <a:spAutoFit/>
-          </a:bodyPr>
-          <a:lstStyle/>
-          <a:p>
-            <a:r>
-              <a:rPr kumimoji="1" lang="en-US" altLang="ko-Kore-KR" dirty="0"/>
-              <a:t>3. Iterator </a:t>
-            </a:r>
-            <a:r>
-              <a:rPr kumimoji="1" lang="ko-Kore-KR" altLang="en-US" dirty="0"/>
-              <a:t>리턴</a:t>
-            </a:r>
-            <a:endParaRPr kumimoji="1" lang="en-US" altLang="ko-Kore-KR" dirty="0"/>
-          </a:p>
-        </p:txBody>
-      </p:sp>
-      <p:sp>
-        <p:nvSpPr>
-          <p:cNvPr id="14" name="TextBox 13">
-            <a:extLst>
-              <a:ext uri="{FF2B5EF4-FFF2-40B4-BE49-F238E27FC236}">
-                <a16:creationId xmlns:a16="http://schemas.microsoft.com/office/drawing/2014/main" id="{12424D5B-79B7-CF39-074C-257708FF3616}"/>
-              </a:ext>
-            </a:extLst>
-          </p:cNvPr>
-          <p:cNvSpPr txBox="1"/>
-          <p:nvPr/>
-        </p:nvSpPr>
-        <p:spPr>
-          <a:xfrm>
-            <a:off x="5601273" y="3720082"/>
-            <a:ext cx="1742090" cy="646331"/>
-          </a:xfrm>
-          <a:prstGeom prst="rect">
-            <a:avLst/>
-          </a:prstGeom>
-        </p:spPr>
-        <p:style>
-          <a:lnRef idx="2">
-            <a:schemeClr val="accent2"/>
-          </a:lnRef>
-          <a:fillRef idx="1">
-            <a:schemeClr val="lt1"/>
-          </a:fillRef>
-          <a:effectRef idx="0">
-            <a:schemeClr val="accent2"/>
-          </a:effectRef>
-          <a:fontRef idx="minor">
-            <a:schemeClr val="dk1"/>
-          </a:fontRef>
-        </p:style>
-        <p:txBody>
-          <a:bodyPr wrap="square" rtlCol="0">
-            <a:spAutoFit/>
-          </a:bodyPr>
-          <a:lstStyle/>
-          <a:p>
-            <a:r>
-              <a:rPr kumimoji="1" lang="en-US" altLang="ko-KR" dirty="0"/>
-              <a:t>4.</a:t>
-            </a:r>
-            <a:r>
-              <a:rPr kumimoji="1" lang="ko-KR" altLang="en-US" dirty="0"/>
-              <a:t> </a:t>
-            </a:r>
-            <a:r>
-              <a:rPr kumimoji="1" lang="en-US" altLang="ko-Kore-KR" dirty="0"/>
-              <a:t>if(</a:t>
-            </a:r>
-            <a:r>
-              <a:rPr kumimoji="1" lang="en-US" altLang="ko-Kore-KR" dirty="0" err="1"/>
+            <a:pPr marL="285750" indent="-285750">
+              <a:buFont typeface="Arial" panose="020B0604020202020204" pitchFamily="34" charset="0"/>
+              <a:buChar char="•"/>
+            </a:pPr>
+            <a:r>
+              <a:rPr lang="en" altLang="ko-Kore-KR" dirty="0" err="1"/>
               <a:t>hasNext</a:t>
             </a:r>
             <a:r>
-              <a:rPr kumimoji="1" lang="en-US" altLang="ko-Kore-KR" dirty="0"/>
-              <a:t>())</a:t>
-            </a:r>
-          </a:p>
-          <a:p>
-            <a:r>
-              <a:rPr kumimoji="1" lang="en-US" altLang="ko-Kore-KR" dirty="0">
-                <a:sym typeface="Wingdings" pitchFamily="2" charset="2"/>
-              </a:rPr>
-              <a:t> next();</a:t>
-            </a:r>
-            <a:endParaRPr kumimoji="1" lang="ko-Kore-KR" altLang="en-US" dirty="0"/>
-          </a:p>
-        </p:txBody>
-      </p:sp>
-      <p:cxnSp>
-        <p:nvCxnSpPr>
-          <p:cNvPr id="31" name="구부러진 연결선[U] 30">
-            <a:extLst>
-              <a:ext uri="{FF2B5EF4-FFF2-40B4-BE49-F238E27FC236}">
-                <a16:creationId xmlns:a16="http://schemas.microsoft.com/office/drawing/2014/main" id="{A3255819-DEB2-5CD0-4DDC-33CC23496067}"/>
-              </a:ext>
-            </a:extLst>
-          </p:cNvPr>
-          <p:cNvCxnSpPr>
-            <a:stCxn id="18" idx="0"/>
-            <a:endCxn id="7" idx="0"/>
-          </p:cNvCxnSpPr>
-          <p:nvPr/>
-        </p:nvCxnSpPr>
-        <p:spPr>
-          <a:xfrm rot="16200000" flipV="1">
-            <a:off x="8250990" y="1035473"/>
-            <a:ext cx="12700" cy="3644054"/>
-          </a:xfrm>
-          <a:prstGeom prst="curvedConnector3">
-            <a:avLst>
-              <a:gd name="adj1" fmla="val 9000000"/>
-            </a:avLst>
-          </a:prstGeom>
-          <a:ln>
-            <a:solidFill>
-              <a:srgbClr val="FF0000"/>
-            </a:solidFill>
-            <a:tailEnd type="triangle"/>
-          </a:ln>
-        </p:spPr>
-        <p:style>
-          <a:lnRef idx="1">
-            <a:schemeClr val="accent1"/>
-          </a:lnRef>
-          <a:fillRef idx="0">
-            <a:schemeClr val="accent1"/>
-          </a:fillRef>
-          <a:effectRef idx="0">
-            <a:schemeClr val="accent1"/>
-          </a:effectRef>
-          <a:fontRef idx="minor">
-            <a:schemeClr val="tx1"/>
-          </a:fontRef>
-        </p:style>
-      </p:cxnSp>
-      <p:sp>
-        <p:nvSpPr>
-          <p:cNvPr id="33" name="TextBox 32">
-            <a:extLst>
-              <a:ext uri="{FF2B5EF4-FFF2-40B4-BE49-F238E27FC236}">
-                <a16:creationId xmlns:a16="http://schemas.microsoft.com/office/drawing/2014/main" id="{5942CE1F-CF23-3A9A-EDD8-85E6D59249BD}"/>
-              </a:ext>
-            </a:extLst>
-          </p:cNvPr>
-          <p:cNvSpPr txBox="1"/>
-          <p:nvPr/>
-        </p:nvSpPr>
-        <p:spPr>
-          <a:xfrm>
-            <a:off x="7708019" y="1573427"/>
-            <a:ext cx="1134706" cy="369332"/>
-          </a:xfrm>
-          <a:prstGeom prst="rect">
-            <a:avLst/>
-          </a:prstGeom>
-          <a:ln>
-            <a:solidFill>
-              <a:srgbClr val="FF0000"/>
-            </a:solidFill>
-          </a:ln>
-        </p:spPr>
-        <p:style>
-          <a:lnRef idx="2">
-            <a:schemeClr val="accent5"/>
-          </a:lnRef>
-          <a:fillRef idx="1">
-            <a:schemeClr val="lt1"/>
-          </a:fillRef>
-          <a:effectRef idx="0">
-            <a:schemeClr val="accent5"/>
-          </a:effectRef>
-          <a:fontRef idx="minor">
-            <a:schemeClr val="dk1"/>
-          </a:fontRef>
-        </p:style>
-        <p:txBody>
-          <a:bodyPr wrap="square" rtlCol="0">
-            <a:spAutoFit/>
-          </a:bodyPr>
-          <a:lstStyle/>
-          <a:p>
-            <a:r>
-              <a:rPr kumimoji="1" lang="en-US" altLang="ko-KR" dirty="0"/>
-              <a:t>this</a:t>
-            </a:r>
-            <a:r>
-              <a:rPr kumimoji="1" lang="ko-KR" altLang="en-US" dirty="0"/>
-              <a:t> 이용</a:t>
-            </a:r>
-            <a:endParaRPr kumimoji="1" lang="en-US" altLang="ko-Kore-KR" dirty="0"/>
-          </a:p>
-        </p:txBody>
-      </p:sp>
-    </p:spTree>
-    <p:extLst>
-      <p:ext uri="{BB962C8B-B14F-4D97-AF65-F5344CB8AC3E}">
-        <p14:creationId xmlns:p14="http://schemas.microsoft.com/office/powerpoint/2010/main" val="1111160965"/>
-      </p:ext>
-    </p:extLst>
-  </p:cSld>
-  <p:clrMapOvr>
-    <a:masterClrMapping/>
-  </p:clrMapOvr>
-</p:sld>
-</file>
-
-<file path=ppt/slides/slide5.xml><?xml version="1.0" encoding="utf-8"?>
-<p:sld xmlns:a="http://schemas.openxmlformats.org/drawingml/2006/main" xmlns:r="http://schemas.openxmlformats.org/officeDocument/2006/relationships" xmlns:p="http://schemas.openxmlformats.org/presentationml/2006/main">
-  <p:cSld>
-    <p:spTree>
-      <p:nvGrpSpPr>
-        <p:cNvPr id="1" name=""/>
-        <p:cNvGrpSpPr/>
-        <p:nvPr/>
-      </p:nvGrpSpPr>
-      <p:grpSpPr>
-        <a:xfrm>
-          <a:off x="0" y="0"/>
-          <a:ext cx="0" cy="0"/>
-          <a:chOff x="0" y="0"/>
-          <a:chExt cx="0" cy="0"/>
-        </a:xfrm>
-      </p:grpSpPr>
-      <p:cxnSp>
-        <p:nvCxnSpPr>
-          <p:cNvPr id="75" name="직선 화살표 연결선 74">
-            <a:extLst>
-              <a:ext uri="{FF2B5EF4-FFF2-40B4-BE49-F238E27FC236}">
-                <a16:creationId xmlns:a16="http://schemas.microsoft.com/office/drawing/2014/main" id="{6D35E7B3-3A74-489D-2B33-6F19BBD938EE}"/>
-              </a:ext>
-            </a:extLst>
-          </p:cNvPr>
-          <p:cNvCxnSpPr>
-            <a:cxnSpLocks/>
-            <a:stCxn id="10" idx="0"/>
-            <a:endCxn id="74" idx="2"/>
-          </p:cNvCxnSpPr>
-          <p:nvPr/>
-        </p:nvCxnSpPr>
-        <p:spPr>
-          <a:xfrm flipV="1">
-            <a:off x="4218579" y="773136"/>
-            <a:ext cx="1" cy="5033830"/>
-          </a:xfrm>
-          <a:prstGeom prst="straightConnector1">
-            <a:avLst/>
-          </a:prstGeom>
-          <a:ln w="9525" cap="flat" cmpd="sng" algn="ctr">
-            <a:solidFill>
-              <a:schemeClr val="accent3"/>
-            </a:solidFill>
-            <a:prstDash val="dash"/>
-            <a:round/>
-            <a:headEnd type="none" w="med" len="med"/>
-            <a:tailEnd type="none" w="med" len="med"/>
-          </a:ln>
-        </p:spPr>
-        <p:style>
-          <a:lnRef idx="0">
-            <a:scrgbClr r="0" g="0" b="0"/>
-          </a:lnRef>
-          <a:fillRef idx="0">
-            <a:scrgbClr r="0" g="0" b="0"/>
-          </a:fillRef>
-          <a:effectRef idx="0">
-            <a:scrgbClr r="0" g="0" b="0"/>
-          </a:effectRef>
-          <a:fontRef idx="minor">
-            <a:schemeClr val="tx1"/>
-          </a:fontRef>
-        </p:style>
-      </p:cxnSp>
-      <p:sp>
-        <p:nvSpPr>
-          <p:cNvPr id="4" name="직사각형 3">
-            <a:extLst>
-              <a:ext uri="{FF2B5EF4-FFF2-40B4-BE49-F238E27FC236}">
-                <a16:creationId xmlns:a16="http://schemas.microsoft.com/office/drawing/2014/main" id="{92D1EBF9-BF79-C348-542E-7867D7EFD64A}"/>
-              </a:ext>
-            </a:extLst>
-          </p:cNvPr>
-          <p:cNvSpPr/>
-          <p:nvPr/>
-        </p:nvSpPr>
-        <p:spPr>
-          <a:xfrm>
-            <a:off x="3148494" y="1573926"/>
-            <a:ext cx="2140173" cy="677917"/>
-          </a:xfrm>
-          <a:prstGeom prst="rect">
-            <a:avLst/>
-          </a:prstGeom>
-        </p:spPr>
-        <p:style>
-          <a:lnRef idx="2">
-            <a:schemeClr val="accent1">
-              <a:shade val="50000"/>
-            </a:schemeClr>
-          </a:lnRef>
-          <a:fillRef idx="1">
-            <a:schemeClr val="accent1"/>
-          </a:fillRef>
-          <a:effectRef idx="0">
-            <a:schemeClr val="accent1"/>
-          </a:effectRef>
-          <a:fontRef idx="minor">
-            <a:schemeClr val="lt1"/>
-          </a:fontRef>
-        </p:style>
-        <p:txBody>
-          <a:bodyPr rtlCol="0" anchor="ctr"/>
-          <a:lstStyle/>
-          <a:p>
-            <a:pPr algn="ctr"/>
-            <a:r>
-              <a:rPr kumimoji="1" lang="en-US" altLang="ko-Kore-KR" dirty="0" err="1"/>
-              <a:t>ArrayListIterator</a:t>
-            </a:r>
-            <a:endParaRPr kumimoji="1" lang="ko-Kore-KR" altLang="en-US" dirty="0"/>
-          </a:p>
-        </p:txBody>
-      </p:sp>
-      <p:sp>
-        <p:nvSpPr>
-          <p:cNvPr id="7" name="직사각형 6">
-            <a:extLst>
-              <a:ext uri="{FF2B5EF4-FFF2-40B4-BE49-F238E27FC236}">
-                <a16:creationId xmlns:a16="http://schemas.microsoft.com/office/drawing/2014/main" id="{FE0F70A9-B948-5105-6F83-EF9C136BC26D}"/>
-              </a:ext>
-            </a:extLst>
-          </p:cNvPr>
-          <p:cNvSpPr/>
-          <p:nvPr/>
-        </p:nvSpPr>
-        <p:spPr>
-          <a:xfrm>
-            <a:off x="3148493" y="2609195"/>
-            <a:ext cx="2140173" cy="677917"/>
-          </a:xfrm>
-          <a:prstGeom prst="rect">
-            <a:avLst/>
-          </a:prstGeom>
-        </p:spPr>
-        <p:style>
-          <a:lnRef idx="2">
-            <a:schemeClr val="accent1">
-              <a:shade val="50000"/>
-            </a:schemeClr>
-          </a:lnRef>
-          <a:fillRef idx="1">
-            <a:schemeClr val="accent1"/>
-          </a:fillRef>
-          <a:effectRef idx="0">
-            <a:schemeClr val="accent1"/>
-          </a:effectRef>
-          <a:fontRef idx="minor">
-            <a:schemeClr val="lt1"/>
-          </a:fontRef>
-        </p:style>
-        <p:txBody>
-          <a:bodyPr rtlCol="0" anchor="ctr"/>
-          <a:lstStyle/>
-          <a:p>
-            <a:pPr algn="ctr"/>
-            <a:r>
-              <a:rPr kumimoji="1" lang="en-US" altLang="ko-Kore-KR" dirty="0" err="1"/>
-              <a:t>LinkedListIterator</a:t>
-            </a:r>
-            <a:endParaRPr kumimoji="1" lang="ko-Kore-KR" altLang="en-US" dirty="0"/>
-          </a:p>
-        </p:txBody>
-      </p:sp>
-      <p:sp>
-        <p:nvSpPr>
-          <p:cNvPr id="8" name="직사각형 7">
-            <a:extLst>
-              <a:ext uri="{FF2B5EF4-FFF2-40B4-BE49-F238E27FC236}">
-                <a16:creationId xmlns:a16="http://schemas.microsoft.com/office/drawing/2014/main" id="{40FFE58C-54FD-E225-41DA-D6A8FEFDFD88}"/>
-              </a:ext>
-            </a:extLst>
-          </p:cNvPr>
-          <p:cNvSpPr/>
-          <p:nvPr/>
-        </p:nvSpPr>
-        <p:spPr>
-          <a:xfrm>
-            <a:off x="3148492" y="3690446"/>
-            <a:ext cx="2140173" cy="677917"/>
-          </a:xfrm>
-          <a:prstGeom prst="rect">
-            <a:avLst/>
-          </a:prstGeom>
-        </p:spPr>
-        <p:style>
-          <a:lnRef idx="2">
-            <a:schemeClr val="accent1">
-              <a:shade val="50000"/>
-            </a:schemeClr>
-          </a:lnRef>
-          <a:fillRef idx="1">
-            <a:schemeClr val="accent1"/>
-          </a:fillRef>
-          <a:effectRef idx="0">
-            <a:schemeClr val="accent1"/>
-          </a:effectRef>
-          <a:fontRef idx="minor">
-            <a:schemeClr val="lt1"/>
-          </a:fontRef>
-        </p:style>
-        <p:txBody>
-          <a:bodyPr rtlCol="0" anchor="ctr"/>
-          <a:lstStyle/>
-          <a:p>
-            <a:pPr algn="ctr"/>
-            <a:r>
-              <a:rPr kumimoji="1" lang="en-US" altLang="ko-Kore-KR" dirty="0" err="1"/>
-              <a:t>StackIterator</a:t>
-            </a:r>
-            <a:endParaRPr kumimoji="1" lang="ko-Kore-KR" altLang="en-US" dirty="0"/>
-          </a:p>
-        </p:txBody>
-      </p:sp>
-      <p:sp>
-        <p:nvSpPr>
-          <p:cNvPr id="9" name="직사각형 8">
-            <a:extLst>
-              <a:ext uri="{FF2B5EF4-FFF2-40B4-BE49-F238E27FC236}">
-                <a16:creationId xmlns:a16="http://schemas.microsoft.com/office/drawing/2014/main" id="{7E4B8974-D4EB-E905-0ED3-2D2DDC9365F0}"/>
-              </a:ext>
-            </a:extLst>
-          </p:cNvPr>
-          <p:cNvSpPr/>
-          <p:nvPr/>
-        </p:nvSpPr>
-        <p:spPr>
-          <a:xfrm>
-            <a:off x="3148492" y="4725715"/>
-            <a:ext cx="2140173" cy="677917"/>
-          </a:xfrm>
-          <a:prstGeom prst="rect">
-            <a:avLst/>
-          </a:prstGeom>
-        </p:spPr>
-        <p:style>
-          <a:lnRef idx="2">
-            <a:schemeClr val="accent1">
-              <a:shade val="50000"/>
-            </a:schemeClr>
-          </a:lnRef>
-          <a:fillRef idx="1">
-            <a:schemeClr val="accent1"/>
-          </a:fillRef>
-          <a:effectRef idx="0">
-            <a:schemeClr val="accent1"/>
-          </a:effectRef>
-          <a:fontRef idx="minor">
-            <a:schemeClr val="lt1"/>
-          </a:fontRef>
-        </p:style>
-        <p:txBody>
-          <a:bodyPr rtlCol="0" anchor="ctr"/>
-          <a:lstStyle/>
-          <a:p>
-            <a:pPr algn="ctr"/>
-            <a:r>
-              <a:rPr kumimoji="1" lang="en-US" altLang="ko-Kore-KR" dirty="0" err="1"/>
-              <a:t>QueueIterator</a:t>
-            </a:r>
-            <a:endParaRPr kumimoji="1" lang="ko-Kore-KR" altLang="en-US" dirty="0"/>
-          </a:p>
-        </p:txBody>
-      </p:sp>
-      <p:sp>
-        <p:nvSpPr>
-          <p:cNvPr id="10" name="직사각형 9">
-            <a:extLst>
-              <a:ext uri="{FF2B5EF4-FFF2-40B4-BE49-F238E27FC236}">
-                <a16:creationId xmlns:a16="http://schemas.microsoft.com/office/drawing/2014/main" id="{071F57C6-F048-0718-D255-C12E543ACF94}"/>
-              </a:ext>
-            </a:extLst>
-          </p:cNvPr>
-          <p:cNvSpPr/>
-          <p:nvPr/>
-        </p:nvSpPr>
-        <p:spPr>
-          <a:xfrm>
-            <a:off x="3148492" y="5806966"/>
-            <a:ext cx="2140173" cy="677917"/>
-          </a:xfrm>
-          <a:prstGeom prst="rect">
-            <a:avLst/>
-          </a:prstGeom>
-        </p:spPr>
-        <p:style>
-          <a:lnRef idx="2">
-            <a:schemeClr val="accent1">
-              <a:shade val="50000"/>
-            </a:schemeClr>
-          </a:lnRef>
-          <a:fillRef idx="1">
-            <a:schemeClr val="accent1"/>
-          </a:fillRef>
-          <a:effectRef idx="0">
-            <a:schemeClr val="accent1"/>
-          </a:effectRef>
-          <a:fontRef idx="minor">
-            <a:schemeClr val="lt1"/>
-          </a:fontRef>
-        </p:style>
-        <p:txBody>
-          <a:bodyPr rtlCol="0" anchor="ctr"/>
-          <a:lstStyle/>
-          <a:p>
-            <a:pPr algn="ctr"/>
-            <a:r>
-              <a:rPr kumimoji="1" lang="en-US" altLang="ko-Kore-KR" dirty="0" err="1"/>
-              <a:t>HashSetIterator</a:t>
-            </a:r>
-            <a:endParaRPr kumimoji="1" lang="ko-Kore-KR" altLang="en-US" dirty="0"/>
-          </a:p>
-        </p:txBody>
-      </p:sp>
-      <p:sp>
-        <p:nvSpPr>
-          <p:cNvPr id="18" name="TextBox 17">
-            <a:extLst>
-              <a:ext uri="{FF2B5EF4-FFF2-40B4-BE49-F238E27FC236}">
-                <a16:creationId xmlns:a16="http://schemas.microsoft.com/office/drawing/2014/main" id="{4F232CB8-A83C-2EFF-9850-CE4F847D5AAA}"/>
-              </a:ext>
-            </a:extLst>
-          </p:cNvPr>
-          <p:cNvSpPr txBox="1"/>
-          <p:nvPr/>
-        </p:nvSpPr>
-        <p:spPr>
-          <a:xfrm>
-            <a:off x="9247136" y="3706238"/>
-            <a:ext cx="1374230" cy="646331"/>
-          </a:xfrm>
-          <a:prstGeom prst="rect">
-            <a:avLst/>
-          </a:prstGeom>
-        </p:spPr>
-        <p:style>
-          <a:lnRef idx="2">
-            <a:schemeClr val="accent5">
-              <a:shade val="50000"/>
-            </a:schemeClr>
-          </a:lnRef>
-          <a:fillRef idx="1">
-            <a:schemeClr val="accent5"/>
-          </a:fillRef>
-          <a:effectRef idx="0">
-            <a:schemeClr val="accent5"/>
-          </a:effectRef>
-          <a:fontRef idx="minor">
-            <a:schemeClr val="lt1"/>
-          </a:fontRef>
-        </p:style>
-        <p:txBody>
-          <a:bodyPr wrap="square" rtlCol="0">
-            <a:spAutoFit/>
-          </a:bodyPr>
-          <a:lstStyle/>
-          <a:p>
-            <a:pPr algn="ctr"/>
-            <a:r>
-              <a:rPr kumimoji="1" lang="en-US" altLang="ko-Kore-KR" dirty="0"/>
-              <a:t>Iterator</a:t>
-            </a:r>
-          </a:p>
-          <a:p>
-            <a:pPr algn="ctr"/>
-            <a:endParaRPr kumimoji="1" lang="ko-Kore-KR" altLang="en-US" dirty="0"/>
-          </a:p>
-        </p:txBody>
-      </p:sp>
-      <p:sp>
-        <p:nvSpPr>
-          <p:cNvPr id="2" name="TextBox 1">
-            <a:extLst>
-              <a:ext uri="{FF2B5EF4-FFF2-40B4-BE49-F238E27FC236}">
-                <a16:creationId xmlns:a16="http://schemas.microsoft.com/office/drawing/2014/main" id="{809E3B69-C23C-595C-ACCC-5B271E69E3E6}"/>
-              </a:ext>
-            </a:extLst>
-          </p:cNvPr>
-          <p:cNvSpPr txBox="1"/>
-          <p:nvPr/>
-        </p:nvSpPr>
-        <p:spPr>
-          <a:xfrm>
-            <a:off x="260127" y="3148428"/>
-            <a:ext cx="1061545" cy="369332"/>
-          </a:xfrm>
-          <a:prstGeom prst="rect">
-            <a:avLst/>
-          </a:prstGeom>
-        </p:spPr>
-        <p:style>
-          <a:lnRef idx="3">
-            <a:schemeClr val="lt1"/>
-          </a:lnRef>
-          <a:fillRef idx="1">
-            <a:schemeClr val="accent4"/>
-          </a:fillRef>
-          <a:effectRef idx="1">
-            <a:schemeClr val="accent4"/>
-          </a:effectRef>
-          <a:fontRef idx="minor">
-            <a:schemeClr val="lt1"/>
-          </a:fontRef>
-        </p:style>
-        <p:txBody>
-          <a:bodyPr wrap="square" rtlCol="0">
-            <a:spAutoFit/>
-          </a:bodyPr>
-          <a:lstStyle/>
-          <a:p>
-            <a:r>
-              <a:rPr kumimoji="1" lang="en-US" altLang="ko-Kore-KR" dirty="0"/>
-              <a:t>Test01</a:t>
-            </a:r>
-            <a:endParaRPr kumimoji="1" lang="ko-Kore-KR" altLang="en-US" dirty="0"/>
-          </a:p>
-        </p:txBody>
-      </p:sp>
-      <p:cxnSp>
-        <p:nvCxnSpPr>
-          <p:cNvPr id="3" name="직선 화살표 연결선 2">
-            <a:extLst>
-              <a:ext uri="{FF2B5EF4-FFF2-40B4-BE49-F238E27FC236}">
-                <a16:creationId xmlns:a16="http://schemas.microsoft.com/office/drawing/2014/main" id="{60DD03A1-886B-E8EC-9891-53E88182A651}"/>
-              </a:ext>
-            </a:extLst>
-          </p:cNvPr>
-          <p:cNvCxnSpPr>
-            <a:cxnSpLocks/>
-            <a:stCxn id="2" idx="3"/>
-            <a:endCxn id="4" idx="1"/>
-          </p:cNvCxnSpPr>
-          <p:nvPr/>
-        </p:nvCxnSpPr>
-        <p:spPr>
-          <a:xfrm flipV="1">
-            <a:off x="1321672" y="1912885"/>
-            <a:ext cx="1826822" cy="1420209"/>
-          </a:xfrm>
-          <a:prstGeom prst="straightConnector1">
-            <a:avLst/>
-          </a:prstGeom>
-          <a:ln>
-            <a:tailEnd type="triangle"/>
-          </a:ln>
-        </p:spPr>
-        <p:style>
-          <a:lnRef idx="3">
-            <a:schemeClr val="accent4"/>
-          </a:lnRef>
-          <a:fillRef idx="0">
-            <a:schemeClr val="accent4"/>
-          </a:fillRef>
-          <a:effectRef idx="2">
-            <a:schemeClr val="accent4"/>
-          </a:effectRef>
-          <a:fontRef idx="minor">
-            <a:schemeClr val="tx1"/>
-          </a:fontRef>
-        </p:style>
-      </p:cxnSp>
-      <p:cxnSp>
-        <p:nvCxnSpPr>
-          <p:cNvPr id="11" name="직선 화살표 연결선 10">
-            <a:extLst>
-              <a:ext uri="{FF2B5EF4-FFF2-40B4-BE49-F238E27FC236}">
-                <a16:creationId xmlns:a16="http://schemas.microsoft.com/office/drawing/2014/main" id="{2B2D4080-FC4C-F72C-90C9-6C762DBB33C6}"/>
-              </a:ext>
-            </a:extLst>
-          </p:cNvPr>
-          <p:cNvCxnSpPr>
-            <a:cxnSpLocks/>
-            <a:stCxn id="2" idx="3"/>
-            <a:endCxn id="7" idx="1"/>
-          </p:cNvCxnSpPr>
-          <p:nvPr/>
-        </p:nvCxnSpPr>
-        <p:spPr>
-          <a:xfrm flipV="1">
-            <a:off x="1321672" y="2948154"/>
-            <a:ext cx="1826821" cy="384940"/>
-          </a:xfrm>
-          <a:prstGeom prst="straightConnector1">
-            <a:avLst/>
-          </a:prstGeom>
-          <a:ln>
-            <a:tailEnd type="triangle"/>
-          </a:ln>
-        </p:spPr>
-        <p:style>
-          <a:lnRef idx="3">
-            <a:schemeClr val="accent4"/>
-          </a:lnRef>
-          <a:fillRef idx="0">
-            <a:schemeClr val="accent4"/>
-          </a:fillRef>
-          <a:effectRef idx="2">
-            <a:schemeClr val="accent4"/>
-          </a:effectRef>
-          <a:fontRef idx="minor">
-            <a:schemeClr val="tx1"/>
-          </a:fontRef>
-        </p:style>
-      </p:cxnSp>
-      <p:cxnSp>
-        <p:nvCxnSpPr>
-          <p:cNvPr id="15" name="직선 화살표 연결선 14">
-            <a:extLst>
-              <a:ext uri="{FF2B5EF4-FFF2-40B4-BE49-F238E27FC236}">
-                <a16:creationId xmlns:a16="http://schemas.microsoft.com/office/drawing/2014/main" id="{4EDF7106-1773-A19B-FA36-08098E87CF24}"/>
-              </a:ext>
-            </a:extLst>
-          </p:cNvPr>
-          <p:cNvCxnSpPr>
-            <a:cxnSpLocks/>
-            <a:stCxn id="2" idx="3"/>
-            <a:endCxn id="8" idx="1"/>
-          </p:cNvCxnSpPr>
-          <p:nvPr/>
-        </p:nvCxnSpPr>
-        <p:spPr>
-          <a:xfrm>
-            <a:off x="1321672" y="3333094"/>
-            <a:ext cx="1826820" cy="696311"/>
-          </a:xfrm>
-          <a:prstGeom prst="straightConnector1">
-            <a:avLst/>
-          </a:prstGeom>
-          <a:ln>
-            <a:tailEnd type="triangle"/>
-          </a:ln>
-        </p:spPr>
-        <p:style>
-          <a:lnRef idx="3">
-            <a:schemeClr val="accent4"/>
-          </a:lnRef>
-          <a:fillRef idx="0">
-            <a:schemeClr val="accent4"/>
-          </a:fillRef>
-          <a:effectRef idx="2">
-            <a:schemeClr val="accent4"/>
-          </a:effectRef>
-          <a:fontRef idx="minor">
-            <a:schemeClr val="tx1"/>
-          </a:fontRef>
-        </p:style>
-      </p:cxnSp>
-      <p:cxnSp>
-        <p:nvCxnSpPr>
-          <p:cNvPr id="20" name="직선 화살표 연결선 19">
-            <a:extLst>
-              <a:ext uri="{FF2B5EF4-FFF2-40B4-BE49-F238E27FC236}">
-                <a16:creationId xmlns:a16="http://schemas.microsoft.com/office/drawing/2014/main" id="{08EB027B-4E4A-49CA-ACE9-6B2F3A9A42CA}"/>
-              </a:ext>
-            </a:extLst>
-          </p:cNvPr>
-          <p:cNvCxnSpPr>
-            <a:cxnSpLocks/>
-            <a:stCxn id="2" idx="3"/>
-            <a:endCxn id="9" idx="1"/>
-          </p:cNvCxnSpPr>
-          <p:nvPr/>
-        </p:nvCxnSpPr>
-        <p:spPr>
-          <a:xfrm>
-            <a:off x="1321672" y="3333094"/>
-            <a:ext cx="1826820" cy="1731580"/>
-          </a:xfrm>
-          <a:prstGeom prst="straightConnector1">
-            <a:avLst/>
-          </a:prstGeom>
-          <a:ln>
-            <a:tailEnd type="triangle"/>
-          </a:ln>
-        </p:spPr>
-        <p:style>
-          <a:lnRef idx="3">
-            <a:schemeClr val="accent4"/>
-          </a:lnRef>
-          <a:fillRef idx="0">
-            <a:schemeClr val="accent4"/>
-          </a:fillRef>
-          <a:effectRef idx="2">
-            <a:schemeClr val="accent4"/>
-          </a:effectRef>
-          <a:fontRef idx="minor">
-            <a:schemeClr val="tx1"/>
-          </a:fontRef>
-        </p:style>
-      </p:cxnSp>
-      <p:cxnSp>
-        <p:nvCxnSpPr>
-          <p:cNvPr id="23" name="직선 화살표 연결선 22">
-            <a:extLst>
-              <a:ext uri="{FF2B5EF4-FFF2-40B4-BE49-F238E27FC236}">
-                <a16:creationId xmlns:a16="http://schemas.microsoft.com/office/drawing/2014/main" id="{27E6CE55-5EA1-4011-C28F-9CD10E6E327B}"/>
-              </a:ext>
-            </a:extLst>
-          </p:cNvPr>
-          <p:cNvCxnSpPr>
-            <a:cxnSpLocks/>
-            <a:stCxn id="2" idx="3"/>
-            <a:endCxn id="10" idx="1"/>
-          </p:cNvCxnSpPr>
-          <p:nvPr/>
-        </p:nvCxnSpPr>
-        <p:spPr>
-          <a:xfrm>
-            <a:off x="1321672" y="3333094"/>
-            <a:ext cx="1826820" cy="2812831"/>
-          </a:xfrm>
-          <a:prstGeom prst="straightConnector1">
-            <a:avLst/>
-          </a:prstGeom>
-          <a:ln>
-            <a:tailEnd type="triangle"/>
-          </a:ln>
-        </p:spPr>
-        <p:style>
-          <a:lnRef idx="3">
-            <a:schemeClr val="accent4"/>
-          </a:lnRef>
-          <a:fillRef idx="0">
-            <a:schemeClr val="accent4"/>
-          </a:fillRef>
-          <a:effectRef idx="2">
-            <a:schemeClr val="accent4"/>
-          </a:effectRef>
-          <a:fontRef idx="minor">
-            <a:schemeClr val="tx1"/>
-          </a:fontRef>
-        </p:style>
-      </p:cxnSp>
-      <p:sp>
-        <p:nvSpPr>
-          <p:cNvPr id="67" name="TextBox 66">
-            <a:extLst>
-              <a:ext uri="{FF2B5EF4-FFF2-40B4-BE49-F238E27FC236}">
-                <a16:creationId xmlns:a16="http://schemas.microsoft.com/office/drawing/2014/main" id="{D207901C-F934-F799-A42D-9DF214C47C2A}"/>
-              </a:ext>
-            </a:extLst>
-          </p:cNvPr>
-          <p:cNvSpPr txBox="1"/>
-          <p:nvPr/>
-        </p:nvSpPr>
-        <p:spPr>
-          <a:xfrm>
-            <a:off x="7306663" y="3844739"/>
-            <a:ext cx="1061545" cy="369332"/>
-          </a:xfrm>
-          <a:prstGeom prst="rect">
-            <a:avLst/>
-          </a:prstGeom>
-        </p:spPr>
-        <p:style>
-          <a:lnRef idx="3">
-            <a:schemeClr val="lt1"/>
-          </a:lnRef>
-          <a:fillRef idx="1">
-            <a:schemeClr val="accent4"/>
-          </a:fillRef>
-          <a:effectRef idx="1">
-            <a:schemeClr val="accent4"/>
-          </a:effectRef>
-          <a:fontRef idx="minor">
-            <a:schemeClr val="lt1"/>
-          </a:fontRef>
-        </p:style>
-        <p:txBody>
-          <a:bodyPr wrap="square" rtlCol="0">
-            <a:spAutoFit/>
-          </a:bodyPr>
-          <a:lstStyle/>
-          <a:p>
-            <a:r>
-              <a:rPr kumimoji="1" lang="en-US" altLang="ko-Kore-KR" dirty="0"/>
-              <a:t>Test01</a:t>
-            </a:r>
-            <a:endParaRPr kumimoji="1" lang="ko-Kore-KR" altLang="en-US" dirty="0"/>
-          </a:p>
-        </p:txBody>
-      </p:sp>
-      <p:cxnSp>
-        <p:nvCxnSpPr>
-          <p:cNvPr id="68" name="직선 화살표 연결선 67">
-            <a:extLst>
-              <a:ext uri="{FF2B5EF4-FFF2-40B4-BE49-F238E27FC236}">
-                <a16:creationId xmlns:a16="http://schemas.microsoft.com/office/drawing/2014/main" id="{44A23A50-A904-414F-50E6-212891E1A805}"/>
-              </a:ext>
-            </a:extLst>
-          </p:cNvPr>
-          <p:cNvCxnSpPr>
-            <a:cxnSpLocks/>
-            <a:stCxn id="67" idx="3"/>
-            <a:endCxn id="18" idx="1"/>
-          </p:cNvCxnSpPr>
-          <p:nvPr/>
-        </p:nvCxnSpPr>
-        <p:spPr>
-          <a:xfrm flipV="1">
-            <a:off x="8368208" y="4029404"/>
-            <a:ext cx="878928" cy="1"/>
-          </a:xfrm>
-          <a:prstGeom prst="straightConnector1">
-            <a:avLst/>
-          </a:prstGeom>
-          <a:ln>
-            <a:tailEnd type="triangle"/>
-          </a:ln>
-        </p:spPr>
-        <p:style>
-          <a:lnRef idx="3">
-            <a:schemeClr val="accent4"/>
-          </a:lnRef>
-          <a:fillRef idx="0">
-            <a:schemeClr val="accent4"/>
-          </a:fillRef>
-          <a:effectRef idx="2">
-            <a:schemeClr val="accent4"/>
-          </a:effectRef>
-          <a:fontRef idx="minor">
-            <a:schemeClr val="tx1"/>
-          </a:fontRef>
-        </p:style>
-      </p:cxnSp>
-      <p:sp>
-        <p:nvSpPr>
-          <p:cNvPr id="73" name="오른쪽 화살표[R] 72">
-            <a:extLst>
-              <a:ext uri="{FF2B5EF4-FFF2-40B4-BE49-F238E27FC236}">
-                <a16:creationId xmlns:a16="http://schemas.microsoft.com/office/drawing/2014/main" id="{8E553B3C-0826-194A-821C-9C30B72232A8}"/>
-              </a:ext>
-            </a:extLst>
-          </p:cNvPr>
-          <p:cNvSpPr/>
-          <p:nvPr/>
-        </p:nvSpPr>
-        <p:spPr>
-          <a:xfrm>
-            <a:off x="5709085" y="3690446"/>
-            <a:ext cx="1177158" cy="677917"/>
-          </a:xfrm>
-          <a:prstGeom prst="rightArrow">
-            <a:avLst/>
-          </a:prstGeom>
-          <a:solidFill>
-            <a:schemeClr val="bg1"/>
-          </a:solidFill>
-        </p:spPr>
-        <p:style>
-          <a:lnRef idx="2">
-            <a:schemeClr val="dk1">
-              <a:shade val="50000"/>
-            </a:schemeClr>
-          </a:lnRef>
-          <a:fillRef idx="1">
-            <a:schemeClr val="dk1"/>
-          </a:fillRef>
-          <a:effectRef idx="0">
-            <a:schemeClr val="dk1"/>
-          </a:effectRef>
-          <a:fontRef idx="minor">
-            <a:schemeClr val="lt1"/>
-          </a:fontRef>
-        </p:style>
-        <p:txBody>
-          <a:bodyPr rtlCol="0" anchor="ctr"/>
-          <a:lstStyle/>
-          <a:p>
-            <a:pPr algn="ctr"/>
-            <a:endParaRPr kumimoji="1" lang="ko-Kore-KR" altLang="en-US"/>
-          </a:p>
-        </p:txBody>
-      </p:sp>
-      <p:sp>
-        <p:nvSpPr>
-          <p:cNvPr id="74" name="직사각형 73">
-            <a:extLst>
-              <a:ext uri="{FF2B5EF4-FFF2-40B4-BE49-F238E27FC236}">
-                <a16:creationId xmlns:a16="http://schemas.microsoft.com/office/drawing/2014/main" id="{D6CF5554-4137-4C9F-4556-DFFC1ED4AFFC}"/>
-              </a:ext>
-            </a:extLst>
-          </p:cNvPr>
-          <p:cNvSpPr/>
-          <p:nvPr/>
-        </p:nvSpPr>
-        <p:spPr>
-          <a:xfrm>
-            <a:off x="3304179" y="95219"/>
-            <a:ext cx="1828801" cy="677917"/>
-          </a:xfrm>
-          <a:prstGeom prst="rect">
-            <a:avLst/>
-          </a:prstGeom>
-        </p:spPr>
-        <p:style>
-          <a:lnRef idx="3">
-            <a:schemeClr val="lt1"/>
-          </a:lnRef>
-          <a:fillRef idx="1">
-            <a:schemeClr val="accent3"/>
-          </a:fillRef>
-          <a:effectRef idx="1">
-            <a:schemeClr val="accent3"/>
-          </a:effectRef>
-          <a:fontRef idx="minor">
-            <a:schemeClr val="lt1"/>
-          </a:fontRef>
-        </p:style>
-        <p:txBody>
-          <a:bodyPr rtlCol="0" anchor="ctr"/>
-          <a:lstStyle/>
-          <a:p>
-            <a:pPr algn="ctr"/>
-            <a:r>
-              <a:rPr kumimoji="1" lang="en-US" altLang="ko-Kore-KR" dirty="0"/>
-              <a:t>&lt;&lt;Interface&gt;&gt;</a:t>
-            </a:r>
-          </a:p>
-          <a:p>
-            <a:pPr algn="ctr"/>
-            <a:r>
-              <a:rPr kumimoji="1" lang="en-US" altLang="ko-Kore-KR" dirty="0"/>
-              <a:t>Iterator</a:t>
-            </a:r>
-            <a:endParaRPr kumimoji="1" lang="ko-Kore-KR" altLang="en-US" dirty="0"/>
-          </a:p>
-        </p:txBody>
-      </p:sp>
-      <p:sp>
-        <p:nvSpPr>
-          <p:cNvPr id="76" name="삼각형 75">
-            <a:extLst>
-              <a:ext uri="{FF2B5EF4-FFF2-40B4-BE49-F238E27FC236}">
-                <a16:creationId xmlns:a16="http://schemas.microsoft.com/office/drawing/2014/main" id="{14C48F61-226C-4A28-4BA5-89259ED02001}"/>
-              </a:ext>
-            </a:extLst>
-          </p:cNvPr>
-          <p:cNvSpPr/>
-          <p:nvPr/>
-        </p:nvSpPr>
-        <p:spPr>
-          <a:xfrm>
-            <a:off x="4097709" y="799502"/>
-            <a:ext cx="241738" cy="208395"/>
-          </a:xfrm>
-          <a:prstGeom prst="triangle">
-            <a:avLst/>
-          </a:prstGeom>
-        </p:spPr>
-        <p:style>
-          <a:lnRef idx="2">
-            <a:schemeClr val="accent3">
-              <a:shade val="50000"/>
-            </a:schemeClr>
-          </a:lnRef>
-          <a:fillRef idx="1">
-            <a:schemeClr val="accent3"/>
-          </a:fillRef>
-          <a:effectRef idx="0">
-            <a:schemeClr val="accent3"/>
-          </a:effectRef>
-          <a:fontRef idx="minor">
-            <a:schemeClr val="lt1"/>
-          </a:fontRef>
-        </p:style>
-        <p:txBody>
-          <a:bodyPr rtlCol="0" anchor="ctr"/>
-          <a:lstStyle/>
-          <a:p>
-            <a:pPr algn="ctr"/>
-            <a:endParaRPr kumimoji="1" lang="ko-Kore-KR" altLang="en-US"/>
+              <a:rPr lang="en" altLang="ko-Kore-KR" dirty="0"/>
+              <a:t>();</a:t>
+            </a:r>
+          </a:p>
+          <a:p>
+            <a:pPr marL="285750" indent="-285750">
+              <a:buFont typeface="Arial" panose="020B0604020202020204" pitchFamily="34" charset="0"/>
+              <a:buChar char="•"/>
+            </a:pPr>
+            <a:r>
+              <a:rPr lang="en" altLang="ko-Kore-KR" dirty="0"/>
+              <a:t>next();</a:t>
+            </a:r>
           </a:p>
         </p:txBody>
       </p:sp>
@@ -6725,7 +4362,7 @@
 </p:sld>
 </file>
 
-<file path=ppt/slides/slide6.xml><?xml version="1.0" encoding="utf-8"?>
+<file path=ppt/slides/slide3.xml><?xml version="1.0" encoding="utf-8"?>
 <p:sld xmlns:a="http://schemas.openxmlformats.org/drawingml/2006/main" xmlns:r="http://schemas.openxmlformats.org/officeDocument/2006/relationships" xmlns:p="http://schemas.openxmlformats.org/presentationml/2006/main">
   <p:cSld>
     <p:spTree>
@@ -7025,12 +4662,8 @@
           <a:lstStyle/>
           <a:p>
             <a:r>
-              <a:rPr kumimoji="1" lang="en-US" altLang="ko-Kore-KR"/>
-              <a:t>load</a:t>
-            </a:r>
-            <a:r>
               <a:rPr kumimoji="1" lang="en-US" altLang="ko-Kore-KR" dirty="0"/>
-              <a:t>()</a:t>
+              <a:t>load()</a:t>
             </a:r>
             <a:endParaRPr kumimoji="1" lang="ko-Kore-KR" altLang="en-US" dirty="0"/>
           </a:p>

--- a/study-note/자바/2022-08-06 내용정리.pptx
+++ b/study-note/자바/2022-08-06 내용정리.pptx
@@ -5,12 +5,17 @@
     <p:sldMasterId id="2147483648" r:id="rId1"/>
   </p:sldMasterIdLst>
   <p:notesMasterIdLst>
-    <p:notesMasterId r:id="rId5"/>
+    <p:notesMasterId r:id="rId10"/>
   </p:notesMasterIdLst>
   <p:sldIdLst>
     <p:sldId id="256" r:id="rId2"/>
     <p:sldId id="280" r:id="rId3"/>
     <p:sldId id="281" r:id="rId4"/>
+    <p:sldId id="282" r:id="rId5"/>
+    <p:sldId id="283" r:id="rId6"/>
+    <p:sldId id="284" r:id="rId7"/>
+    <p:sldId id="285" r:id="rId8"/>
+    <p:sldId id="286" r:id="rId9"/>
   </p:sldIdLst>
   <p:sldSz cx="12192000" cy="6858000"/>
   <p:notesSz cx="6858000" cy="9144000"/>
@@ -4673,6 +4678,5913 @@
     <p:extLst>
       <p:ext uri="{BB962C8B-B14F-4D97-AF65-F5344CB8AC3E}">
         <p14:creationId xmlns:p14="http://schemas.microsoft.com/office/powerpoint/2010/main" val="3183026515"/>
+      </p:ext>
+    </p:extLst>
+  </p:cSld>
+  <p:clrMapOvr>
+    <a:masterClrMapping/>
+  </p:clrMapOvr>
+</p:sld>
+</file>
+
+<file path=ppt/slides/slide4.xml><?xml version="1.0" encoding="utf-8"?>
+<p:sld xmlns:a="http://schemas.openxmlformats.org/drawingml/2006/main" xmlns:r="http://schemas.openxmlformats.org/officeDocument/2006/relationships" xmlns:p="http://schemas.openxmlformats.org/presentationml/2006/main">
+  <p:cSld>
+    <p:spTree>
+      <p:nvGrpSpPr>
+        <p:cNvPr id="1" name=""/>
+        <p:cNvGrpSpPr/>
+        <p:nvPr/>
+      </p:nvGrpSpPr>
+      <p:grpSpPr>
+        <a:xfrm>
+          <a:off x="0" y="0"/>
+          <a:ext cx="0" cy="0"/>
+          <a:chOff x="0" y="0"/>
+          <a:chExt cx="0" cy="0"/>
+        </a:xfrm>
+      </p:grpSpPr>
+      <p:sp>
+        <p:nvSpPr>
+          <p:cNvPr id="2" name="직사각형 1">
+            <a:extLst>
+              <a:ext uri="{FF2B5EF4-FFF2-40B4-BE49-F238E27FC236}">
+                <a16:creationId xmlns:a16="http://schemas.microsoft.com/office/drawing/2014/main" id="{6F084B5D-3E9D-97CE-F61D-92F56C50CF66}"/>
+              </a:ext>
+            </a:extLst>
+          </p:cNvPr>
+          <p:cNvSpPr/>
+          <p:nvPr/>
+        </p:nvSpPr>
+        <p:spPr>
+          <a:xfrm>
+            <a:off x="486105" y="1742089"/>
+            <a:ext cx="2690649" cy="893379"/>
+          </a:xfrm>
+          <a:prstGeom prst="rect">
+            <a:avLst/>
+          </a:prstGeom>
+        </p:spPr>
+        <p:style>
+          <a:lnRef idx="2">
+            <a:schemeClr val="accent1">
+              <a:shade val="50000"/>
+            </a:schemeClr>
+          </a:lnRef>
+          <a:fillRef idx="1">
+            <a:schemeClr val="accent1"/>
+          </a:fillRef>
+          <a:effectRef idx="0">
+            <a:schemeClr val="accent1"/>
+          </a:effectRef>
+          <a:fontRef idx="minor">
+            <a:schemeClr val="lt1"/>
+          </a:fontRef>
+        </p:style>
+        <p:txBody>
+          <a:bodyPr rtlCol="0" anchor="ctr"/>
+          <a:lstStyle/>
+          <a:p>
+            <a:pPr algn="ctr"/>
+            <a:r>
+              <a:rPr kumimoji="1" lang="ko-Kore-KR" altLang="en-US" dirty="0"/>
+              <a:t>객체</a:t>
+            </a:r>
+            <a:r>
+              <a:rPr kumimoji="1" lang="ko-KR" altLang="en-US" dirty="0"/>
+              <a:t> 인스턴스</a:t>
+            </a:r>
+            <a:endParaRPr kumimoji="1" lang="ko-Kore-KR" altLang="en-US" dirty="0"/>
+          </a:p>
+        </p:txBody>
+      </p:sp>
+      <p:sp>
+        <p:nvSpPr>
+          <p:cNvPr id="4" name="직사각형 3">
+            <a:extLst>
+              <a:ext uri="{FF2B5EF4-FFF2-40B4-BE49-F238E27FC236}">
+                <a16:creationId xmlns:a16="http://schemas.microsoft.com/office/drawing/2014/main" id="{ACD2ED21-7BD5-5C79-4C71-FBE0B4A8CD29}"/>
+              </a:ext>
+            </a:extLst>
+          </p:cNvPr>
+          <p:cNvSpPr/>
+          <p:nvPr/>
+        </p:nvSpPr>
+        <p:spPr>
+          <a:xfrm>
+            <a:off x="8928538" y="922281"/>
+            <a:ext cx="2690649" cy="2532993"/>
+          </a:xfrm>
+          <a:prstGeom prst="rect">
+            <a:avLst/>
+          </a:prstGeom>
+        </p:spPr>
+        <p:style>
+          <a:lnRef idx="2">
+            <a:schemeClr val="accent3">
+              <a:shade val="50000"/>
+            </a:schemeClr>
+          </a:lnRef>
+          <a:fillRef idx="1">
+            <a:schemeClr val="accent3"/>
+          </a:fillRef>
+          <a:effectRef idx="0">
+            <a:schemeClr val="accent3"/>
+          </a:effectRef>
+          <a:fontRef idx="minor">
+            <a:schemeClr val="lt1"/>
+          </a:fontRef>
+        </p:style>
+        <p:txBody>
+          <a:bodyPr rtlCol="0" anchor="ctr"/>
+          <a:lstStyle/>
+          <a:p>
+            <a:pPr algn="ctr"/>
+            <a:r>
+              <a:rPr kumimoji="1" lang="en-US" altLang="ko-Kore-KR" dirty="0"/>
+              <a:t>File</a:t>
+            </a:r>
+            <a:endParaRPr kumimoji="1" lang="ko-Kore-KR" altLang="en-US" dirty="0"/>
+          </a:p>
+        </p:txBody>
+      </p:sp>
+      <p:sp>
+        <p:nvSpPr>
+          <p:cNvPr id="9" name="TextBox 8">
+            <a:extLst>
+              <a:ext uri="{FF2B5EF4-FFF2-40B4-BE49-F238E27FC236}">
+                <a16:creationId xmlns:a16="http://schemas.microsoft.com/office/drawing/2014/main" id="{7C326421-0B50-1FD3-A879-081A8CBA1887}"/>
+              </a:ext>
+            </a:extLst>
+          </p:cNvPr>
+          <p:cNvSpPr txBox="1"/>
+          <p:nvPr/>
+        </p:nvSpPr>
+        <p:spPr>
+          <a:xfrm>
+            <a:off x="2660430" y="488475"/>
+            <a:ext cx="2300453" cy="923330"/>
+          </a:xfrm>
+          <a:prstGeom prst="rect">
+            <a:avLst/>
+          </a:prstGeom>
+        </p:spPr>
+        <p:style>
+          <a:lnRef idx="2">
+            <a:schemeClr val="accent1"/>
+          </a:lnRef>
+          <a:fillRef idx="1">
+            <a:schemeClr val="lt1"/>
+          </a:fillRef>
+          <a:effectRef idx="0">
+            <a:schemeClr val="accent1"/>
+          </a:effectRef>
+          <a:fontRef idx="minor">
+            <a:schemeClr val="dk1"/>
+          </a:fontRef>
+        </p:style>
+        <p:txBody>
+          <a:bodyPr wrap="square" rtlCol="0">
+            <a:spAutoFit/>
+          </a:bodyPr>
+          <a:lstStyle/>
+          <a:p>
+            <a:r>
+              <a:rPr kumimoji="1" lang="ko-Kore-KR" altLang="en-US" dirty="0"/>
+              <a:t>필드에</a:t>
+            </a:r>
+            <a:r>
+              <a:rPr kumimoji="1" lang="ko-KR" altLang="en-US" dirty="0"/>
+              <a:t> 저장된 값</a:t>
+            </a:r>
+            <a:endParaRPr kumimoji="1" lang="en-US" altLang="ko-KR" dirty="0"/>
+          </a:p>
+          <a:p>
+            <a:r>
+              <a:rPr lang="ko-Kore-KR" altLang="en-US" b="1" dirty="0"/>
+              <a:t>↓</a:t>
+            </a:r>
+            <a:endParaRPr kumimoji="1" lang="en-US" altLang="ko-KR" dirty="0">
+              <a:sym typeface="Wingdings" pitchFamily="2" charset="2"/>
+            </a:endParaRPr>
+          </a:p>
+          <a:p>
+            <a:r>
+              <a:rPr kumimoji="1" lang="ko-KR" altLang="en-US" dirty="0">
+                <a:sym typeface="Wingdings" pitchFamily="2" charset="2"/>
+              </a:rPr>
+              <a:t>바이트 배열로 변환</a:t>
+            </a:r>
+            <a:endParaRPr kumimoji="1" lang="ko-Kore-KR" altLang="en-US" dirty="0"/>
+          </a:p>
+        </p:txBody>
+      </p:sp>
+      <p:sp>
+        <p:nvSpPr>
+          <p:cNvPr id="3" name="직사각형 2">
+            <a:extLst>
+              <a:ext uri="{FF2B5EF4-FFF2-40B4-BE49-F238E27FC236}">
+                <a16:creationId xmlns:a16="http://schemas.microsoft.com/office/drawing/2014/main" id="{2B84D2B2-93E2-1E12-E480-25ABF6214B4B}"/>
+              </a:ext>
+            </a:extLst>
+          </p:cNvPr>
+          <p:cNvSpPr/>
+          <p:nvPr/>
+        </p:nvSpPr>
+        <p:spPr>
+          <a:xfrm>
+            <a:off x="4616667" y="1978573"/>
+            <a:ext cx="420414" cy="420414"/>
+          </a:xfrm>
+          <a:prstGeom prst="rect">
+            <a:avLst/>
+          </a:prstGeom>
+        </p:spPr>
+        <p:style>
+          <a:lnRef idx="2">
+            <a:schemeClr val="accent6">
+              <a:shade val="50000"/>
+            </a:schemeClr>
+          </a:lnRef>
+          <a:fillRef idx="1">
+            <a:schemeClr val="accent6"/>
+          </a:fillRef>
+          <a:effectRef idx="0">
+            <a:schemeClr val="accent6"/>
+          </a:effectRef>
+          <a:fontRef idx="minor">
+            <a:schemeClr val="lt1"/>
+          </a:fontRef>
+        </p:style>
+        <p:txBody>
+          <a:bodyPr rtlCol="0" anchor="ctr"/>
+          <a:lstStyle/>
+          <a:p>
+            <a:pPr algn="ctr"/>
+            <a:endParaRPr kumimoji="1" lang="ko-Kore-KR" altLang="en-US"/>
+          </a:p>
+        </p:txBody>
+      </p:sp>
+      <p:sp>
+        <p:nvSpPr>
+          <p:cNvPr id="6" name="직사각형 5">
+            <a:extLst>
+              <a:ext uri="{FF2B5EF4-FFF2-40B4-BE49-F238E27FC236}">
+                <a16:creationId xmlns:a16="http://schemas.microsoft.com/office/drawing/2014/main" id="{D3986A9B-3821-D12F-3B7C-0A34482BD538}"/>
+              </a:ext>
+            </a:extLst>
+          </p:cNvPr>
+          <p:cNvSpPr/>
+          <p:nvPr/>
+        </p:nvSpPr>
+        <p:spPr>
+          <a:xfrm>
+            <a:off x="5037081" y="1971111"/>
+            <a:ext cx="420414" cy="420414"/>
+          </a:xfrm>
+          <a:prstGeom prst="rect">
+            <a:avLst/>
+          </a:prstGeom>
+        </p:spPr>
+        <p:style>
+          <a:lnRef idx="2">
+            <a:schemeClr val="accent6">
+              <a:shade val="50000"/>
+            </a:schemeClr>
+          </a:lnRef>
+          <a:fillRef idx="1">
+            <a:schemeClr val="accent6"/>
+          </a:fillRef>
+          <a:effectRef idx="0">
+            <a:schemeClr val="accent6"/>
+          </a:effectRef>
+          <a:fontRef idx="minor">
+            <a:schemeClr val="lt1"/>
+          </a:fontRef>
+        </p:style>
+        <p:txBody>
+          <a:bodyPr rtlCol="0" anchor="ctr"/>
+          <a:lstStyle/>
+          <a:p>
+            <a:pPr algn="ctr"/>
+            <a:endParaRPr kumimoji="1" lang="ko-Kore-KR" altLang="en-US"/>
+          </a:p>
+        </p:txBody>
+      </p:sp>
+      <p:sp>
+        <p:nvSpPr>
+          <p:cNvPr id="7" name="직사각형 6">
+            <a:extLst>
+              <a:ext uri="{FF2B5EF4-FFF2-40B4-BE49-F238E27FC236}">
+                <a16:creationId xmlns:a16="http://schemas.microsoft.com/office/drawing/2014/main" id="{A5F77028-BBB2-1321-BDF5-18B94A81E6B0}"/>
+              </a:ext>
+            </a:extLst>
+          </p:cNvPr>
+          <p:cNvSpPr/>
+          <p:nvPr/>
+        </p:nvSpPr>
+        <p:spPr>
+          <a:xfrm>
+            <a:off x="5465379" y="1978573"/>
+            <a:ext cx="420414" cy="420414"/>
+          </a:xfrm>
+          <a:prstGeom prst="rect">
+            <a:avLst/>
+          </a:prstGeom>
+        </p:spPr>
+        <p:style>
+          <a:lnRef idx="2">
+            <a:schemeClr val="accent6">
+              <a:shade val="50000"/>
+            </a:schemeClr>
+          </a:lnRef>
+          <a:fillRef idx="1">
+            <a:schemeClr val="accent6"/>
+          </a:fillRef>
+          <a:effectRef idx="0">
+            <a:schemeClr val="accent6"/>
+          </a:effectRef>
+          <a:fontRef idx="minor">
+            <a:schemeClr val="lt1"/>
+          </a:fontRef>
+        </p:style>
+        <p:txBody>
+          <a:bodyPr rtlCol="0" anchor="ctr"/>
+          <a:lstStyle/>
+          <a:p>
+            <a:pPr algn="ctr"/>
+            <a:endParaRPr kumimoji="1" lang="ko-Kore-KR" altLang="en-US"/>
+          </a:p>
+        </p:txBody>
+      </p:sp>
+      <p:sp>
+        <p:nvSpPr>
+          <p:cNvPr id="11" name="직사각형 10">
+            <a:extLst>
+              <a:ext uri="{FF2B5EF4-FFF2-40B4-BE49-F238E27FC236}">
+                <a16:creationId xmlns:a16="http://schemas.microsoft.com/office/drawing/2014/main" id="{8BC0BF18-12DE-CD95-B4EC-F83B3D3A69CE}"/>
+              </a:ext>
+            </a:extLst>
+          </p:cNvPr>
+          <p:cNvSpPr/>
+          <p:nvPr/>
+        </p:nvSpPr>
+        <p:spPr>
+          <a:xfrm>
+            <a:off x="5885793" y="1971111"/>
+            <a:ext cx="420414" cy="420414"/>
+          </a:xfrm>
+          <a:prstGeom prst="rect">
+            <a:avLst/>
+          </a:prstGeom>
+        </p:spPr>
+        <p:style>
+          <a:lnRef idx="2">
+            <a:schemeClr val="accent6">
+              <a:shade val="50000"/>
+            </a:schemeClr>
+          </a:lnRef>
+          <a:fillRef idx="1">
+            <a:schemeClr val="accent6"/>
+          </a:fillRef>
+          <a:effectRef idx="0">
+            <a:schemeClr val="accent6"/>
+          </a:effectRef>
+          <a:fontRef idx="minor">
+            <a:schemeClr val="lt1"/>
+          </a:fontRef>
+        </p:style>
+        <p:txBody>
+          <a:bodyPr rtlCol="0" anchor="ctr"/>
+          <a:lstStyle/>
+          <a:p>
+            <a:pPr algn="ctr"/>
+            <a:endParaRPr kumimoji="1" lang="ko-Kore-KR" altLang="en-US"/>
+          </a:p>
+        </p:txBody>
+      </p:sp>
+      <p:sp>
+        <p:nvSpPr>
+          <p:cNvPr id="12" name="직사각형 11">
+            <a:extLst>
+              <a:ext uri="{FF2B5EF4-FFF2-40B4-BE49-F238E27FC236}">
+                <a16:creationId xmlns:a16="http://schemas.microsoft.com/office/drawing/2014/main" id="{00CAB9CD-C18D-3FD0-4AF6-36AEC6EBDCB4}"/>
+              </a:ext>
+            </a:extLst>
+          </p:cNvPr>
+          <p:cNvSpPr/>
+          <p:nvPr/>
+        </p:nvSpPr>
+        <p:spPr>
+          <a:xfrm>
+            <a:off x="6320655" y="1971111"/>
+            <a:ext cx="420414" cy="420414"/>
+          </a:xfrm>
+          <a:prstGeom prst="rect">
+            <a:avLst/>
+          </a:prstGeom>
+        </p:spPr>
+        <p:style>
+          <a:lnRef idx="2">
+            <a:schemeClr val="accent6">
+              <a:shade val="50000"/>
+            </a:schemeClr>
+          </a:lnRef>
+          <a:fillRef idx="1">
+            <a:schemeClr val="accent6"/>
+          </a:fillRef>
+          <a:effectRef idx="0">
+            <a:schemeClr val="accent6"/>
+          </a:effectRef>
+          <a:fontRef idx="minor">
+            <a:schemeClr val="lt1"/>
+          </a:fontRef>
+        </p:style>
+        <p:txBody>
+          <a:bodyPr rtlCol="0" anchor="ctr"/>
+          <a:lstStyle/>
+          <a:p>
+            <a:pPr algn="ctr"/>
+            <a:endParaRPr kumimoji="1" lang="ko-Kore-KR" altLang="en-US"/>
+          </a:p>
+        </p:txBody>
+      </p:sp>
+      <p:sp>
+        <p:nvSpPr>
+          <p:cNvPr id="13" name="직사각형 12">
+            <a:extLst>
+              <a:ext uri="{FF2B5EF4-FFF2-40B4-BE49-F238E27FC236}">
+                <a16:creationId xmlns:a16="http://schemas.microsoft.com/office/drawing/2014/main" id="{D69B8FD3-D4C7-2681-5B14-4C5E9A1635FF}"/>
+              </a:ext>
+            </a:extLst>
+          </p:cNvPr>
+          <p:cNvSpPr/>
+          <p:nvPr/>
+        </p:nvSpPr>
+        <p:spPr>
+          <a:xfrm>
+            <a:off x="6741069" y="1978573"/>
+            <a:ext cx="420414" cy="420414"/>
+          </a:xfrm>
+          <a:prstGeom prst="rect">
+            <a:avLst/>
+          </a:prstGeom>
+        </p:spPr>
+        <p:style>
+          <a:lnRef idx="2">
+            <a:schemeClr val="accent6">
+              <a:shade val="50000"/>
+            </a:schemeClr>
+          </a:lnRef>
+          <a:fillRef idx="1">
+            <a:schemeClr val="accent6"/>
+          </a:fillRef>
+          <a:effectRef idx="0">
+            <a:schemeClr val="accent6"/>
+          </a:effectRef>
+          <a:fontRef idx="minor">
+            <a:schemeClr val="lt1"/>
+          </a:fontRef>
+        </p:style>
+        <p:txBody>
+          <a:bodyPr rtlCol="0" anchor="ctr"/>
+          <a:lstStyle/>
+          <a:p>
+            <a:pPr algn="ctr"/>
+            <a:endParaRPr kumimoji="1" lang="ko-Kore-KR" altLang="en-US"/>
+          </a:p>
+        </p:txBody>
+      </p:sp>
+      <p:cxnSp>
+        <p:nvCxnSpPr>
+          <p:cNvPr id="15" name="직선 화살표 연결선 14">
+            <a:extLst>
+              <a:ext uri="{FF2B5EF4-FFF2-40B4-BE49-F238E27FC236}">
+                <a16:creationId xmlns:a16="http://schemas.microsoft.com/office/drawing/2014/main" id="{61D8FD0E-E5E0-3A9C-96D2-21FA63923C2B}"/>
+              </a:ext>
+            </a:extLst>
+          </p:cNvPr>
+          <p:cNvCxnSpPr>
+            <a:cxnSpLocks/>
+            <a:stCxn id="2" idx="3"/>
+            <a:endCxn id="3" idx="1"/>
+          </p:cNvCxnSpPr>
+          <p:nvPr/>
+        </p:nvCxnSpPr>
+        <p:spPr>
+          <a:xfrm>
+            <a:off x="3176754" y="2188779"/>
+            <a:ext cx="1439913" cy="1"/>
+          </a:xfrm>
+          <a:prstGeom prst="straightConnector1">
+            <a:avLst/>
+          </a:prstGeom>
+          <a:ln>
+            <a:tailEnd type="triangle"/>
+          </a:ln>
+        </p:spPr>
+        <p:style>
+          <a:lnRef idx="3">
+            <a:schemeClr val="accent1"/>
+          </a:lnRef>
+          <a:fillRef idx="0">
+            <a:schemeClr val="accent1"/>
+          </a:fillRef>
+          <a:effectRef idx="2">
+            <a:schemeClr val="accent1"/>
+          </a:effectRef>
+          <a:fontRef idx="minor">
+            <a:schemeClr val="tx1"/>
+          </a:fontRef>
+        </p:style>
+      </p:cxnSp>
+      <p:cxnSp>
+        <p:nvCxnSpPr>
+          <p:cNvPr id="18" name="직선 화살표 연결선 17">
+            <a:extLst>
+              <a:ext uri="{FF2B5EF4-FFF2-40B4-BE49-F238E27FC236}">
+                <a16:creationId xmlns:a16="http://schemas.microsoft.com/office/drawing/2014/main" id="{08F2DDC8-EC05-679D-643F-CF8AF1D9B44F}"/>
+              </a:ext>
+            </a:extLst>
+          </p:cNvPr>
+          <p:cNvCxnSpPr>
+            <a:cxnSpLocks/>
+            <a:stCxn id="19" idx="0"/>
+            <a:endCxn id="3" idx="2"/>
+          </p:cNvCxnSpPr>
+          <p:nvPr/>
+        </p:nvCxnSpPr>
+        <p:spPr>
+          <a:xfrm flipV="1">
+            <a:off x="4826874" y="2398987"/>
+            <a:ext cx="0" cy="669014"/>
+          </a:xfrm>
+          <a:prstGeom prst="straightConnector1">
+            <a:avLst/>
+          </a:prstGeom>
+          <a:ln>
+            <a:tailEnd type="triangle"/>
+          </a:ln>
+        </p:spPr>
+        <p:style>
+          <a:lnRef idx="3">
+            <a:schemeClr val="accent6"/>
+          </a:lnRef>
+          <a:fillRef idx="0">
+            <a:schemeClr val="accent6"/>
+          </a:fillRef>
+          <a:effectRef idx="2">
+            <a:schemeClr val="accent6"/>
+          </a:effectRef>
+          <a:fontRef idx="minor">
+            <a:schemeClr val="tx1"/>
+          </a:fontRef>
+        </p:style>
+      </p:cxnSp>
+      <p:sp>
+        <p:nvSpPr>
+          <p:cNvPr id="19" name="TextBox 18">
+            <a:extLst>
+              <a:ext uri="{FF2B5EF4-FFF2-40B4-BE49-F238E27FC236}">
+                <a16:creationId xmlns:a16="http://schemas.microsoft.com/office/drawing/2014/main" id="{8B9B56BE-B793-331E-F892-CBC8E8C2AF58}"/>
+              </a:ext>
+            </a:extLst>
+          </p:cNvPr>
+          <p:cNvSpPr txBox="1"/>
+          <p:nvPr/>
+        </p:nvSpPr>
+        <p:spPr>
+          <a:xfrm>
+            <a:off x="3938752" y="3068001"/>
+            <a:ext cx="1776244" cy="369332"/>
+          </a:xfrm>
+          <a:prstGeom prst="rect">
+            <a:avLst/>
+          </a:prstGeom>
+        </p:spPr>
+        <p:style>
+          <a:lnRef idx="2">
+            <a:schemeClr val="accent6"/>
+          </a:lnRef>
+          <a:fillRef idx="1">
+            <a:schemeClr val="lt1"/>
+          </a:fillRef>
+          <a:effectRef idx="0">
+            <a:schemeClr val="accent6"/>
+          </a:effectRef>
+          <a:fontRef idx="minor">
+            <a:schemeClr val="dk1"/>
+          </a:fontRef>
+        </p:style>
+        <p:txBody>
+          <a:bodyPr wrap="square" rtlCol="0">
+            <a:spAutoFit/>
+          </a:bodyPr>
+          <a:lstStyle/>
+          <a:p>
+            <a:pPr algn="ctr"/>
+            <a:r>
+              <a:rPr kumimoji="1" lang="ko-Kore-KR" altLang="en-US" dirty="0"/>
+              <a:t>바이트</a:t>
+            </a:r>
+            <a:r>
+              <a:rPr kumimoji="1" lang="ko-KR" altLang="en-US" dirty="0"/>
+              <a:t> 배열</a:t>
+            </a:r>
+            <a:endParaRPr kumimoji="1" lang="ko-Kore-KR" altLang="en-US" dirty="0"/>
+          </a:p>
+        </p:txBody>
+      </p:sp>
+      <p:cxnSp>
+        <p:nvCxnSpPr>
+          <p:cNvPr id="22" name="직선 화살표 연결선 21">
+            <a:extLst>
+              <a:ext uri="{FF2B5EF4-FFF2-40B4-BE49-F238E27FC236}">
+                <a16:creationId xmlns:a16="http://schemas.microsoft.com/office/drawing/2014/main" id="{E42A9736-D5A4-9D85-93B5-D6774B978FCA}"/>
+              </a:ext>
+            </a:extLst>
+          </p:cNvPr>
+          <p:cNvCxnSpPr>
+            <a:cxnSpLocks/>
+            <a:stCxn id="13" idx="3"/>
+            <a:endCxn id="4" idx="1"/>
+          </p:cNvCxnSpPr>
+          <p:nvPr/>
+        </p:nvCxnSpPr>
+        <p:spPr>
+          <a:xfrm flipV="1">
+            <a:off x="7161483" y="2188778"/>
+            <a:ext cx="1767055" cy="2"/>
+          </a:xfrm>
+          <a:prstGeom prst="straightConnector1">
+            <a:avLst/>
+          </a:prstGeom>
+          <a:ln>
+            <a:tailEnd type="triangle"/>
+          </a:ln>
+        </p:spPr>
+        <p:style>
+          <a:lnRef idx="3">
+            <a:schemeClr val="accent3"/>
+          </a:lnRef>
+          <a:fillRef idx="0">
+            <a:schemeClr val="accent3"/>
+          </a:fillRef>
+          <a:effectRef idx="2">
+            <a:schemeClr val="accent3"/>
+          </a:effectRef>
+          <a:fontRef idx="minor">
+            <a:schemeClr val="tx1"/>
+          </a:fontRef>
+        </p:style>
+      </p:cxnSp>
+      <p:sp>
+        <p:nvSpPr>
+          <p:cNvPr id="29" name="TextBox 28">
+            <a:extLst>
+              <a:ext uri="{FF2B5EF4-FFF2-40B4-BE49-F238E27FC236}">
+                <a16:creationId xmlns:a16="http://schemas.microsoft.com/office/drawing/2014/main" id="{6740B83F-7391-0766-A7F0-63A7A035A018}"/>
+              </a:ext>
+            </a:extLst>
+          </p:cNvPr>
+          <p:cNvSpPr txBox="1"/>
+          <p:nvPr/>
+        </p:nvSpPr>
+        <p:spPr>
+          <a:xfrm>
+            <a:off x="7189075" y="958028"/>
+            <a:ext cx="1629106" cy="646331"/>
+          </a:xfrm>
+          <a:prstGeom prst="rect">
+            <a:avLst/>
+          </a:prstGeom>
+        </p:spPr>
+        <p:style>
+          <a:lnRef idx="2">
+            <a:schemeClr val="accent3"/>
+          </a:lnRef>
+          <a:fillRef idx="1">
+            <a:schemeClr val="lt1"/>
+          </a:fillRef>
+          <a:effectRef idx="0">
+            <a:schemeClr val="accent3"/>
+          </a:effectRef>
+          <a:fontRef idx="minor">
+            <a:schemeClr val="dk1"/>
+          </a:fontRef>
+        </p:style>
+        <p:txBody>
+          <a:bodyPr wrap="square" rtlCol="0">
+            <a:spAutoFit/>
+          </a:bodyPr>
+          <a:lstStyle/>
+          <a:p>
+            <a:r>
+              <a:rPr kumimoji="1" lang="ko-KR" altLang="en-US" dirty="0"/>
+              <a:t>순차적으로 파일에 저장</a:t>
+            </a:r>
+            <a:endParaRPr kumimoji="1" lang="ko-Kore-KR" altLang="en-US" dirty="0"/>
+          </a:p>
+        </p:txBody>
+      </p:sp>
+      <p:sp>
+        <p:nvSpPr>
+          <p:cNvPr id="30" name="TextBox 29">
+            <a:extLst>
+              <a:ext uri="{FF2B5EF4-FFF2-40B4-BE49-F238E27FC236}">
+                <a16:creationId xmlns:a16="http://schemas.microsoft.com/office/drawing/2014/main" id="{6AEB4ED7-348A-4191-302C-A14ED33CCDFC}"/>
+              </a:ext>
+            </a:extLst>
+          </p:cNvPr>
+          <p:cNvSpPr txBox="1"/>
+          <p:nvPr/>
+        </p:nvSpPr>
+        <p:spPr>
+          <a:xfrm>
+            <a:off x="6961790" y="3931674"/>
+            <a:ext cx="2731375" cy="646331"/>
+          </a:xfrm>
+          <a:prstGeom prst="rect">
+            <a:avLst/>
+          </a:prstGeom>
+          <a:ln>
+            <a:solidFill>
+              <a:srgbClr val="FF0000"/>
+            </a:solidFill>
+          </a:ln>
+        </p:spPr>
+        <p:style>
+          <a:lnRef idx="2">
+            <a:schemeClr val="accent2"/>
+          </a:lnRef>
+          <a:fillRef idx="1">
+            <a:schemeClr val="lt1"/>
+          </a:fillRef>
+          <a:effectRef idx="0">
+            <a:schemeClr val="accent2"/>
+          </a:effectRef>
+          <a:fontRef idx="minor">
+            <a:schemeClr val="dk1"/>
+          </a:fontRef>
+        </p:style>
+        <p:txBody>
+          <a:bodyPr wrap="square" rtlCol="0">
+            <a:spAutoFit/>
+          </a:bodyPr>
+          <a:lstStyle/>
+          <a:p>
+            <a:r>
+              <a:rPr kumimoji="1" lang="en-US" altLang="ko-Kore-KR" dirty="0" err="1"/>
+              <a:t>FileOutputStream</a:t>
+            </a:r>
+            <a:endParaRPr kumimoji="1" lang="en-US" altLang="ko-Kore-KR" dirty="0"/>
+          </a:p>
+          <a:p>
+            <a:r>
+              <a:rPr kumimoji="1" lang="en-US" altLang="ko-Kore-KR" dirty="0"/>
+              <a:t>Class </a:t>
+            </a:r>
+            <a:r>
+              <a:rPr kumimoji="1" lang="ko-Kore-KR" altLang="en-US" dirty="0"/>
+              <a:t>의</a:t>
+            </a:r>
+            <a:r>
+              <a:rPr kumimoji="1" lang="ko-KR" altLang="en-US" dirty="0"/>
+              <a:t> 도움을 받는다</a:t>
+            </a:r>
+            <a:endParaRPr kumimoji="1" lang="ko-Kore-KR" altLang="en-US" dirty="0"/>
+          </a:p>
+        </p:txBody>
+      </p:sp>
+      <p:sp>
+        <p:nvSpPr>
+          <p:cNvPr id="31" name="위쪽 화살표[U] 30">
+            <a:extLst>
+              <a:ext uri="{FF2B5EF4-FFF2-40B4-BE49-F238E27FC236}">
+                <a16:creationId xmlns:a16="http://schemas.microsoft.com/office/drawing/2014/main" id="{E6712322-807F-A76C-9112-31F05D46E0F3}"/>
+              </a:ext>
+            </a:extLst>
+          </p:cNvPr>
+          <p:cNvSpPr/>
+          <p:nvPr/>
+        </p:nvSpPr>
+        <p:spPr>
+          <a:xfrm>
+            <a:off x="7914290" y="2391525"/>
+            <a:ext cx="399393" cy="1465772"/>
+          </a:xfrm>
+          <a:prstGeom prst="upArrow">
+            <a:avLst/>
+          </a:prstGeom>
+          <a:solidFill>
+            <a:srgbClr val="FF0000"/>
+          </a:solidFill>
+          <a:ln>
+            <a:solidFill>
+              <a:srgbClr val="FF0000"/>
+            </a:solidFill>
+          </a:ln>
+        </p:spPr>
+        <p:style>
+          <a:lnRef idx="2">
+            <a:schemeClr val="accent1">
+              <a:shade val="50000"/>
+            </a:schemeClr>
+          </a:lnRef>
+          <a:fillRef idx="1">
+            <a:schemeClr val="accent1"/>
+          </a:fillRef>
+          <a:effectRef idx="0">
+            <a:schemeClr val="accent1"/>
+          </a:effectRef>
+          <a:fontRef idx="minor">
+            <a:schemeClr val="lt1"/>
+          </a:fontRef>
+        </p:style>
+        <p:txBody>
+          <a:bodyPr rtlCol="0" anchor="ctr"/>
+          <a:lstStyle/>
+          <a:p>
+            <a:pPr algn="ctr"/>
+            <a:endParaRPr kumimoji="1" lang="ko-Kore-KR" altLang="en-US"/>
+          </a:p>
+        </p:txBody>
+      </p:sp>
+    </p:spTree>
+    <p:extLst>
+      <p:ext uri="{BB962C8B-B14F-4D97-AF65-F5344CB8AC3E}">
+        <p14:creationId xmlns:p14="http://schemas.microsoft.com/office/powerpoint/2010/main" val="1656286466"/>
+      </p:ext>
+    </p:extLst>
+  </p:cSld>
+  <p:clrMapOvr>
+    <a:masterClrMapping/>
+  </p:clrMapOvr>
+</p:sld>
+</file>
+
+<file path=ppt/slides/slide5.xml><?xml version="1.0" encoding="utf-8"?>
+<p:sld xmlns:a="http://schemas.openxmlformats.org/drawingml/2006/main" xmlns:r="http://schemas.openxmlformats.org/officeDocument/2006/relationships" xmlns:p="http://schemas.openxmlformats.org/presentationml/2006/main">
+  <p:cSld>
+    <p:spTree>
+      <p:nvGrpSpPr>
+        <p:cNvPr id="1" name=""/>
+        <p:cNvGrpSpPr/>
+        <p:nvPr/>
+      </p:nvGrpSpPr>
+      <p:grpSpPr>
+        <a:xfrm>
+          <a:off x="0" y="0"/>
+          <a:ext cx="0" cy="0"/>
+          <a:chOff x="0" y="0"/>
+          <a:chExt cx="0" cy="0"/>
+        </a:xfrm>
+      </p:grpSpPr>
+      <p:sp>
+        <p:nvSpPr>
+          <p:cNvPr id="2" name="직사각형 1">
+            <a:extLst>
+              <a:ext uri="{FF2B5EF4-FFF2-40B4-BE49-F238E27FC236}">
+                <a16:creationId xmlns:a16="http://schemas.microsoft.com/office/drawing/2014/main" id="{6F084B5D-3E9D-97CE-F61D-92F56C50CF66}"/>
+              </a:ext>
+            </a:extLst>
+          </p:cNvPr>
+          <p:cNvSpPr/>
+          <p:nvPr/>
+        </p:nvSpPr>
+        <p:spPr>
+          <a:xfrm>
+            <a:off x="486105" y="1742089"/>
+            <a:ext cx="2690649" cy="893379"/>
+          </a:xfrm>
+          <a:prstGeom prst="rect">
+            <a:avLst/>
+          </a:prstGeom>
+        </p:spPr>
+        <p:style>
+          <a:lnRef idx="2">
+            <a:schemeClr val="accent1">
+              <a:shade val="50000"/>
+            </a:schemeClr>
+          </a:lnRef>
+          <a:fillRef idx="1">
+            <a:schemeClr val="accent1"/>
+          </a:fillRef>
+          <a:effectRef idx="0">
+            <a:schemeClr val="accent1"/>
+          </a:effectRef>
+          <a:fontRef idx="minor">
+            <a:schemeClr val="lt1"/>
+          </a:fontRef>
+        </p:style>
+        <p:txBody>
+          <a:bodyPr rtlCol="0" anchor="ctr"/>
+          <a:lstStyle/>
+          <a:p>
+            <a:pPr algn="ctr"/>
+            <a:r>
+              <a:rPr kumimoji="1" lang="ko-Kore-KR" altLang="en-US" dirty="0"/>
+              <a:t>객체</a:t>
+            </a:r>
+            <a:r>
+              <a:rPr kumimoji="1" lang="ko-KR" altLang="en-US" dirty="0"/>
+              <a:t> 인스턴스</a:t>
+            </a:r>
+            <a:endParaRPr kumimoji="1" lang="ko-Kore-KR" altLang="en-US" dirty="0"/>
+          </a:p>
+        </p:txBody>
+      </p:sp>
+      <p:sp>
+        <p:nvSpPr>
+          <p:cNvPr id="4" name="직사각형 3">
+            <a:extLst>
+              <a:ext uri="{FF2B5EF4-FFF2-40B4-BE49-F238E27FC236}">
+                <a16:creationId xmlns:a16="http://schemas.microsoft.com/office/drawing/2014/main" id="{ACD2ED21-7BD5-5C79-4C71-FBE0B4A8CD29}"/>
+              </a:ext>
+            </a:extLst>
+          </p:cNvPr>
+          <p:cNvSpPr/>
+          <p:nvPr/>
+        </p:nvSpPr>
+        <p:spPr>
+          <a:xfrm>
+            <a:off x="8928538" y="922281"/>
+            <a:ext cx="2690649" cy="2532993"/>
+          </a:xfrm>
+          <a:prstGeom prst="rect">
+            <a:avLst/>
+          </a:prstGeom>
+        </p:spPr>
+        <p:style>
+          <a:lnRef idx="2">
+            <a:schemeClr val="accent3">
+              <a:shade val="50000"/>
+            </a:schemeClr>
+          </a:lnRef>
+          <a:fillRef idx="1">
+            <a:schemeClr val="accent3"/>
+          </a:fillRef>
+          <a:effectRef idx="0">
+            <a:schemeClr val="accent3"/>
+          </a:effectRef>
+          <a:fontRef idx="minor">
+            <a:schemeClr val="lt1"/>
+          </a:fontRef>
+        </p:style>
+        <p:txBody>
+          <a:bodyPr rtlCol="0" anchor="ctr"/>
+          <a:lstStyle/>
+          <a:p>
+            <a:pPr algn="ctr"/>
+            <a:r>
+              <a:rPr kumimoji="1" lang="en-US" altLang="ko-Kore-KR" dirty="0"/>
+              <a:t>File</a:t>
+            </a:r>
+            <a:endParaRPr kumimoji="1" lang="ko-Kore-KR" altLang="en-US" dirty="0"/>
+          </a:p>
+        </p:txBody>
+      </p:sp>
+      <p:sp>
+        <p:nvSpPr>
+          <p:cNvPr id="9" name="TextBox 8">
+            <a:extLst>
+              <a:ext uri="{FF2B5EF4-FFF2-40B4-BE49-F238E27FC236}">
+                <a16:creationId xmlns:a16="http://schemas.microsoft.com/office/drawing/2014/main" id="{7C326421-0B50-1FD3-A879-081A8CBA1887}"/>
+              </a:ext>
+            </a:extLst>
+          </p:cNvPr>
+          <p:cNvSpPr txBox="1"/>
+          <p:nvPr/>
+        </p:nvSpPr>
+        <p:spPr>
+          <a:xfrm>
+            <a:off x="2660430" y="488475"/>
+            <a:ext cx="2300453" cy="923330"/>
+          </a:xfrm>
+          <a:prstGeom prst="rect">
+            <a:avLst/>
+          </a:prstGeom>
+        </p:spPr>
+        <p:style>
+          <a:lnRef idx="2">
+            <a:schemeClr val="accent1"/>
+          </a:lnRef>
+          <a:fillRef idx="1">
+            <a:schemeClr val="lt1"/>
+          </a:fillRef>
+          <a:effectRef idx="0">
+            <a:schemeClr val="accent1"/>
+          </a:effectRef>
+          <a:fontRef idx="minor">
+            <a:schemeClr val="dk1"/>
+          </a:fontRef>
+        </p:style>
+        <p:txBody>
+          <a:bodyPr wrap="square" rtlCol="0">
+            <a:spAutoFit/>
+          </a:bodyPr>
+          <a:lstStyle/>
+          <a:p>
+            <a:r>
+              <a:rPr kumimoji="1" lang="ko-KR" altLang="en-US" dirty="0"/>
+              <a:t>바이트 배열의 값</a:t>
+            </a:r>
+            <a:endParaRPr kumimoji="1" lang="en-US" altLang="ko-KR" dirty="0"/>
+          </a:p>
+          <a:p>
+            <a:r>
+              <a:rPr lang="ko-Kore-KR" altLang="en-US" b="1" dirty="0"/>
+              <a:t>↓</a:t>
+            </a:r>
+            <a:endParaRPr lang="en-US" altLang="ko-Kore-KR" b="1" dirty="0"/>
+          </a:p>
+          <a:p>
+            <a:r>
+              <a:rPr kumimoji="1" lang="ko-Kore-KR" altLang="en-US" dirty="0"/>
+              <a:t>필드에</a:t>
+            </a:r>
+            <a:r>
+              <a:rPr kumimoji="1" lang="ko-KR" altLang="en-US" dirty="0"/>
+              <a:t> 저장</a:t>
+            </a:r>
+            <a:endParaRPr kumimoji="1" lang="en-US" altLang="ko-KR" dirty="0"/>
+          </a:p>
+        </p:txBody>
+      </p:sp>
+      <p:sp>
+        <p:nvSpPr>
+          <p:cNvPr id="3" name="직사각형 2">
+            <a:extLst>
+              <a:ext uri="{FF2B5EF4-FFF2-40B4-BE49-F238E27FC236}">
+                <a16:creationId xmlns:a16="http://schemas.microsoft.com/office/drawing/2014/main" id="{2B84D2B2-93E2-1E12-E480-25ABF6214B4B}"/>
+              </a:ext>
+            </a:extLst>
+          </p:cNvPr>
+          <p:cNvSpPr/>
+          <p:nvPr/>
+        </p:nvSpPr>
+        <p:spPr>
+          <a:xfrm>
+            <a:off x="4616667" y="1978573"/>
+            <a:ext cx="420414" cy="420414"/>
+          </a:xfrm>
+          <a:prstGeom prst="rect">
+            <a:avLst/>
+          </a:prstGeom>
+        </p:spPr>
+        <p:style>
+          <a:lnRef idx="2">
+            <a:schemeClr val="accent6">
+              <a:shade val="50000"/>
+            </a:schemeClr>
+          </a:lnRef>
+          <a:fillRef idx="1">
+            <a:schemeClr val="accent6"/>
+          </a:fillRef>
+          <a:effectRef idx="0">
+            <a:schemeClr val="accent6"/>
+          </a:effectRef>
+          <a:fontRef idx="minor">
+            <a:schemeClr val="lt1"/>
+          </a:fontRef>
+        </p:style>
+        <p:txBody>
+          <a:bodyPr rtlCol="0" anchor="ctr"/>
+          <a:lstStyle/>
+          <a:p>
+            <a:pPr algn="ctr"/>
+            <a:endParaRPr kumimoji="1" lang="ko-Kore-KR" altLang="en-US"/>
+          </a:p>
+        </p:txBody>
+      </p:sp>
+      <p:sp>
+        <p:nvSpPr>
+          <p:cNvPr id="6" name="직사각형 5">
+            <a:extLst>
+              <a:ext uri="{FF2B5EF4-FFF2-40B4-BE49-F238E27FC236}">
+                <a16:creationId xmlns:a16="http://schemas.microsoft.com/office/drawing/2014/main" id="{D3986A9B-3821-D12F-3B7C-0A34482BD538}"/>
+              </a:ext>
+            </a:extLst>
+          </p:cNvPr>
+          <p:cNvSpPr/>
+          <p:nvPr/>
+        </p:nvSpPr>
+        <p:spPr>
+          <a:xfrm>
+            <a:off x="5037081" y="1971111"/>
+            <a:ext cx="420414" cy="420414"/>
+          </a:xfrm>
+          <a:prstGeom prst="rect">
+            <a:avLst/>
+          </a:prstGeom>
+        </p:spPr>
+        <p:style>
+          <a:lnRef idx="2">
+            <a:schemeClr val="accent6">
+              <a:shade val="50000"/>
+            </a:schemeClr>
+          </a:lnRef>
+          <a:fillRef idx="1">
+            <a:schemeClr val="accent6"/>
+          </a:fillRef>
+          <a:effectRef idx="0">
+            <a:schemeClr val="accent6"/>
+          </a:effectRef>
+          <a:fontRef idx="minor">
+            <a:schemeClr val="lt1"/>
+          </a:fontRef>
+        </p:style>
+        <p:txBody>
+          <a:bodyPr rtlCol="0" anchor="ctr"/>
+          <a:lstStyle/>
+          <a:p>
+            <a:pPr algn="ctr"/>
+            <a:endParaRPr kumimoji="1" lang="ko-Kore-KR" altLang="en-US"/>
+          </a:p>
+        </p:txBody>
+      </p:sp>
+      <p:sp>
+        <p:nvSpPr>
+          <p:cNvPr id="7" name="직사각형 6">
+            <a:extLst>
+              <a:ext uri="{FF2B5EF4-FFF2-40B4-BE49-F238E27FC236}">
+                <a16:creationId xmlns:a16="http://schemas.microsoft.com/office/drawing/2014/main" id="{A5F77028-BBB2-1321-BDF5-18B94A81E6B0}"/>
+              </a:ext>
+            </a:extLst>
+          </p:cNvPr>
+          <p:cNvSpPr/>
+          <p:nvPr/>
+        </p:nvSpPr>
+        <p:spPr>
+          <a:xfrm>
+            <a:off x="5465379" y="1978573"/>
+            <a:ext cx="420414" cy="420414"/>
+          </a:xfrm>
+          <a:prstGeom prst="rect">
+            <a:avLst/>
+          </a:prstGeom>
+        </p:spPr>
+        <p:style>
+          <a:lnRef idx="2">
+            <a:schemeClr val="accent6">
+              <a:shade val="50000"/>
+            </a:schemeClr>
+          </a:lnRef>
+          <a:fillRef idx="1">
+            <a:schemeClr val="accent6"/>
+          </a:fillRef>
+          <a:effectRef idx="0">
+            <a:schemeClr val="accent6"/>
+          </a:effectRef>
+          <a:fontRef idx="minor">
+            <a:schemeClr val="lt1"/>
+          </a:fontRef>
+        </p:style>
+        <p:txBody>
+          <a:bodyPr rtlCol="0" anchor="ctr"/>
+          <a:lstStyle/>
+          <a:p>
+            <a:pPr algn="ctr"/>
+            <a:endParaRPr kumimoji="1" lang="ko-Kore-KR" altLang="en-US"/>
+          </a:p>
+        </p:txBody>
+      </p:sp>
+      <p:sp>
+        <p:nvSpPr>
+          <p:cNvPr id="11" name="직사각형 10">
+            <a:extLst>
+              <a:ext uri="{FF2B5EF4-FFF2-40B4-BE49-F238E27FC236}">
+                <a16:creationId xmlns:a16="http://schemas.microsoft.com/office/drawing/2014/main" id="{8BC0BF18-12DE-CD95-B4EC-F83B3D3A69CE}"/>
+              </a:ext>
+            </a:extLst>
+          </p:cNvPr>
+          <p:cNvSpPr/>
+          <p:nvPr/>
+        </p:nvSpPr>
+        <p:spPr>
+          <a:xfrm>
+            <a:off x="5885793" y="1971111"/>
+            <a:ext cx="420414" cy="420414"/>
+          </a:xfrm>
+          <a:prstGeom prst="rect">
+            <a:avLst/>
+          </a:prstGeom>
+        </p:spPr>
+        <p:style>
+          <a:lnRef idx="2">
+            <a:schemeClr val="accent6">
+              <a:shade val="50000"/>
+            </a:schemeClr>
+          </a:lnRef>
+          <a:fillRef idx="1">
+            <a:schemeClr val="accent6"/>
+          </a:fillRef>
+          <a:effectRef idx="0">
+            <a:schemeClr val="accent6"/>
+          </a:effectRef>
+          <a:fontRef idx="minor">
+            <a:schemeClr val="lt1"/>
+          </a:fontRef>
+        </p:style>
+        <p:txBody>
+          <a:bodyPr rtlCol="0" anchor="ctr"/>
+          <a:lstStyle/>
+          <a:p>
+            <a:pPr algn="ctr"/>
+            <a:endParaRPr kumimoji="1" lang="ko-Kore-KR" altLang="en-US"/>
+          </a:p>
+        </p:txBody>
+      </p:sp>
+      <p:sp>
+        <p:nvSpPr>
+          <p:cNvPr id="12" name="직사각형 11">
+            <a:extLst>
+              <a:ext uri="{FF2B5EF4-FFF2-40B4-BE49-F238E27FC236}">
+                <a16:creationId xmlns:a16="http://schemas.microsoft.com/office/drawing/2014/main" id="{00CAB9CD-C18D-3FD0-4AF6-36AEC6EBDCB4}"/>
+              </a:ext>
+            </a:extLst>
+          </p:cNvPr>
+          <p:cNvSpPr/>
+          <p:nvPr/>
+        </p:nvSpPr>
+        <p:spPr>
+          <a:xfrm>
+            <a:off x="6320655" y="1971111"/>
+            <a:ext cx="420414" cy="420414"/>
+          </a:xfrm>
+          <a:prstGeom prst="rect">
+            <a:avLst/>
+          </a:prstGeom>
+        </p:spPr>
+        <p:style>
+          <a:lnRef idx="2">
+            <a:schemeClr val="accent6">
+              <a:shade val="50000"/>
+            </a:schemeClr>
+          </a:lnRef>
+          <a:fillRef idx="1">
+            <a:schemeClr val="accent6"/>
+          </a:fillRef>
+          <a:effectRef idx="0">
+            <a:schemeClr val="accent6"/>
+          </a:effectRef>
+          <a:fontRef idx="minor">
+            <a:schemeClr val="lt1"/>
+          </a:fontRef>
+        </p:style>
+        <p:txBody>
+          <a:bodyPr rtlCol="0" anchor="ctr"/>
+          <a:lstStyle/>
+          <a:p>
+            <a:pPr algn="ctr"/>
+            <a:endParaRPr kumimoji="1" lang="ko-Kore-KR" altLang="en-US"/>
+          </a:p>
+        </p:txBody>
+      </p:sp>
+      <p:sp>
+        <p:nvSpPr>
+          <p:cNvPr id="13" name="직사각형 12">
+            <a:extLst>
+              <a:ext uri="{FF2B5EF4-FFF2-40B4-BE49-F238E27FC236}">
+                <a16:creationId xmlns:a16="http://schemas.microsoft.com/office/drawing/2014/main" id="{D69B8FD3-D4C7-2681-5B14-4C5E9A1635FF}"/>
+              </a:ext>
+            </a:extLst>
+          </p:cNvPr>
+          <p:cNvSpPr/>
+          <p:nvPr/>
+        </p:nvSpPr>
+        <p:spPr>
+          <a:xfrm>
+            <a:off x="6741069" y="1978573"/>
+            <a:ext cx="420414" cy="420414"/>
+          </a:xfrm>
+          <a:prstGeom prst="rect">
+            <a:avLst/>
+          </a:prstGeom>
+        </p:spPr>
+        <p:style>
+          <a:lnRef idx="2">
+            <a:schemeClr val="accent6">
+              <a:shade val="50000"/>
+            </a:schemeClr>
+          </a:lnRef>
+          <a:fillRef idx="1">
+            <a:schemeClr val="accent6"/>
+          </a:fillRef>
+          <a:effectRef idx="0">
+            <a:schemeClr val="accent6"/>
+          </a:effectRef>
+          <a:fontRef idx="minor">
+            <a:schemeClr val="lt1"/>
+          </a:fontRef>
+        </p:style>
+        <p:txBody>
+          <a:bodyPr rtlCol="0" anchor="ctr"/>
+          <a:lstStyle/>
+          <a:p>
+            <a:pPr algn="ctr"/>
+            <a:endParaRPr kumimoji="1" lang="ko-Kore-KR" altLang="en-US"/>
+          </a:p>
+        </p:txBody>
+      </p:sp>
+      <p:cxnSp>
+        <p:nvCxnSpPr>
+          <p:cNvPr id="15" name="직선 화살표 연결선 14">
+            <a:extLst>
+              <a:ext uri="{FF2B5EF4-FFF2-40B4-BE49-F238E27FC236}">
+                <a16:creationId xmlns:a16="http://schemas.microsoft.com/office/drawing/2014/main" id="{61D8FD0E-E5E0-3A9C-96D2-21FA63923C2B}"/>
+              </a:ext>
+            </a:extLst>
+          </p:cNvPr>
+          <p:cNvCxnSpPr>
+            <a:cxnSpLocks/>
+            <a:stCxn id="3" idx="1"/>
+            <a:endCxn id="2" idx="3"/>
+          </p:cNvCxnSpPr>
+          <p:nvPr/>
+        </p:nvCxnSpPr>
+        <p:spPr>
+          <a:xfrm flipH="1" flipV="1">
+            <a:off x="3176754" y="2188779"/>
+            <a:ext cx="1439913" cy="1"/>
+          </a:xfrm>
+          <a:prstGeom prst="straightConnector1">
+            <a:avLst/>
+          </a:prstGeom>
+          <a:ln>
+            <a:tailEnd type="triangle"/>
+          </a:ln>
+        </p:spPr>
+        <p:style>
+          <a:lnRef idx="3">
+            <a:schemeClr val="accent1"/>
+          </a:lnRef>
+          <a:fillRef idx="0">
+            <a:schemeClr val="accent1"/>
+          </a:fillRef>
+          <a:effectRef idx="2">
+            <a:schemeClr val="accent1"/>
+          </a:effectRef>
+          <a:fontRef idx="minor">
+            <a:schemeClr val="tx1"/>
+          </a:fontRef>
+        </p:style>
+      </p:cxnSp>
+      <p:cxnSp>
+        <p:nvCxnSpPr>
+          <p:cNvPr id="18" name="직선 화살표 연결선 17">
+            <a:extLst>
+              <a:ext uri="{FF2B5EF4-FFF2-40B4-BE49-F238E27FC236}">
+                <a16:creationId xmlns:a16="http://schemas.microsoft.com/office/drawing/2014/main" id="{08F2DDC8-EC05-679D-643F-CF8AF1D9B44F}"/>
+              </a:ext>
+            </a:extLst>
+          </p:cNvPr>
+          <p:cNvCxnSpPr>
+            <a:cxnSpLocks/>
+            <a:stCxn id="19" idx="0"/>
+            <a:endCxn id="3" idx="2"/>
+          </p:cNvCxnSpPr>
+          <p:nvPr/>
+        </p:nvCxnSpPr>
+        <p:spPr>
+          <a:xfrm flipV="1">
+            <a:off x="4826874" y="2398987"/>
+            <a:ext cx="0" cy="669014"/>
+          </a:xfrm>
+          <a:prstGeom prst="straightConnector1">
+            <a:avLst/>
+          </a:prstGeom>
+          <a:ln>
+            <a:tailEnd type="triangle"/>
+          </a:ln>
+        </p:spPr>
+        <p:style>
+          <a:lnRef idx="3">
+            <a:schemeClr val="accent6"/>
+          </a:lnRef>
+          <a:fillRef idx="0">
+            <a:schemeClr val="accent6"/>
+          </a:fillRef>
+          <a:effectRef idx="2">
+            <a:schemeClr val="accent6"/>
+          </a:effectRef>
+          <a:fontRef idx="minor">
+            <a:schemeClr val="tx1"/>
+          </a:fontRef>
+        </p:style>
+      </p:cxnSp>
+      <p:sp>
+        <p:nvSpPr>
+          <p:cNvPr id="19" name="TextBox 18">
+            <a:extLst>
+              <a:ext uri="{FF2B5EF4-FFF2-40B4-BE49-F238E27FC236}">
+                <a16:creationId xmlns:a16="http://schemas.microsoft.com/office/drawing/2014/main" id="{8B9B56BE-B793-331E-F892-CBC8E8C2AF58}"/>
+              </a:ext>
+            </a:extLst>
+          </p:cNvPr>
+          <p:cNvSpPr txBox="1"/>
+          <p:nvPr/>
+        </p:nvSpPr>
+        <p:spPr>
+          <a:xfrm>
+            <a:off x="3938752" y="3068001"/>
+            <a:ext cx="1776244" cy="369332"/>
+          </a:xfrm>
+          <a:prstGeom prst="rect">
+            <a:avLst/>
+          </a:prstGeom>
+        </p:spPr>
+        <p:style>
+          <a:lnRef idx="2">
+            <a:schemeClr val="accent6"/>
+          </a:lnRef>
+          <a:fillRef idx="1">
+            <a:schemeClr val="lt1"/>
+          </a:fillRef>
+          <a:effectRef idx="0">
+            <a:schemeClr val="accent6"/>
+          </a:effectRef>
+          <a:fontRef idx="minor">
+            <a:schemeClr val="dk1"/>
+          </a:fontRef>
+        </p:style>
+        <p:txBody>
+          <a:bodyPr wrap="square" rtlCol="0">
+            <a:spAutoFit/>
+          </a:bodyPr>
+          <a:lstStyle/>
+          <a:p>
+            <a:pPr algn="ctr"/>
+            <a:r>
+              <a:rPr kumimoji="1" lang="ko-Kore-KR" altLang="en-US" dirty="0"/>
+              <a:t>바이트</a:t>
+            </a:r>
+            <a:r>
+              <a:rPr kumimoji="1" lang="ko-KR" altLang="en-US" dirty="0"/>
+              <a:t> 배열</a:t>
+            </a:r>
+            <a:endParaRPr kumimoji="1" lang="ko-Kore-KR" altLang="en-US" dirty="0"/>
+          </a:p>
+        </p:txBody>
+      </p:sp>
+      <p:cxnSp>
+        <p:nvCxnSpPr>
+          <p:cNvPr id="22" name="직선 화살표 연결선 21">
+            <a:extLst>
+              <a:ext uri="{FF2B5EF4-FFF2-40B4-BE49-F238E27FC236}">
+                <a16:creationId xmlns:a16="http://schemas.microsoft.com/office/drawing/2014/main" id="{E42A9736-D5A4-9D85-93B5-D6774B978FCA}"/>
+              </a:ext>
+            </a:extLst>
+          </p:cNvPr>
+          <p:cNvCxnSpPr>
+            <a:cxnSpLocks/>
+            <a:stCxn id="4" idx="1"/>
+            <a:endCxn id="13" idx="3"/>
+          </p:cNvCxnSpPr>
+          <p:nvPr/>
+        </p:nvCxnSpPr>
+        <p:spPr>
+          <a:xfrm flipH="1">
+            <a:off x="7161483" y="2188778"/>
+            <a:ext cx="1767055" cy="2"/>
+          </a:xfrm>
+          <a:prstGeom prst="straightConnector1">
+            <a:avLst/>
+          </a:prstGeom>
+          <a:ln>
+            <a:tailEnd type="triangle"/>
+          </a:ln>
+        </p:spPr>
+        <p:style>
+          <a:lnRef idx="3">
+            <a:schemeClr val="accent3"/>
+          </a:lnRef>
+          <a:fillRef idx="0">
+            <a:schemeClr val="accent3"/>
+          </a:fillRef>
+          <a:effectRef idx="2">
+            <a:schemeClr val="accent3"/>
+          </a:effectRef>
+          <a:fontRef idx="minor">
+            <a:schemeClr val="tx1"/>
+          </a:fontRef>
+        </p:style>
+      </p:cxnSp>
+      <p:sp>
+        <p:nvSpPr>
+          <p:cNvPr id="29" name="TextBox 28">
+            <a:extLst>
+              <a:ext uri="{FF2B5EF4-FFF2-40B4-BE49-F238E27FC236}">
+                <a16:creationId xmlns:a16="http://schemas.microsoft.com/office/drawing/2014/main" id="{6740B83F-7391-0766-A7F0-63A7A035A018}"/>
+              </a:ext>
+            </a:extLst>
+          </p:cNvPr>
+          <p:cNvSpPr txBox="1"/>
+          <p:nvPr/>
+        </p:nvSpPr>
+        <p:spPr>
+          <a:xfrm>
+            <a:off x="7189075" y="958028"/>
+            <a:ext cx="1629106" cy="923330"/>
+          </a:xfrm>
+          <a:prstGeom prst="rect">
+            <a:avLst/>
+          </a:prstGeom>
+        </p:spPr>
+        <p:style>
+          <a:lnRef idx="2">
+            <a:schemeClr val="accent3"/>
+          </a:lnRef>
+          <a:fillRef idx="1">
+            <a:schemeClr val="lt1"/>
+          </a:fillRef>
+          <a:effectRef idx="0">
+            <a:schemeClr val="accent3"/>
+          </a:effectRef>
+          <a:fontRef idx="minor">
+            <a:schemeClr val="dk1"/>
+          </a:fontRef>
+        </p:style>
+        <p:txBody>
+          <a:bodyPr wrap="square" rtlCol="0">
+            <a:spAutoFit/>
+          </a:bodyPr>
+          <a:lstStyle/>
+          <a:p>
+            <a:r>
+              <a:rPr kumimoji="1" lang="ko-KR" altLang="en-US" dirty="0"/>
+              <a:t>파일로부터</a:t>
+            </a:r>
+            <a:endParaRPr kumimoji="1" lang="en-US" altLang="ko-KR" dirty="0"/>
+          </a:p>
+          <a:p>
+            <a:r>
+              <a:rPr kumimoji="1" lang="ko-KR" altLang="en-US" dirty="0"/>
+              <a:t>순차적으로 </a:t>
+            </a:r>
+            <a:endParaRPr kumimoji="1" lang="en-US" altLang="ko-KR" dirty="0"/>
+          </a:p>
+          <a:p>
+            <a:r>
+              <a:rPr kumimoji="1" lang="ko-KR" altLang="en-US" dirty="0"/>
+              <a:t>읽기</a:t>
+            </a:r>
+            <a:endParaRPr kumimoji="1" lang="ko-Kore-KR" altLang="en-US" dirty="0"/>
+          </a:p>
+        </p:txBody>
+      </p:sp>
+      <p:sp>
+        <p:nvSpPr>
+          <p:cNvPr id="30" name="TextBox 29">
+            <a:extLst>
+              <a:ext uri="{FF2B5EF4-FFF2-40B4-BE49-F238E27FC236}">
+                <a16:creationId xmlns:a16="http://schemas.microsoft.com/office/drawing/2014/main" id="{6AEB4ED7-348A-4191-302C-A14ED33CCDFC}"/>
+              </a:ext>
+            </a:extLst>
+          </p:cNvPr>
+          <p:cNvSpPr txBox="1"/>
+          <p:nvPr/>
+        </p:nvSpPr>
+        <p:spPr>
+          <a:xfrm>
+            <a:off x="6961790" y="3931674"/>
+            <a:ext cx="2731375" cy="646331"/>
+          </a:xfrm>
+          <a:prstGeom prst="rect">
+            <a:avLst/>
+          </a:prstGeom>
+          <a:ln>
+            <a:solidFill>
+              <a:srgbClr val="FF0000"/>
+            </a:solidFill>
+          </a:ln>
+        </p:spPr>
+        <p:style>
+          <a:lnRef idx="2">
+            <a:schemeClr val="accent2"/>
+          </a:lnRef>
+          <a:fillRef idx="1">
+            <a:schemeClr val="lt1"/>
+          </a:fillRef>
+          <a:effectRef idx="0">
+            <a:schemeClr val="accent2"/>
+          </a:effectRef>
+          <a:fontRef idx="minor">
+            <a:schemeClr val="dk1"/>
+          </a:fontRef>
+        </p:style>
+        <p:txBody>
+          <a:bodyPr wrap="square" rtlCol="0">
+            <a:spAutoFit/>
+          </a:bodyPr>
+          <a:lstStyle/>
+          <a:p>
+            <a:r>
+              <a:rPr kumimoji="1" lang="en-US" altLang="ko-Kore-KR" dirty="0" err="1"/>
+              <a:t>FileInputStream</a:t>
+            </a:r>
+            <a:endParaRPr kumimoji="1" lang="en-US" altLang="ko-Kore-KR" dirty="0"/>
+          </a:p>
+          <a:p>
+            <a:r>
+              <a:rPr kumimoji="1" lang="en-US" altLang="ko-Kore-KR" dirty="0"/>
+              <a:t>Class </a:t>
+            </a:r>
+            <a:r>
+              <a:rPr kumimoji="1" lang="ko-Kore-KR" altLang="en-US" dirty="0"/>
+              <a:t>의</a:t>
+            </a:r>
+            <a:r>
+              <a:rPr kumimoji="1" lang="ko-KR" altLang="en-US" dirty="0"/>
+              <a:t> 도움을 받는다</a:t>
+            </a:r>
+            <a:endParaRPr kumimoji="1" lang="ko-Kore-KR" altLang="en-US" dirty="0"/>
+          </a:p>
+        </p:txBody>
+      </p:sp>
+      <p:sp>
+        <p:nvSpPr>
+          <p:cNvPr id="31" name="위쪽 화살표[U] 30">
+            <a:extLst>
+              <a:ext uri="{FF2B5EF4-FFF2-40B4-BE49-F238E27FC236}">
+                <a16:creationId xmlns:a16="http://schemas.microsoft.com/office/drawing/2014/main" id="{E6712322-807F-A76C-9112-31F05D46E0F3}"/>
+              </a:ext>
+            </a:extLst>
+          </p:cNvPr>
+          <p:cNvSpPr/>
+          <p:nvPr/>
+        </p:nvSpPr>
+        <p:spPr>
+          <a:xfrm>
+            <a:off x="7914290" y="2391525"/>
+            <a:ext cx="399393" cy="1465772"/>
+          </a:xfrm>
+          <a:prstGeom prst="upArrow">
+            <a:avLst/>
+          </a:prstGeom>
+          <a:solidFill>
+            <a:srgbClr val="FF0000"/>
+          </a:solidFill>
+          <a:ln>
+            <a:solidFill>
+              <a:srgbClr val="FF0000"/>
+            </a:solidFill>
+          </a:ln>
+        </p:spPr>
+        <p:style>
+          <a:lnRef idx="2">
+            <a:schemeClr val="accent1">
+              <a:shade val="50000"/>
+            </a:schemeClr>
+          </a:lnRef>
+          <a:fillRef idx="1">
+            <a:schemeClr val="accent1"/>
+          </a:fillRef>
+          <a:effectRef idx="0">
+            <a:schemeClr val="accent1"/>
+          </a:effectRef>
+          <a:fontRef idx="minor">
+            <a:schemeClr val="lt1"/>
+          </a:fontRef>
+        </p:style>
+        <p:txBody>
+          <a:bodyPr rtlCol="0" anchor="ctr"/>
+          <a:lstStyle/>
+          <a:p>
+            <a:pPr algn="ctr"/>
+            <a:endParaRPr kumimoji="1" lang="ko-Kore-KR" altLang="en-US"/>
+          </a:p>
+        </p:txBody>
+      </p:sp>
+    </p:spTree>
+    <p:extLst>
+      <p:ext uri="{BB962C8B-B14F-4D97-AF65-F5344CB8AC3E}">
+        <p14:creationId xmlns:p14="http://schemas.microsoft.com/office/powerpoint/2010/main" val="1416150379"/>
+      </p:ext>
+    </p:extLst>
+  </p:cSld>
+  <p:clrMapOvr>
+    <a:masterClrMapping/>
+  </p:clrMapOvr>
+</p:sld>
+</file>
+
+<file path=ppt/slides/slide6.xml><?xml version="1.0" encoding="utf-8"?>
+<p:sld xmlns:a="http://schemas.openxmlformats.org/drawingml/2006/main" xmlns:r="http://schemas.openxmlformats.org/officeDocument/2006/relationships" xmlns:p="http://schemas.openxmlformats.org/presentationml/2006/main">
+  <p:cSld>
+    <p:spTree>
+      <p:nvGrpSpPr>
+        <p:cNvPr id="1" name=""/>
+        <p:cNvGrpSpPr/>
+        <p:nvPr/>
+      </p:nvGrpSpPr>
+      <p:grpSpPr>
+        <a:xfrm>
+          <a:off x="0" y="0"/>
+          <a:ext cx="0" cy="0"/>
+          <a:chOff x="0" y="0"/>
+          <a:chExt cx="0" cy="0"/>
+        </a:xfrm>
+      </p:grpSpPr>
+      <p:sp>
+        <p:nvSpPr>
+          <p:cNvPr id="4" name="직사각형 3">
+            <a:extLst>
+              <a:ext uri="{FF2B5EF4-FFF2-40B4-BE49-F238E27FC236}">
+                <a16:creationId xmlns:a16="http://schemas.microsoft.com/office/drawing/2014/main" id="{ACD2ED21-7BD5-5C79-4C71-FBE0B4A8CD29}"/>
+              </a:ext>
+            </a:extLst>
+          </p:cNvPr>
+          <p:cNvSpPr/>
+          <p:nvPr/>
+        </p:nvSpPr>
+        <p:spPr>
+          <a:xfrm>
+            <a:off x="8928538" y="922281"/>
+            <a:ext cx="2690649" cy="2532993"/>
+          </a:xfrm>
+          <a:prstGeom prst="rect">
+            <a:avLst/>
+          </a:prstGeom>
+        </p:spPr>
+        <p:style>
+          <a:lnRef idx="2">
+            <a:schemeClr val="accent3">
+              <a:shade val="50000"/>
+            </a:schemeClr>
+          </a:lnRef>
+          <a:fillRef idx="1">
+            <a:schemeClr val="accent3"/>
+          </a:fillRef>
+          <a:effectRef idx="0">
+            <a:schemeClr val="accent3"/>
+          </a:effectRef>
+          <a:fontRef idx="minor">
+            <a:schemeClr val="lt1"/>
+          </a:fontRef>
+        </p:style>
+        <p:txBody>
+          <a:bodyPr rtlCol="0" anchor="ctr"/>
+          <a:lstStyle/>
+          <a:p>
+            <a:pPr algn="ctr"/>
+            <a:r>
+              <a:rPr kumimoji="1" lang="en-US" altLang="ko-Kore-KR" dirty="0"/>
+              <a:t>File</a:t>
+            </a:r>
+            <a:endParaRPr kumimoji="1" lang="ko-Kore-KR" altLang="en-US" dirty="0"/>
+          </a:p>
+        </p:txBody>
+      </p:sp>
+      <p:sp>
+        <p:nvSpPr>
+          <p:cNvPr id="9" name="TextBox 8">
+            <a:extLst>
+              <a:ext uri="{FF2B5EF4-FFF2-40B4-BE49-F238E27FC236}">
+                <a16:creationId xmlns:a16="http://schemas.microsoft.com/office/drawing/2014/main" id="{7C326421-0B50-1FD3-A879-081A8CBA1887}"/>
+              </a:ext>
+            </a:extLst>
+          </p:cNvPr>
+          <p:cNvSpPr txBox="1"/>
+          <p:nvPr/>
+        </p:nvSpPr>
+        <p:spPr>
+          <a:xfrm>
+            <a:off x="707475" y="2448964"/>
+            <a:ext cx="3612277" cy="646331"/>
+          </a:xfrm>
+          <a:prstGeom prst="rect">
+            <a:avLst/>
+          </a:prstGeom>
+        </p:spPr>
+        <p:style>
+          <a:lnRef idx="2">
+            <a:schemeClr val="accent1"/>
+          </a:lnRef>
+          <a:fillRef idx="1">
+            <a:schemeClr val="lt1"/>
+          </a:fillRef>
+          <a:effectRef idx="0">
+            <a:schemeClr val="accent1"/>
+          </a:effectRef>
+          <a:fontRef idx="minor">
+            <a:schemeClr val="dk1"/>
+          </a:fontRef>
+        </p:style>
+        <p:txBody>
+          <a:bodyPr wrap="square" rtlCol="0">
+            <a:spAutoFit/>
+          </a:bodyPr>
+          <a:lstStyle/>
+          <a:p>
+            <a:pPr marL="285750" indent="-285750">
+              <a:buFont typeface="Arial" panose="020B0604020202020204" pitchFamily="34" charset="0"/>
+              <a:buChar char="•"/>
+            </a:pPr>
+            <a:r>
+              <a:rPr kumimoji="1" lang="en-US" altLang="ko-KR" dirty="0"/>
+              <a:t>write() </a:t>
+            </a:r>
+            <a:r>
+              <a:rPr kumimoji="1" lang="en-US" altLang="ko-KR" dirty="0">
+                <a:sym typeface="Wingdings" pitchFamily="2" charset="2"/>
+              </a:rPr>
+              <a:t> 1byte </a:t>
+            </a:r>
+            <a:r>
+              <a:rPr kumimoji="1" lang="ko-KR" altLang="en-US" dirty="0">
+                <a:sym typeface="Wingdings" pitchFamily="2" charset="2"/>
+              </a:rPr>
+              <a:t>출력</a:t>
+            </a:r>
+            <a:endParaRPr kumimoji="1" lang="en-US" altLang="ko-KR" dirty="0"/>
+          </a:p>
+          <a:p>
+            <a:pPr marL="285750" indent="-285750">
+              <a:buFont typeface="Arial" panose="020B0604020202020204" pitchFamily="34" charset="0"/>
+              <a:buChar char="•"/>
+            </a:pPr>
+            <a:r>
+              <a:rPr kumimoji="1" lang="en-US" altLang="ko-KR" dirty="0"/>
+              <a:t>write(byte[])</a:t>
+            </a:r>
+            <a:r>
+              <a:rPr kumimoji="1" lang="ko-KR" altLang="en-US" dirty="0"/>
+              <a:t> </a:t>
+            </a:r>
+            <a:r>
+              <a:rPr kumimoji="1" lang="en-US" altLang="ko-KR" dirty="0">
+                <a:sym typeface="Wingdings" pitchFamily="2" charset="2"/>
+              </a:rPr>
+              <a:t></a:t>
+            </a:r>
+            <a:r>
+              <a:rPr kumimoji="1" lang="ko-KR" altLang="en-US" dirty="0">
+                <a:sym typeface="Wingdings" pitchFamily="2" charset="2"/>
+              </a:rPr>
+              <a:t> </a:t>
+            </a:r>
+            <a:r>
+              <a:rPr kumimoji="1" lang="en-US" altLang="ko-KR" dirty="0">
+                <a:sym typeface="Wingdings" pitchFamily="2" charset="2"/>
+              </a:rPr>
+              <a:t>byte</a:t>
+            </a:r>
+            <a:r>
+              <a:rPr kumimoji="1" lang="ko-KR" altLang="en-US" dirty="0">
+                <a:sym typeface="Wingdings" pitchFamily="2" charset="2"/>
+              </a:rPr>
+              <a:t>배열 출력</a:t>
+            </a:r>
+            <a:endParaRPr kumimoji="1" lang="en-US" altLang="ko-KR" dirty="0"/>
+          </a:p>
+        </p:txBody>
+      </p:sp>
+      <p:cxnSp>
+        <p:nvCxnSpPr>
+          <p:cNvPr id="15" name="직선 화살표 연결선 14">
+            <a:extLst>
+              <a:ext uri="{FF2B5EF4-FFF2-40B4-BE49-F238E27FC236}">
+                <a16:creationId xmlns:a16="http://schemas.microsoft.com/office/drawing/2014/main" id="{61D8FD0E-E5E0-3A9C-96D2-21FA63923C2B}"/>
+              </a:ext>
+            </a:extLst>
+          </p:cNvPr>
+          <p:cNvCxnSpPr>
+            <a:cxnSpLocks/>
+          </p:cNvCxnSpPr>
+          <p:nvPr/>
+        </p:nvCxnSpPr>
+        <p:spPr>
+          <a:xfrm>
+            <a:off x="3176754" y="2188779"/>
+            <a:ext cx="1294080" cy="0"/>
+          </a:xfrm>
+          <a:prstGeom prst="straightConnector1">
+            <a:avLst/>
+          </a:prstGeom>
+          <a:ln>
+            <a:tailEnd type="triangle"/>
+          </a:ln>
+        </p:spPr>
+        <p:style>
+          <a:lnRef idx="3">
+            <a:schemeClr val="accent1"/>
+          </a:lnRef>
+          <a:fillRef idx="0">
+            <a:schemeClr val="accent1"/>
+          </a:fillRef>
+          <a:effectRef idx="2">
+            <a:schemeClr val="accent1"/>
+          </a:effectRef>
+          <a:fontRef idx="minor">
+            <a:schemeClr val="tx1"/>
+          </a:fontRef>
+        </p:style>
+      </p:cxnSp>
+      <p:cxnSp>
+        <p:nvCxnSpPr>
+          <p:cNvPr id="22" name="직선 화살표 연결선 21">
+            <a:extLst>
+              <a:ext uri="{FF2B5EF4-FFF2-40B4-BE49-F238E27FC236}">
+                <a16:creationId xmlns:a16="http://schemas.microsoft.com/office/drawing/2014/main" id="{E42A9736-D5A4-9D85-93B5-D6774B978FCA}"/>
+              </a:ext>
+            </a:extLst>
+          </p:cNvPr>
+          <p:cNvCxnSpPr>
+            <a:cxnSpLocks/>
+            <a:stCxn id="10" idx="3"/>
+            <a:endCxn id="4" idx="1"/>
+          </p:cNvCxnSpPr>
+          <p:nvPr/>
+        </p:nvCxnSpPr>
+        <p:spPr>
+          <a:xfrm>
+            <a:off x="6827782" y="2188778"/>
+            <a:ext cx="2100756" cy="0"/>
+          </a:xfrm>
+          <a:prstGeom prst="straightConnector1">
+            <a:avLst/>
+          </a:prstGeom>
+          <a:ln>
+            <a:tailEnd type="triangle"/>
+          </a:ln>
+        </p:spPr>
+        <p:style>
+          <a:lnRef idx="3">
+            <a:schemeClr val="accent3"/>
+          </a:lnRef>
+          <a:fillRef idx="0">
+            <a:schemeClr val="accent3"/>
+          </a:fillRef>
+          <a:effectRef idx="2">
+            <a:schemeClr val="accent3"/>
+          </a:effectRef>
+          <a:fontRef idx="minor">
+            <a:schemeClr val="tx1"/>
+          </a:fontRef>
+        </p:style>
+      </p:cxnSp>
+      <p:sp>
+        <p:nvSpPr>
+          <p:cNvPr id="29" name="TextBox 28">
+            <a:extLst>
+              <a:ext uri="{FF2B5EF4-FFF2-40B4-BE49-F238E27FC236}">
+                <a16:creationId xmlns:a16="http://schemas.microsoft.com/office/drawing/2014/main" id="{6740B83F-7391-0766-A7F0-63A7A035A018}"/>
+              </a:ext>
+            </a:extLst>
+          </p:cNvPr>
+          <p:cNvSpPr txBox="1"/>
+          <p:nvPr/>
+        </p:nvSpPr>
+        <p:spPr>
+          <a:xfrm>
+            <a:off x="7063607" y="1624348"/>
+            <a:ext cx="1629106" cy="369332"/>
+          </a:xfrm>
+          <a:prstGeom prst="rect">
+            <a:avLst/>
+          </a:prstGeom>
+        </p:spPr>
+        <p:style>
+          <a:lnRef idx="2">
+            <a:schemeClr val="accent3"/>
+          </a:lnRef>
+          <a:fillRef idx="1">
+            <a:schemeClr val="lt1"/>
+          </a:fillRef>
+          <a:effectRef idx="0">
+            <a:schemeClr val="accent3"/>
+          </a:effectRef>
+          <a:fontRef idx="minor">
+            <a:schemeClr val="dk1"/>
+          </a:fontRef>
+        </p:style>
+        <p:txBody>
+          <a:bodyPr wrap="square" rtlCol="0">
+            <a:spAutoFit/>
+          </a:bodyPr>
+          <a:lstStyle/>
+          <a:p>
+            <a:r>
+              <a:rPr kumimoji="1" lang="ko-KR" altLang="en-US" dirty="0"/>
+              <a:t>쓰기</a:t>
+            </a:r>
+            <a:endParaRPr kumimoji="1" lang="ko-Kore-KR" altLang="en-US" dirty="0"/>
+          </a:p>
+        </p:txBody>
+      </p:sp>
+      <p:sp>
+        <p:nvSpPr>
+          <p:cNvPr id="10" name="직사각형 9">
+            <a:extLst>
+              <a:ext uri="{FF2B5EF4-FFF2-40B4-BE49-F238E27FC236}">
+                <a16:creationId xmlns:a16="http://schemas.microsoft.com/office/drawing/2014/main" id="{AFD5C85D-9BD1-A4FE-40E7-A6DEE6A29B8B}"/>
+              </a:ext>
+            </a:extLst>
+          </p:cNvPr>
+          <p:cNvSpPr/>
+          <p:nvPr/>
+        </p:nvSpPr>
+        <p:spPr>
+          <a:xfrm>
+            <a:off x="4431423" y="1798581"/>
+            <a:ext cx="2396359" cy="780394"/>
+          </a:xfrm>
+          <a:prstGeom prst="rect">
+            <a:avLst/>
+          </a:prstGeom>
+          <a:solidFill>
+            <a:srgbClr val="FF0000"/>
+          </a:solidFill>
+          <a:ln>
+            <a:solidFill>
+              <a:srgbClr val="FF0000"/>
+            </a:solidFill>
+          </a:ln>
+        </p:spPr>
+        <p:style>
+          <a:lnRef idx="2">
+            <a:schemeClr val="accent1">
+              <a:shade val="50000"/>
+            </a:schemeClr>
+          </a:lnRef>
+          <a:fillRef idx="1">
+            <a:schemeClr val="accent1"/>
+          </a:fillRef>
+          <a:effectRef idx="0">
+            <a:schemeClr val="accent1"/>
+          </a:effectRef>
+          <a:fontRef idx="minor">
+            <a:schemeClr val="lt1"/>
+          </a:fontRef>
+        </p:style>
+        <p:txBody>
+          <a:bodyPr rtlCol="0" anchor="ctr"/>
+          <a:lstStyle/>
+          <a:p>
+            <a:pPr algn="ctr"/>
+            <a:r>
+              <a:rPr kumimoji="1" lang="en-US" altLang="ko-Kore-KR" dirty="0" err="1"/>
+              <a:t>FileOutputStream</a:t>
+            </a:r>
+            <a:endParaRPr kumimoji="1" lang="ko-Kore-KR" altLang="en-US" dirty="0"/>
+          </a:p>
+        </p:txBody>
+      </p:sp>
+      <p:sp>
+        <p:nvSpPr>
+          <p:cNvPr id="20" name="직사각형 19">
+            <a:extLst>
+              <a:ext uri="{FF2B5EF4-FFF2-40B4-BE49-F238E27FC236}">
+                <a16:creationId xmlns:a16="http://schemas.microsoft.com/office/drawing/2014/main" id="{F841B49A-2F27-DFC1-C6C5-CA9A34D1EC75}"/>
+              </a:ext>
+            </a:extLst>
+          </p:cNvPr>
+          <p:cNvSpPr/>
+          <p:nvPr/>
+        </p:nvSpPr>
+        <p:spPr>
+          <a:xfrm>
+            <a:off x="4431423" y="3611616"/>
+            <a:ext cx="2396359" cy="780394"/>
+          </a:xfrm>
+          <a:prstGeom prst="rect">
+            <a:avLst/>
+          </a:prstGeom>
+          <a:solidFill>
+            <a:srgbClr val="FF0000"/>
+          </a:solidFill>
+          <a:ln>
+            <a:solidFill>
+              <a:srgbClr val="FF0000"/>
+            </a:solidFill>
+          </a:ln>
+        </p:spPr>
+        <p:style>
+          <a:lnRef idx="2">
+            <a:schemeClr val="accent1">
+              <a:shade val="50000"/>
+            </a:schemeClr>
+          </a:lnRef>
+          <a:fillRef idx="1">
+            <a:schemeClr val="accent1"/>
+          </a:fillRef>
+          <a:effectRef idx="0">
+            <a:schemeClr val="accent1"/>
+          </a:effectRef>
+          <a:fontRef idx="minor">
+            <a:schemeClr val="lt1"/>
+          </a:fontRef>
+        </p:style>
+        <p:txBody>
+          <a:bodyPr rtlCol="0" anchor="ctr"/>
+          <a:lstStyle/>
+          <a:p>
+            <a:pPr algn="ctr"/>
+            <a:r>
+              <a:rPr kumimoji="1" lang="en-US" altLang="ko-Kore-KR" dirty="0" err="1"/>
+              <a:t>FileInputStream</a:t>
+            </a:r>
+            <a:endParaRPr kumimoji="1" lang="ko-Kore-KR" altLang="en-US" dirty="0"/>
+          </a:p>
+        </p:txBody>
+      </p:sp>
+      <p:cxnSp>
+        <p:nvCxnSpPr>
+          <p:cNvPr id="23" name="꺾인 연결선[E] 22">
+            <a:extLst>
+              <a:ext uri="{FF2B5EF4-FFF2-40B4-BE49-F238E27FC236}">
+                <a16:creationId xmlns:a16="http://schemas.microsoft.com/office/drawing/2014/main" id="{1DB4E561-80EB-2947-AA75-1B8E53DFFEBB}"/>
+              </a:ext>
+            </a:extLst>
+          </p:cNvPr>
+          <p:cNvCxnSpPr>
+            <a:stCxn id="4" idx="2"/>
+            <a:endCxn id="20" idx="3"/>
+          </p:cNvCxnSpPr>
+          <p:nvPr/>
+        </p:nvCxnSpPr>
+        <p:spPr>
+          <a:xfrm rot="5400000">
+            <a:off x="8277554" y="2005503"/>
+            <a:ext cx="546539" cy="3446081"/>
+          </a:xfrm>
+          <a:prstGeom prst="bentConnector2">
+            <a:avLst/>
+          </a:prstGeom>
+          <a:ln>
+            <a:tailEnd type="triangle"/>
+          </a:ln>
+        </p:spPr>
+        <p:style>
+          <a:lnRef idx="3">
+            <a:schemeClr val="accent3"/>
+          </a:lnRef>
+          <a:fillRef idx="0">
+            <a:schemeClr val="accent3"/>
+          </a:fillRef>
+          <a:effectRef idx="2">
+            <a:schemeClr val="accent3"/>
+          </a:effectRef>
+          <a:fontRef idx="minor">
+            <a:schemeClr val="tx1"/>
+          </a:fontRef>
+        </p:style>
+      </p:cxnSp>
+      <p:cxnSp>
+        <p:nvCxnSpPr>
+          <p:cNvPr id="24" name="직선 화살표 연결선 23">
+            <a:extLst>
+              <a:ext uri="{FF2B5EF4-FFF2-40B4-BE49-F238E27FC236}">
+                <a16:creationId xmlns:a16="http://schemas.microsoft.com/office/drawing/2014/main" id="{3BD02CCD-8095-14EB-497D-F7A67DACB8A0}"/>
+              </a:ext>
+            </a:extLst>
+          </p:cNvPr>
+          <p:cNvCxnSpPr>
+            <a:cxnSpLocks/>
+            <a:stCxn id="20" idx="1"/>
+          </p:cNvCxnSpPr>
+          <p:nvPr/>
+        </p:nvCxnSpPr>
+        <p:spPr>
+          <a:xfrm flipH="1" flipV="1">
+            <a:off x="3176754" y="4001812"/>
+            <a:ext cx="1254669" cy="1"/>
+          </a:xfrm>
+          <a:prstGeom prst="straightConnector1">
+            <a:avLst/>
+          </a:prstGeom>
+          <a:ln>
+            <a:tailEnd type="triangle"/>
+          </a:ln>
+        </p:spPr>
+        <p:style>
+          <a:lnRef idx="3">
+            <a:schemeClr val="accent1"/>
+          </a:lnRef>
+          <a:fillRef idx="0">
+            <a:schemeClr val="accent1"/>
+          </a:fillRef>
+          <a:effectRef idx="2">
+            <a:schemeClr val="accent1"/>
+          </a:effectRef>
+          <a:fontRef idx="minor">
+            <a:schemeClr val="tx1"/>
+          </a:fontRef>
+        </p:style>
+      </p:cxnSp>
+      <p:sp>
+        <p:nvSpPr>
+          <p:cNvPr id="27" name="TextBox 26">
+            <a:extLst>
+              <a:ext uri="{FF2B5EF4-FFF2-40B4-BE49-F238E27FC236}">
+                <a16:creationId xmlns:a16="http://schemas.microsoft.com/office/drawing/2014/main" id="{3C63F6D3-E4F2-1B88-26CE-8B74D3A158BA}"/>
+              </a:ext>
+            </a:extLst>
+          </p:cNvPr>
+          <p:cNvSpPr txBox="1"/>
+          <p:nvPr/>
+        </p:nvSpPr>
+        <p:spPr>
+          <a:xfrm>
+            <a:off x="707475" y="4661391"/>
+            <a:ext cx="3612277" cy="646331"/>
+          </a:xfrm>
+          <a:prstGeom prst="rect">
+            <a:avLst/>
+          </a:prstGeom>
+        </p:spPr>
+        <p:style>
+          <a:lnRef idx="2">
+            <a:schemeClr val="accent1"/>
+          </a:lnRef>
+          <a:fillRef idx="1">
+            <a:schemeClr val="lt1"/>
+          </a:fillRef>
+          <a:effectRef idx="0">
+            <a:schemeClr val="accent1"/>
+          </a:effectRef>
+          <a:fontRef idx="minor">
+            <a:schemeClr val="dk1"/>
+          </a:fontRef>
+        </p:style>
+        <p:txBody>
+          <a:bodyPr wrap="square" rtlCol="0">
+            <a:spAutoFit/>
+          </a:bodyPr>
+          <a:lstStyle/>
+          <a:p>
+            <a:pPr marL="285750" indent="-285750">
+              <a:buFont typeface="Arial" panose="020B0604020202020204" pitchFamily="34" charset="0"/>
+              <a:buChar char="•"/>
+            </a:pPr>
+            <a:r>
+              <a:rPr kumimoji="1" lang="en-US" altLang="ko-KR" dirty="0"/>
+              <a:t>read() </a:t>
+            </a:r>
+            <a:r>
+              <a:rPr kumimoji="1" lang="en-US" altLang="ko-KR" dirty="0">
+                <a:sym typeface="Wingdings" pitchFamily="2" charset="2"/>
+              </a:rPr>
+              <a:t> 1byte </a:t>
+            </a:r>
+            <a:r>
+              <a:rPr kumimoji="1" lang="ko-KR" altLang="en-US" dirty="0">
+                <a:sym typeface="Wingdings" pitchFamily="2" charset="2"/>
+              </a:rPr>
+              <a:t>읽기</a:t>
+            </a:r>
+            <a:endParaRPr kumimoji="1" lang="en-US" altLang="ko-KR" dirty="0"/>
+          </a:p>
+          <a:p>
+            <a:pPr marL="285750" indent="-285750">
+              <a:buFont typeface="Arial" panose="020B0604020202020204" pitchFamily="34" charset="0"/>
+              <a:buChar char="•"/>
+            </a:pPr>
+            <a:r>
+              <a:rPr kumimoji="1" lang="en-US" altLang="ko-KR" dirty="0"/>
+              <a:t>read (byte[])</a:t>
+            </a:r>
+            <a:r>
+              <a:rPr kumimoji="1" lang="ko-KR" altLang="en-US" dirty="0"/>
+              <a:t> </a:t>
+            </a:r>
+            <a:r>
+              <a:rPr kumimoji="1" lang="en-US" altLang="ko-KR" dirty="0">
+                <a:sym typeface="Wingdings" pitchFamily="2" charset="2"/>
+              </a:rPr>
+              <a:t></a:t>
+            </a:r>
+            <a:r>
+              <a:rPr kumimoji="1" lang="ko-KR" altLang="en-US" dirty="0">
+                <a:sym typeface="Wingdings" pitchFamily="2" charset="2"/>
+              </a:rPr>
+              <a:t> </a:t>
+            </a:r>
+            <a:r>
+              <a:rPr kumimoji="1" lang="en-US" altLang="ko-KR" dirty="0">
+                <a:sym typeface="Wingdings" pitchFamily="2" charset="2"/>
+              </a:rPr>
+              <a:t>byte</a:t>
+            </a:r>
+            <a:r>
+              <a:rPr kumimoji="1" lang="ko-KR" altLang="en-US" dirty="0">
+                <a:sym typeface="Wingdings" pitchFamily="2" charset="2"/>
+              </a:rPr>
+              <a:t>배열 읽기</a:t>
+            </a:r>
+            <a:endParaRPr kumimoji="1" lang="en-US" altLang="ko-KR" dirty="0"/>
+          </a:p>
+        </p:txBody>
+      </p:sp>
+      <p:sp>
+        <p:nvSpPr>
+          <p:cNvPr id="28" name="TextBox 27">
+            <a:extLst>
+              <a:ext uri="{FF2B5EF4-FFF2-40B4-BE49-F238E27FC236}">
+                <a16:creationId xmlns:a16="http://schemas.microsoft.com/office/drawing/2014/main" id="{9B4659F8-3AC9-B98D-F1E6-42BAE047FD15}"/>
+              </a:ext>
+            </a:extLst>
+          </p:cNvPr>
+          <p:cNvSpPr txBox="1"/>
+          <p:nvPr/>
+        </p:nvSpPr>
+        <p:spPr>
+          <a:xfrm>
+            <a:off x="7063607" y="4157341"/>
+            <a:ext cx="1629106" cy="369332"/>
+          </a:xfrm>
+          <a:prstGeom prst="rect">
+            <a:avLst/>
+          </a:prstGeom>
+        </p:spPr>
+        <p:style>
+          <a:lnRef idx="2">
+            <a:schemeClr val="accent3"/>
+          </a:lnRef>
+          <a:fillRef idx="1">
+            <a:schemeClr val="lt1"/>
+          </a:fillRef>
+          <a:effectRef idx="0">
+            <a:schemeClr val="accent3"/>
+          </a:effectRef>
+          <a:fontRef idx="minor">
+            <a:schemeClr val="dk1"/>
+          </a:fontRef>
+        </p:style>
+        <p:txBody>
+          <a:bodyPr wrap="square" rtlCol="0">
+            <a:spAutoFit/>
+          </a:bodyPr>
+          <a:lstStyle/>
+          <a:p>
+            <a:r>
+              <a:rPr kumimoji="1" lang="ko-KR" altLang="en-US" dirty="0"/>
+              <a:t>읽기</a:t>
+            </a:r>
+            <a:endParaRPr kumimoji="1" lang="ko-Kore-KR" altLang="en-US" dirty="0"/>
+          </a:p>
+        </p:txBody>
+      </p:sp>
+    </p:spTree>
+    <p:extLst>
+      <p:ext uri="{BB962C8B-B14F-4D97-AF65-F5344CB8AC3E}">
+        <p14:creationId xmlns:p14="http://schemas.microsoft.com/office/powerpoint/2010/main" val="1477840821"/>
+      </p:ext>
+    </p:extLst>
+  </p:cSld>
+  <p:clrMapOvr>
+    <a:masterClrMapping/>
+  </p:clrMapOvr>
+</p:sld>
+</file>
+
+<file path=ppt/slides/slide7.xml><?xml version="1.0" encoding="utf-8"?>
+<p:sld xmlns:a="http://schemas.openxmlformats.org/drawingml/2006/main" xmlns:r="http://schemas.openxmlformats.org/officeDocument/2006/relationships" xmlns:p="http://schemas.openxmlformats.org/presentationml/2006/main">
+  <p:cSld>
+    <p:spTree>
+      <p:nvGrpSpPr>
+        <p:cNvPr id="1" name=""/>
+        <p:cNvGrpSpPr/>
+        <p:nvPr/>
+      </p:nvGrpSpPr>
+      <p:grpSpPr>
+        <a:xfrm>
+          <a:off x="0" y="0"/>
+          <a:ext cx="0" cy="0"/>
+          <a:chOff x="0" y="0"/>
+          <a:chExt cx="0" cy="0"/>
+        </a:xfrm>
+      </p:grpSpPr>
+      <p:cxnSp>
+        <p:nvCxnSpPr>
+          <p:cNvPr id="66" name="직선 화살표 연결선 65">
+            <a:extLst>
+              <a:ext uri="{FF2B5EF4-FFF2-40B4-BE49-F238E27FC236}">
+                <a16:creationId xmlns:a16="http://schemas.microsoft.com/office/drawing/2014/main" id="{0109F307-09E9-43D7-8843-F6D4D28DB119}"/>
+              </a:ext>
+            </a:extLst>
+          </p:cNvPr>
+          <p:cNvCxnSpPr>
+            <a:cxnSpLocks/>
+            <a:stCxn id="3" idx="2"/>
+            <a:endCxn id="71" idx="1"/>
+          </p:cNvCxnSpPr>
+          <p:nvPr/>
+        </p:nvCxnSpPr>
+        <p:spPr>
+          <a:xfrm>
+            <a:off x="1352122" y="3333090"/>
+            <a:ext cx="470562" cy="3123743"/>
+          </a:xfrm>
+          <a:prstGeom prst="straightConnector1">
+            <a:avLst/>
+          </a:prstGeom>
+          <a:ln>
+            <a:solidFill>
+              <a:schemeClr val="accent4"/>
+            </a:solidFill>
+            <a:tailEnd type="triangle"/>
+          </a:ln>
+        </p:spPr>
+        <p:style>
+          <a:lnRef idx="3">
+            <a:schemeClr val="accent2"/>
+          </a:lnRef>
+          <a:fillRef idx="0">
+            <a:schemeClr val="accent2"/>
+          </a:fillRef>
+          <a:effectRef idx="2">
+            <a:schemeClr val="accent2"/>
+          </a:effectRef>
+          <a:fontRef idx="minor">
+            <a:schemeClr val="tx1"/>
+          </a:fontRef>
+        </p:style>
+      </p:cxnSp>
+      <p:cxnSp>
+        <p:nvCxnSpPr>
+          <p:cNvPr id="78" name="구부러진 연결선[U] 77">
+            <a:extLst>
+              <a:ext uri="{FF2B5EF4-FFF2-40B4-BE49-F238E27FC236}">
+                <a16:creationId xmlns:a16="http://schemas.microsoft.com/office/drawing/2014/main" id="{A5BC8453-006E-A151-0A4A-45A4E620BFF0}"/>
+              </a:ext>
+            </a:extLst>
+          </p:cNvPr>
+          <p:cNvCxnSpPr>
+            <a:cxnSpLocks/>
+            <a:stCxn id="3" idx="3"/>
+            <a:endCxn id="2" idx="3"/>
+          </p:cNvCxnSpPr>
+          <p:nvPr/>
+        </p:nvCxnSpPr>
+        <p:spPr>
+          <a:xfrm flipV="1">
+            <a:off x="1762025" y="1292114"/>
+            <a:ext cx="12700" cy="1804494"/>
+          </a:xfrm>
+          <a:prstGeom prst="curvedConnector3">
+            <a:avLst>
+              <a:gd name="adj1" fmla="val 1800000"/>
+            </a:avLst>
+          </a:prstGeom>
+          <a:ln>
+            <a:solidFill>
+              <a:srgbClr val="FF0000"/>
+            </a:solidFill>
+            <a:tailEnd type="triangle"/>
+          </a:ln>
+        </p:spPr>
+        <p:style>
+          <a:lnRef idx="3">
+            <a:schemeClr val="accent2"/>
+          </a:lnRef>
+          <a:fillRef idx="0">
+            <a:schemeClr val="accent2"/>
+          </a:fillRef>
+          <a:effectRef idx="2">
+            <a:schemeClr val="accent2"/>
+          </a:effectRef>
+          <a:fontRef idx="minor">
+            <a:schemeClr val="tx1"/>
+          </a:fontRef>
+        </p:style>
+      </p:cxnSp>
+      <p:sp>
+        <p:nvSpPr>
+          <p:cNvPr id="4" name="직사각형 3">
+            <a:extLst>
+              <a:ext uri="{FF2B5EF4-FFF2-40B4-BE49-F238E27FC236}">
+                <a16:creationId xmlns:a16="http://schemas.microsoft.com/office/drawing/2014/main" id="{ACD2ED21-7BD5-5C79-4C71-FBE0B4A8CD29}"/>
+              </a:ext>
+            </a:extLst>
+          </p:cNvPr>
+          <p:cNvSpPr/>
+          <p:nvPr/>
+        </p:nvSpPr>
+        <p:spPr>
+          <a:xfrm>
+            <a:off x="10839878" y="2706412"/>
+            <a:ext cx="1161394" cy="780394"/>
+          </a:xfrm>
+          <a:prstGeom prst="rect">
+            <a:avLst/>
+          </a:prstGeom>
+        </p:spPr>
+        <p:style>
+          <a:lnRef idx="2">
+            <a:schemeClr val="accent3">
+              <a:shade val="50000"/>
+            </a:schemeClr>
+          </a:lnRef>
+          <a:fillRef idx="1">
+            <a:schemeClr val="accent3"/>
+          </a:fillRef>
+          <a:effectRef idx="0">
+            <a:schemeClr val="accent3"/>
+          </a:effectRef>
+          <a:fontRef idx="minor">
+            <a:schemeClr val="lt1"/>
+          </a:fontRef>
+        </p:style>
+        <p:txBody>
+          <a:bodyPr rtlCol="0" anchor="ctr"/>
+          <a:lstStyle/>
+          <a:p>
+            <a:pPr algn="ctr"/>
+            <a:r>
+              <a:rPr kumimoji="1" lang="en-US" altLang="ko-Kore-KR" dirty="0"/>
+              <a:t>File</a:t>
+            </a:r>
+            <a:endParaRPr kumimoji="1" lang="ko-Kore-KR" altLang="en-US" dirty="0"/>
+          </a:p>
+        </p:txBody>
+      </p:sp>
+      <p:cxnSp>
+        <p:nvCxnSpPr>
+          <p:cNvPr id="15" name="직선 화살표 연결선 14">
+            <a:extLst>
+              <a:ext uri="{FF2B5EF4-FFF2-40B4-BE49-F238E27FC236}">
+                <a16:creationId xmlns:a16="http://schemas.microsoft.com/office/drawing/2014/main" id="{61D8FD0E-E5E0-3A9C-96D2-21FA63923C2B}"/>
+              </a:ext>
+            </a:extLst>
+          </p:cNvPr>
+          <p:cNvCxnSpPr>
+            <a:cxnSpLocks/>
+            <a:stCxn id="6" idx="3"/>
+            <a:endCxn id="10" idx="1"/>
+          </p:cNvCxnSpPr>
+          <p:nvPr/>
+        </p:nvCxnSpPr>
+        <p:spPr>
+          <a:xfrm flipV="1">
+            <a:off x="6587589" y="3096606"/>
+            <a:ext cx="1471949" cy="1"/>
+          </a:xfrm>
+          <a:prstGeom prst="straightConnector1">
+            <a:avLst/>
+          </a:prstGeom>
+          <a:ln>
+            <a:tailEnd type="triangle"/>
+          </a:ln>
+        </p:spPr>
+        <p:style>
+          <a:lnRef idx="3">
+            <a:schemeClr val="accent1"/>
+          </a:lnRef>
+          <a:fillRef idx="0">
+            <a:schemeClr val="accent1"/>
+          </a:fillRef>
+          <a:effectRef idx="2">
+            <a:schemeClr val="accent1"/>
+          </a:effectRef>
+          <a:fontRef idx="minor">
+            <a:schemeClr val="tx1"/>
+          </a:fontRef>
+        </p:style>
+      </p:cxnSp>
+      <p:cxnSp>
+        <p:nvCxnSpPr>
+          <p:cNvPr id="22" name="직선 화살표 연결선 21">
+            <a:extLst>
+              <a:ext uri="{FF2B5EF4-FFF2-40B4-BE49-F238E27FC236}">
+                <a16:creationId xmlns:a16="http://schemas.microsoft.com/office/drawing/2014/main" id="{E42A9736-D5A4-9D85-93B5-D6774B978FCA}"/>
+              </a:ext>
+            </a:extLst>
+          </p:cNvPr>
+          <p:cNvCxnSpPr>
+            <a:cxnSpLocks/>
+            <a:stCxn id="10" idx="3"/>
+            <a:endCxn id="4" idx="1"/>
+          </p:cNvCxnSpPr>
+          <p:nvPr/>
+        </p:nvCxnSpPr>
+        <p:spPr>
+          <a:xfrm>
+            <a:off x="10455897" y="3096606"/>
+            <a:ext cx="383981" cy="3"/>
+          </a:xfrm>
+          <a:prstGeom prst="straightConnector1">
+            <a:avLst/>
+          </a:prstGeom>
+          <a:ln>
+            <a:tailEnd type="triangle"/>
+          </a:ln>
+        </p:spPr>
+        <p:style>
+          <a:lnRef idx="3">
+            <a:schemeClr val="accent3"/>
+          </a:lnRef>
+          <a:fillRef idx="0">
+            <a:schemeClr val="accent3"/>
+          </a:fillRef>
+          <a:effectRef idx="2">
+            <a:schemeClr val="accent3"/>
+          </a:effectRef>
+          <a:fontRef idx="minor">
+            <a:schemeClr val="tx1"/>
+          </a:fontRef>
+        </p:style>
+      </p:cxnSp>
+      <p:sp>
+        <p:nvSpPr>
+          <p:cNvPr id="29" name="TextBox 28">
+            <a:extLst>
+              <a:ext uri="{FF2B5EF4-FFF2-40B4-BE49-F238E27FC236}">
+                <a16:creationId xmlns:a16="http://schemas.microsoft.com/office/drawing/2014/main" id="{6740B83F-7391-0766-A7F0-63A7A035A018}"/>
+              </a:ext>
+            </a:extLst>
+          </p:cNvPr>
+          <p:cNvSpPr txBox="1"/>
+          <p:nvPr/>
+        </p:nvSpPr>
+        <p:spPr>
+          <a:xfrm>
+            <a:off x="10332742" y="2245859"/>
+            <a:ext cx="745580" cy="369332"/>
+          </a:xfrm>
+          <a:prstGeom prst="rect">
+            <a:avLst/>
+          </a:prstGeom>
+        </p:spPr>
+        <p:style>
+          <a:lnRef idx="2">
+            <a:schemeClr val="accent3"/>
+          </a:lnRef>
+          <a:fillRef idx="1">
+            <a:schemeClr val="lt1"/>
+          </a:fillRef>
+          <a:effectRef idx="0">
+            <a:schemeClr val="accent3"/>
+          </a:effectRef>
+          <a:fontRef idx="minor">
+            <a:schemeClr val="dk1"/>
+          </a:fontRef>
+        </p:style>
+        <p:txBody>
+          <a:bodyPr wrap="square" rtlCol="0">
+            <a:spAutoFit/>
+          </a:bodyPr>
+          <a:lstStyle/>
+          <a:p>
+            <a:r>
+              <a:rPr kumimoji="1" lang="ko-KR" altLang="en-US" dirty="0"/>
+              <a:t>쓰기</a:t>
+            </a:r>
+            <a:endParaRPr kumimoji="1" lang="ko-Kore-KR" altLang="en-US" dirty="0"/>
+          </a:p>
+        </p:txBody>
+      </p:sp>
+      <p:sp>
+        <p:nvSpPr>
+          <p:cNvPr id="10" name="직사각형 9">
+            <a:extLst>
+              <a:ext uri="{FF2B5EF4-FFF2-40B4-BE49-F238E27FC236}">
+                <a16:creationId xmlns:a16="http://schemas.microsoft.com/office/drawing/2014/main" id="{AFD5C85D-9BD1-A4FE-40E7-A6DEE6A29B8B}"/>
+              </a:ext>
+            </a:extLst>
+          </p:cNvPr>
+          <p:cNvSpPr/>
+          <p:nvPr/>
+        </p:nvSpPr>
+        <p:spPr>
+          <a:xfrm>
+            <a:off x="8059538" y="2706409"/>
+            <a:ext cx="2396359" cy="780394"/>
+          </a:xfrm>
+          <a:prstGeom prst="rect">
+            <a:avLst/>
+          </a:prstGeom>
+          <a:solidFill>
+            <a:srgbClr val="FF0000"/>
+          </a:solidFill>
+          <a:ln>
+            <a:solidFill>
+              <a:srgbClr val="FF0000"/>
+            </a:solidFill>
+          </a:ln>
+        </p:spPr>
+        <p:style>
+          <a:lnRef idx="2">
+            <a:schemeClr val="accent1">
+              <a:shade val="50000"/>
+            </a:schemeClr>
+          </a:lnRef>
+          <a:fillRef idx="1">
+            <a:schemeClr val="accent1"/>
+          </a:fillRef>
+          <a:effectRef idx="0">
+            <a:schemeClr val="accent1"/>
+          </a:effectRef>
+          <a:fontRef idx="minor">
+            <a:schemeClr val="lt1"/>
+          </a:fontRef>
+        </p:style>
+        <p:txBody>
+          <a:bodyPr rtlCol="0" anchor="ctr"/>
+          <a:lstStyle/>
+          <a:p>
+            <a:pPr algn="ctr"/>
+            <a:r>
+              <a:rPr kumimoji="1" lang="en-US" altLang="ko-Kore-KR" dirty="0" err="1"/>
+              <a:t>FileOutputStream</a:t>
+            </a:r>
+            <a:endParaRPr kumimoji="1" lang="ko-Kore-KR" altLang="en-US" dirty="0"/>
+          </a:p>
+        </p:txBody>
+      </p:sp>
+      <p:sp>
+        <p:nvSpPr>
+          <p:cNvPr id="2" name="직사각형 1">
+            <a:extLst>
+              <a:ext uri="{FF2B5EF4-FFF2-40B4-BE49-F238E27FC236}">
+                <a16:creationId xmlns:a16="http://schemas.microsoft.com/office/drawing/2014/main" id="{802125DB-F830-ACE4-0F02-363C31CE27B0}"/>
+              </a:ext>
+            </a:extLst>
+          </p:cNvPr>
+          <p:cNvSpPr/>
+          <p:nvPr/>
+        </p:nvSpPr>
+        <p:spPr>
+          <a:xfrm>
+            <a:off x="942218" y="1055631"/>
+            <a:ext cx="819807" cy="472965"/>
+          </a:xfrm>
+          <a:prstGeom prst="rect">
+            <a:avLst/>
+          </a:prstGeom>
+        </p:spPr>
+        <p:style>
+          <a:lnRef idx="2">
+            <a:schemeClr val="accent1">
+              <a:shade val="50000"/>
+            </a:schemeClr>
+          </a:lnRef>
+          <a:fillRef idx="1">
+            <a:schemeClr val="accent1"/>
+          </a:fillRef>
+          <a:effectRef idx="0">
+            <a:schemeClr val="accent1"/>
+          </a:effectRef>
+          <a:fontRef idx="minor">
+            <a:schemeClr val="lt1"/>
+          </a:fontRef>
+        </p:style>
+        <p:txBody>
+          <a:bodyPr rtlCol="0" anchor="ctr"/>
+          <a:lstStyle/>
+          <a:p>
+            <a:pPr algn="ctr"/>
+            <a:r>
+              <a:rPr kumimoji="1" lang="en-US" altLang="ko-Kore-KR" dirty="0"/>
+              <a:t>JVM</a:t>
+            </a:r>
+            <a:endParaRPr kumimoji="1" lang="ko-Kore-KR" altLang="en-US" dirty="0"/>
+          </a:p>
+        </p:txBody>
+      </p:sp>
+      <p:sp>
+        <p:nvSpPr>
+          <p:cNvPr id="3" name="직사각형 2">
+            <a:extLst>
+              <a:ext uri="{FF2B5EF4-FFF2-40B4-BE49-F238E27FC236}">
+                <a16:creationId xmlns:a16="http://schemas.microsoft.com/office/drawing/2014/main" id="{B359AB87-2B37-616C-2909-9A727F108C51}"/>
+              </a:ext>
+            </a:extLst>
+          </p:cNvPr>
+          <p:cNvSpPr/>
+          <p:nvPr/>
+        </p:nvSpPr>
+        <p:spPr>
+          <a:xfrm>
+            <a:off x="942218" y="2860125"/>
+            <a:ext cx="819807" cy="472965"/>
+          </a:xfrm>
+          <a:prstGeom prst="rect">
+            <a:avLst/>
+          </a:prstGeom>
+        </p:spPr>
+        <p:style>
+          <a:lnRef idx="2">
+            <a:schemeClr val="accent1">
+              <a:shade val="50000"/>
+            </a:schemeClr>
+          </a:lnRef>
+          <a:fillRef idx="1">
+            <a:schemeClr val="accent1"/>
+          </a:fillRef>
+          <a:effectRef idx="0">
+            <a:schemeClr val="accent1"/>
+          </a:effectRef>
+          <a:fontRef idx="minor">
+            <a:schemeClr val="lt1"/>
+          </a:fontRef>
+        </p:style>
+        <p:txBody>
+          <a:bodyPr rtlCol="0" anchor="ctr"/>
+          <a:lstStyle/>
+          <a:p>
+            <a:pPr algn="ctr"/>
+            <a:r>
+              <a:rPr kumimoji="1" lang="en-US" altLang="ko-Kore-KR" dirty="0"/>
+              <a:t>App</a:t>
+            </a:r>
+          </a:p>
+          <a:p>
+            <a:pPr algn="ctr"/>
+            <a:r>
+              <a:rPr kumimoji="1" lang="en-US" altLang="ko-Kore-KR" dirty="0"/>
+              <a:t>class</a:t>
+            </a:r>
+            <a:endParaRPr kumimoji="1" lang="ko-Kore-KR" altLang="en-US" dirty="0"/>
+          </a:p>
+        </p:txBody>
+      </p:sp>
+      <p:sp>
+        <p:nvSpPr>
+          <p:cNvPr id="5" name="직사각형 4">
+            <a:extLst>
+              <a:ext uri="{FF2B5EF4-FFF2-40B4-BE49-F238E27FC236}">
+                <a16:creationId xmlns:a16="http://schemas.microsoft.com/office/drawing/2014/main" id="{DA64BFA5-9784-F432-8A05-973BA7226D5A}"/>
+              </a:ext>
+            </a:extLst>
+          </p:cNvPr>
+          <p:cNvSpPr/>
+          <p:nvPr/>
+        </p:nvSpPr>
+        <p:spPr>
+          <a:xfrm>
+            <a:off x="3345313" y="2860126"/>
+            <a:ext cx="1086841" cy="472965"/>
+          </a:xfrm>
+          <a:prstGeom prst="rect">
+            <a:avLst/>
+          </a:prstGeom>
+        </p:spPr>
+        <p:style>
+          <a:lnRef idx="2">
+            <a:schemeClr val="accent1">
+              <a:shade val="50000"/>
+            </a:schemeClr>
+          </a:lnRef>
+          <a:fillRef idx="1">
+            <a:schemeClr val="accent1"/>
+          </a:fillRef>
+          <a:effectRef idx="0">
+            <a:schemeClr val="accent1"/>
+          </a:effectRef>
+          <a:fontRef idx="minor">
+            <a:schemeClr val="lt1"/>
+          </a:fontRef>
+        </p:style>
+        <p:txBody>
+          <a:bodyPr rtlCol="0" anchor="ctr"/>
+          <a:lstStyle/>
+          <a:p>
+            <a:pPr algn="ctr"/>
+            <a:r>
+              <a:rPr kumimoji="1" lang="en-US" altLang="ko-Kore-KR" dirty="0"/>
+              <a:t>Handler</a:t>
+            </a:r>
+          </a:p>
+          <a:p>
+            <a:pPr algn="ctr"/>
+            <a:r>
+              <a:rPr kumimoji="1" lang="en-US" altLang="ko-Kore-KR" dirty="0"/>
+              <a:t>class</a:t>
+            </a:r>
+            <a:endParaRPr kumimoji="1" lang="ko-Kore-KR" altLang="en-US" dirty="0"/>
+          </a:p>
+        </p:txBody>
+      </p:sp>
+      <p:sp>
+        <p:nvSpPr>
+          <p:cNvPr id="6" name="직사각형 5">
+            <a:extLst>
+              <a:ext uri="{FF2B5EF4-FFF2-40B4-BE49-F238E27FC236}">
+                <a16:creationId xmlns:a16="http://schemas.microsoft.com/office/drawing/2014/main" id="{F542A163-FE29-B8AC-25B7-D027CE24A9A7}"/>
+              </a:ext>
+            </a:extLst>
+          </p:cNvPr>
+          <p:cNvSpPr/>
+          <p:nvPr/>
+        </p:nvSpPr>
+        <p:spPr>
+          <a:xfrm>
+            <a:off x="5767782" y="2860124"/>
+            <a:ext cx="819807" cy="472965"/>
+          </a:xfrm>
+          <a:prstGeom prst="rect">
+            <a:avLst/>
+          </a:prstGeom>
+        </p:spPr>
+        <p:style>
+          <a:lnRef idx="2">
+            <a:schemeClr val="accent1">
+              <a:shade val="50000"/>
+            </a:schemeClr>
+          </a:lnRef>
+          <a:fillRef idx="1">
+            <a:schemeClr val="accent1"/>
+          </a:fillRef>
+          <a:effectRef idx="0">
+            <a:schemeClr val="accent1"/>
+          </a:effectRef>
+          <a:fontRef idx="minor">
+            <a:schemeClr val="lt1"/>
+          </a:fontRef>
+        </p:style>
+        <p:txBody>
+          <a:bodyPr rtlCol="0" anchor="ctr"/>
+          <a:lstStyle/>
+          <a:p>
+            <a:pPr algn="ctr"/>
+            <a:r>
+              <a:rPr kumimoji="1" lang="en-US" altLang="ko-Kore-KR" dirty="0"/>
+              <a:t>DAO</a:t>
+            </a:r>
+          </a:p>
+          <a:p>
+            <a:pPr algn="ctr"/>
+            <a:r>
+              <a:rPr kumimoji="1" lang="en-US" altLang="ko-Kore-KR" dirty="0"/>
+              <a:t>class</a:t>
+            </a:r>
+            <a:endParaRPr kumimoji="1" lang="ko-Kore-KR" altLang="en-US" dirty="0"/>
+          </a:p>
+        </p:txBody>
+      </p:sp>
+      <p:cxnSp>
+        <p:nvCxnSpPr>
+          <p:cNvPr id="8" name="직선 화살표 연결선 7">
+            <a:extLst>
+              <a:ext uri="{FF2B5EF4-FFF2-40B4-BE49-F238E27FC236}">
+                <a16:creationId xmlns:a16="http://schemas.microsoft.com/office/drawing/2014/main" id="{C0F21202-8970-9690-3040-1E1DE70BE758}"/>
+              </a:ext>
+            </a:extLst>
+          </p:cNvPr>
+          <p:cNvCxnSpPr>
+            <a:stCxn id="2" idx="2"/>
+            <a:endCxn id="3" idx="0"/>
+          </p:cNvCxnSpPr>
+          <p:nvPr/>
+        </p:nvCxnSpPr>
+        <p:spPr>
+          <a:xfrm>
+            <a:off x="1352122" y="1528596"/>
+            <a:ext cx="0" cy="1331529"/>
+          </a:xfrm>
+          <a:prstGeom prst="straightConnector1">
+            <a:avLst/>
+          </a:prstGeom>
+          <a:ln>
+            <a:tailEnd type="triangle"/>
+          </a:ln>
+        </p:spPr>
+        <p:style>
+          <a:lnRef idx="3">
+            <a:schemeClr val="accent1"/>
+          </a:lnRef>
+          <a:fillRef idx="0">
+            <a:schemeClr val="accent1"/>
+          </a:fillRef>
+          <a:effectRef idx="2">
+            <a:schemeClr val="accent1"/>
+          </a:effectRef>
+          <a:fontRef idx="minor">
+            <a:schemeClr val="tx1"/>
+          </a:fontRef>
+        </p:style>
+      </p:cxnSp>
+      <p:cxnSp>
+        <p:nvCxnSpPr>
+          <p:cNvPr id="11" name="직선 화살표 연결선 10">
+            <a:extLst>
+              <a:ext uri="{FF2B5EF4-FFF2-40B4-BE49-F238E27FC236}">
+                <a16:creationId xmlns:a16="http://schemas.microsoft.com/office/drawing/2014/main" id="{1DE685C6-D980-AE8C-4B58-F320D5A14024}"/>
+              </a:ext>
+            </a:extLst>
+          </p:cNvPr>
+          <p:cNvCxnSpPr>
+            <a:cxnSpLocks/>
+            <a:stCxn id="3" idx="3"/>
+            <a:endCxn id="5" idx="1"/>
+          </p:cNvCxnSpPr>
+          <p:nvPr/>
+        </p:nvCxnSpPr>
+        <p:spPr>
+          <a:xfrm>
+            <a:off x="1762025" y="3096608"/>
+            <a:ext cx="1583288" cy="1"/>
+          </a:xfrm>
+          <a:prstGeom prst="straightConnector1">
+            <a:avLst/>
+          </a:prstGeom>
+          <a:ln>
+            <a:tailEnd type="triangle"/>
+          </a:ln>
+        </p:spPr>
+        <p:style>
+          <a:lnRef idx="3">
+            <a:schemeClr val="accent1"/>
+          </a:lnRef>
+          <a:fillRef idx="0">
+            <a:schemeClr val="accent1"/>
+          </a:fillRef>
+          <a:effectRef idx="2">
+            <a:schemeClr val="accent1"/>
+          </a:effectRef>
+          <a:fontRef idx="minor">
+            <a:schemeClr val="tx1"/>
+          </a:fontRef>
+        </p:style>
+      </p:cxnSp>
+      <p:cxnSp>
+        <p:nvCxnSpPr>
+          <p:cNvPr id="14" name="직선 화살표 연결선 13">
+            <a:extLst>
+              <a:ext uri="{FF2B5EF4-FFF2-40B4-BE49-F238E27FC236}">
+                <a16:creationId xmlns:a16="http://schemas.microsoft.com/office/drawing/2014/main" id="{079A7E7D-6C69-20B8-D83E-9DBD735899E0}"/>
+              </a:ext>
+            </a:extLst>
+          </p:cNvPr>
+          <p:cNvCxnSpPr>
+            <a:cxnSpLocks/>
+            <a:stCxn id="5" idx="3"/>
+            <a:endCxn id="6" idx="1"/>
+          </p:cNvCxnSpPr>
+          <p:nvPr/>
+        </p:nvCxnSpPr>
+        <p:spPr>
+          <a:xfrm flipV="1">
+            <a:off x="4432154" y="3096607"/>
+            <a:ext cx="1335628" cy="2"/>
+          </a:xfrm>
+          <a:prstGeom prst="straightConnector1">
+            <a:avLst/>
+          </a:prstGeom>
+          <a:ln>
+            <a:tailEnd type="triangle"/>
+          </a:ln>
+        </p:spPr>
+        <p:style>
+          <a:lnRef idx="3">
+            <a:schemeClr val="accent1"/>
+          </a:lnRef>
+          <a:fillRef idx="0">
+            <a:schemeClr val="accent1"/>
+          </a:fillRef>
+          <a:effectRef idx="2">
+            <a:schemeClr val="accent1"/>
+          </a:effectRef>
+          <a:fontRef idx="minor">
+            <a:schemeClr val="tx1"/>
+          </a:fontRef>
+        </p:style>
+      </p:cxnSp>
+      <p:sp>
+        <p:nvSpPr>
+          <p:cNvPr id="32" name="TextBox 31">
+            <a:extLst>
+              <a:ext uri="{FF2B5EF4-FFF2-40B4-BE49-F238E27FC236}">
+                <a16:creationId xmlns:a16="http://schemas.microsoft.com/office/drawing/2014/main" id="{44BDA6A9-CA9C-5BBD-83D8-DAB3A257662C}"/>
+              </a:ext>
+            </a:extLst>
+          </p:cNvPr>
+          <p:cNvSpPr txBox="1"/>
+          <p:nvPr/>
+        </p:nvSpPr>
+        <p:spPr>
+          <a:xfrm>
+            <a:off x="1486468" y="1943270"/>
+            <a:ext cx="902568" cy="369332"/>
+          </a:xfrm>
+          <a:prstGeom prst="rect">
+            <a:avLst/>
+          </a:prstGeom>
+        </p:spPr>
+        <p:style>
+          <a:lnRef idx="2">
+            <a:schemeClr val="accent1"/>
+          </a:lnRef>
+          <a:fillRef idx="1">
+            <a:schemeClr val="lt1"/>
+          </a:fillRef>
+          <a:effectRef idx="0">
+            <a:schemeClr val="accent1"/>
+          </a:effectRef>
+          <a:fontRef idx="minor">
+            <a:schemeClr val="dk1"/>
+          </a:fontRef>
+        </p:style>
+        <p:txBody>
+          <a:bodyPr wrap="square" rtlCol="0">
+            <a:spAutoFit/>
+          </a:bodyPr>
+          <a:lstStyle/>
+          <a:p>
+            <a:r>
+              <a:rPr kumimoji="1" lang="en-US" altLang="ko-Kore-KR" dirty="0"/>
+              <a:t>main()</a:t>
+            </a:r>
+            <a:endParaRPr kumimoji="1" lang="ko-Kore-KR" altLang="en-US" dirty="0"/>
+          </a:p>
+        </p:txBody>
+      </p:sp>
+      <p:sp>
+        <p:nvSpPr>
+          <p:cNvPr id="35" name="TextBox 34">
+            <a:extLst>
+              <a:ext uri="{FF2B5EF4-FFF2-40B4-BE49-F238E27FC236}">
+                <a16:creationId xmlns:a16="http://schemas.microsoft.com/office/drawing/2014/main" id="{E1AC1E81-5253-BD94-417C-D2F637555094}"/>
+              </a:ext>
+            </a:extLst>
+          </p:cNvPr>
+          <p:cNvSpPr txBox="1"/>
+          <p:nvPr/>
+        </p:nvSpPr>
+        <p:spPr>
+          <a:xfrm>
+            <a:off x="2032842" y="2609035"/>
+            <a:ext cx="1064811" cy="369332"/>
+          </a:xfrm>
+          <a:prstGeom prst="rect">
+            <a:avLst/>
+          </a:prstGeom>
+        </p:spPr>
+        <p:style>
+          <a:lnRef idx="2">
+            <a:schemeClr val="accent1"/>
+          </a:lnRef>
+          <a:fillRef idx="1">
+            <a:schemeClr val="lt1"/>
+          </a:fillRef>
+          <a:effectRef idx="0">
+            <a:schemeClr val="accent1"/>
+          </a:effectRef>
+          <a:fontRef idx="minor">
+            <a:schemeClr val="dk1"/>
+          </a:fontRef>
+        </p:style>
+        <p:txBody>
+          <a:bodyPr wrap="square" rtlCol="0">
+            <a:spAutoFit/>
+          </a:bodyPr>
+          <a:lstStyle/>
+          <a:p>
+            <a:r>
+              <a:rPr kumimoji="1" lang="en-US" altLang="ko-Kore-KR" dirty="0" err="1"/>
+              <a:t>excute</a:t>
+            </a:r>
+            <a:r>
+              <a:rPr kumimoji="1" lang="en-US" altLang="ko-Kore-KR" dirty="0"/>
+              <a:t>()</a:t>
+            </a:r>
+            <a:endParaRPr kumimoji="1" lang="ko-Kore-KR" altLang="en-US" dirty="0"/>
+          </a:p>
+        </p:txBody>
+      </p:sp>
+      <p:sp>
+        <p:nvSpPr>
+          <p:cNvPr id="36" name="TextBox 35">
+            <a:extLst>
+              <a:ext uri="{FF2B5EF4-FFF2-40B4-BE49-F238E27FC236}">
+                <a16:creationId xmlns:a16="http://schemas.microsoft.com/office/drawing/2014/main" id="{3EE38D73-115E-F701-D16D-14530783C40B}"/>
+              </a:ext>
+            </a:extLst>
+          </p:cNvPr>
+          <p:cNvSpPr txBox="1"/>
+          <p:nvPr/>
+        </p:nvSpPr>
+        <p:spPr>
+          <a:xfrm>
+            <a:off x="4195715" y="1423317"/>
+            <a:ext cx="1335625" cy="1200329"/>
+          </a:xfrm>
+          <a:prstGeom prst="rect">
+            <a:avLst/>
+          </a:prstGeom>
+        </p:spPr>
+        <p:style>
+          <a:lnRef idx="2">
+            <a:schemeClr val="accent1"/>
+          </a:lnRef>
+          <a:fillRef idx="1">
+            <a:schemeClr val="lt1"/>
+          </a:fillRef>
+          <a:effectRef idx="0">
+            <a:schemeClr val="accent1"/>
+          </a:effectRef>
+          <a:fontRef idx="minor">
+            <a:schemeClr val="dk1"/>
+          </a:fontRef>
+        </p:style>
+        <p:txBody>
+          <a:bodyPr wrap="square" rtlCol="0">
+            <a:spAutoFit/>
+          </a:bodyPr>
+          <a:lstStyle/>
+          <a:p>
+            <a:pPr marL="285750" indent="-285750">
+              <a:buFont typeface="Arial" panose="020B0604020202020204" pitchFamily="34" charset="0"/>
+              <a:buChar char="•"/>
+            </a:pPr>
+            <a:r>
+              <a:rPr kumimoji="1" lang="en-US" altLang="ko-Kore-KR" dirty="0"/>
+              <a:t>insert()</a:t>
+            </a:r>
+          </a:p>
+          <a:p>
+            <a:pPr marL="285750" indent="-285750">
+              <a:buFont typeface="Arial" panose="020B0604020202020204" pitchFamily="34" charset="0"/>
+              <a:buChar char="•"/>
+            </a:pPr>
+            <a:r>
+              <a:rPr kumimoji="1" lang="en-US" altLang="ko-Kore-KR" dirty="0" err="1"/>
+              <a:t>findBy</a:t>
+            </a:r>
+            <a:r>
+              <a:rPr kumimoji="1" lang="en-US" altLang="ko-Kore-KR" dirty="0"/>
+              <a:t>()</a:t>
+            </a:r>
+          </a:p>
+          <a:p>
+            <a:pPr marL="285750" indent="-285750">
+              <a:buFont typeface="Arial" panose="020B0604020202020204" pitchFamily="34" charset="0"/>
+              <a:buChar char="•"/>
+            </a:pPr>
+            <a:r>
+              <a:rPr kumimoji="1" lang="en-US" altLang="ko-Kore-KR" dirty="0"/>
+              <a:t>update()</a:t>
+            </a:r>
+          </a:p>
+          <a:p>
+            <a:r>
+              <a:rPr kumimoji="1" lang="en-US" altLang="ko-Kore-KR" dirty="0"/>
+              <a:t>…</a:t>
+            </a:r>
+          </a:p>
+        </p:txBody>
+      </p:sp>
+      <p:sp>
+        <p:nvSpPr>
+          <p:cNvPr id="43" name="TextBox 42">
+            <a:extLst>
+              <a:ext uri="{FF2B5EF4-FFF2-40B4-BE49-F238E27FC236}">
+                <a16:creationId xmlns:a16="http://schemas.microsoft.com/office/drawing/2014/main" id="{B8AC984F-1A77-FB56-5A55-F61ACEB23F97}"/>
+              </a:ext>
+            </a:extLst>
+          </p:cNvPr>
+          <p:cNvSpPr txBox="1"/>
+          <p:nvPr/>
+        </p:nvSpPr>
+        <p:spPr>
+          <a:xfrm>
+            <a:off x="6660661" y="1445082"/>
+            <a:ext cx="1335625" cy="1200329"/>
+          </a:xfrm>
+          <a:prstGeom prst="rect">
+            <a:avLst/>
+          </a:prstGeom>
+        </p:spPr>
+        <p:style>
+          <a:lnRef idx="2">
+            <a:schemeClr val="accent1"/>
+          </a:lnRef>
+          <a:fillRef idx="1">
+            <a:schemeClr val="lt1"/>
+          </a:fillRef>
+          <a:effectRef idx="0">
+            <a:schemeClr val="accent1"/>
+          </a:effectRef>
+          <a:fontRef idx="minor">
+            <a:schemeClr val="dk1"/>
+          </a:fontRef>
+        </p:style>
+        <p:txBody>
+          <a:bodyPr wrap="square" rtlCol="0">
+            <a:spAutoFit/>
+          </a:bodyPr>
+          <a:lstStyle/>
+          <a:p>
+            <a:pPr marL="285750" indent="-285750">
+              <a:buFont typeface="Arial" panose="020B0604020202020204" pitchFamily="34" charset="0"/>
+              <a:buChar char="•"/>
+            </a:pPr>
+            <a:r>
+              <a:rPr kumimoji="1" lang="ko-Kore-KR" altLang="en-US" dirty="0"/>
+              <a:t>생성</a:t>
+            </a:r>
+            <a:endParaRPr kumimoji="1" lang="en-US" altLang="ko-Kore-KR" dirty="0"/>
+          </a:p>
+          <a:p>
+            <a:pPr marL="285750" indent="-285750">
+              <a:buFont typeface="Arial" panose="020B0604020202020204" pitchFamily="34" charset="0"/>
+              <a:buChar char="•"/>
+            </a:pPr>
+            <a:r>
+              <a:rPr kumimoji="1" lang="en-US" altLang="ko-Kore-KR" dirty="0"/>
+              <a:t>write()</a:t>
+            </a:r>
+          </a:p>
+          <a:p>
+            <a:pPr marL="285750" indent="-285750">
+              <a:buFont typeface="Arial" panose="020B0604020202020204" pitchFamily="34" charset="0"/>
+              <a:buChar char="•"/>
+            </a:pPr>
+            <a:r>
+              <a:rPr kumimoji="1" lang="en-US" altLang="ko-Kore-KR" dirty="0"/>
+              <a:t>close()</a:t>
+            </a:r>
+          </a:p>
+          <a:p>
+            <a:r>
+              <a:rPr kumimoji="1" lang="en-US" altLang="ko-Kore-KR" dirty="0"/>
+              <a:t>…</a:t>
+            </a:r>
+          </a:p>
+        </p:txBody>
+      </p:sp>
+      <p:sp>
+        <p:nvSpPr>
+          <p:cNvPr id="49" name="TextBox 48">
+            <a:extLst>
+              <a:ext uri="{FF2B5EF4-FFF2-40B4-BE49-F238E27FC236}">
+                <a16:creationId xmlns:a16="http://schemas.microsoft.com/office/drawing/2014/main" id="{8F70FDF7-23A4-EF01-9950-5F6FE70CDD35}"/>
+              </a:ext>
+            </a:extLst>
+          </p:cNvPr>
+          <p:cNvSpPr txBox="1"/>
+          <p:nvPr/>
+        </p:nvSpPr>
+        <p:spPr>
+          <a:xfrm>
+            <a:off x="8546304" y="4586697"/>
+            <a:ext cx="1422827" cy="369332"/>
+          </a:xfrm>
+          <a:prstGeom prst="rect">
+            <a:avLst/>
+          </a:prstGeom>
+          <a:ln>
+            <a:solidFill>
+              <a:srgbClr val="FF0000"/>
+            </a:solidFill>
+          </a:ln>
+        </p:spPr>
+        <p:style>
+          <a:lnRef idx="2">
+            <a:schemeClr val="accent3"/>
+          </a:lnRef>
+          <a:fillRef idx="1">
+            <a:schemeClr val="lt1"/>
+          </a:fillRef>
+          <a:effectRef idx="0">
+            <a:schemeClr val="accent3"/>
+          </a:effectRef>
+          <a:fontRef idx="minor">
+            <a:schemeClr val="dk1"/>
+          </a:fontRef>
+        </p:style>
+        <p:txBody>
+          <a:bodyPr wrap="square" rtlCol="0">
+            <a:spAutoFit/>
+          </a:bodyPr>
+          <a:lstStyle/>
+          <a:p>
+            <a:pPr algn="ctr"/>
+            <a:r>
+              <a:rPr kumimoji="1" lang="ko-KR" altLang="en-US" dirty="0"/>
+              <a:t>예외 발생</a:t>
+            </a:r>
+            <a:endParaRPr kumimoji="1" lang="ko-Kore-KR" altLang="en-US" dirty="0"/>
+          </a:p>
+        </p:txBody>
+      </p:sp>
+      <p:cxnSp>
+        <p:nvCxnSpPr>
+          <p:cNvPr id="51" name="직선 화살표 연결선 50">
+            <a:extLst>
+              <a:ext uri="{FF2B5EF4-FFF2-40B4-BE49-F238E27FC236}">
+                <a16:creationId xmlns:a16="http://schemas.microsoft.com/office/drawing/2014/main" id="{10DB49DD-8E17-D3C9-BD16-CF01964339F0}"/>
+              </a:ext>
+            </a:extLst>
+          </p:cNvPr>
+          <p:cNvCxnSpPr>
+            <a:stCxn id="49" idx="0"/>
+            <a:endCxn id="10" idx="2"/>
+          </p:cNvCxnSpPr>
+          <p:nvPr/>
+        </p:nvCxnSpPr>
+        <p:spPr>
+          <a:xfrm flipV="1">
+            <a:off x="9257718" y="3486803"/>
+            <a:ext cx="0" cy="1099894"/>
+          </a:xfrm>
+          <a:prstGeom prst="straightConnector1">
+            <a:avLst/>
+          </a:prstGeom>
+          <a:ln>
+            <a:solidFill>
+              <a:srgbClr val="FF0000"/>
+            </a:solidFill>
+            <a:tailEnd type="triangle"/>
+          </a:ln>
+        </p:spPr>
+        <p:style>
+          <a:lnRef idx="3">
+            <a:schemeClr val="accent1"/>
+          </a:lnRef>
+          <a:fillRef idx="0">
+            <a:schemeClr val="accent1"/>
+          </a:fillRef>
+          <a:effectRef idx="2">
+            <a:schemeClr val="accent1"/>
+          </a:effectRef>
+          <a:fontRef idx="minor">
+            <a:schemeClr val="tx1"/>
+          </a:fontRef>
+        </p:style>
+      </p:cxnSp>
+      <p:cxnSp>
+        <p:nvCxnSpPr>
+          <p:cNvPr id="54" name="구부러진 연결선[U] 53">
+            <a:extLst>
+              <a:ext uri="{FF2B5EF4-FFF2-40B4-BE49-F238E27FC236}">
+                <a16:creationId xmlns:a16="http://schemas.microsoft.com/office/drawing/2014/main" id="{9761305E-6C32-4739-80D9-3324C4124ACC}"/>
+              </a:ext>
+            </a:extLst>
+          </p:cNvPr>
+          <p:cNvCxnSpPr>
+            <a:stCxn id="10" idx="2"/>
+            <a:endCxn id="6" idx="2"/>
+          </p:cNvCxnSpPr>
+          <p:nvPr/>
+        </p:nvCxnSpPr>
+        <p:spPr>
+          <a:xfrm rot="5400000" flipH="1">
+            <a:off x="7640845" y="1869930"/>
+            <a:ext cx="153714" cy="3080032"/>
+          </a:xfrm>
+          <a:prstGeom prst="curvedConnector3">
+            <a:avLst>
+              <a:gd name="adj1" fmla="val -148718"/>
+            </a:avLst>
+          </a:prstGeom>
+          <a:ln>
+            <a:solidFill>
+              <a:srgbClr val="FF0000"/>
+            </a:solidFill>
+            <a:tailEnd type="triangle"/>
+          </a:ln>
+        </p:spPr>
+        <p:style>
+          <a:lnRef idx="3">
+            <a:schemeClr val="accent2"/>
+          </a:lnRef>
+          <a:fillRef idx="0">
+            <a:schemeClr val="accent2"/>
+          </a:fillRef>
+          <a:effectRef idx="2">
+            <a:schemeClr val="accent2"/>
+          </a:effectRef>
+          <a:fontRef idx="minor">
+            <a:schemeClr val="tx1"/>
+          </a:fontRef>
+        </p:style>
+      </p:cxnSp>
+      <p:cxnSp>
+        <p:nvCxnSpPr>
+          <p:cNvPr id="55" name="구부러진 연결선[U] 54">
+            <a:extLst>
+              <a:ext uri="{FF2B5EF4-FFF2-40B4-BE49-F238E27FC236}">
+                <a16:creationId xmlns:a16="http://schemas.microsoft.com/office/drawing/2014/main" id="{69D7A9DA-D8F0-FD62-0D0D-10561FDFC40B}"/>
+              </a:ext>
+            </a:extLst>
+          </p:cNvPr>
+          <p:cNvCxnSpPr>
+            <a:cxnSpLocks/>
+            <a:stCxn id="6" idx="2"/>
+            <a:endCxn id="5" idx="2"/>
+          </p:cNvCxnSpPr>
+          <p:nvPr/>
+        </p:nvCxnSpPr>
+        <p:spPr>
+          <a:xfrm rot="5400000">
+            <a:off x="5033209" y="2188614"/>
+            <a:ext cx="2" cy="2288952"/>
+          </a:xfrm>
+          <a:prstGeom prst="curvedConnector3">
+            <a:avLst>
+              <a:gd name="adj1" fmla="val 11430100000"/>
+            </a:avLst>
+          </a:prstGeom>
+          <a:ln>
+            <a:solidFill>
+              <a:srgbClr val="FF0000"/>
+            </a:solidFill>
+            <a:tailEnd type="triangle"/>
+          </a:ln>
+        </p:spPr>
+        <p:style>
+          <a:lnRef idx="3">
+            <a:schemeClr val="accent2"/>
+          </a:lnRef>
+          <a:fillRef idx="0">
+            <a:schemeClr val="accent2"/>
+          </a:fillRef>
+          <a:effectRef idx="2">
+            <a:schemeClr val="accent2"/>
+          </a:effectRef>
+          <a:fontRef idx="minor">
+            <a:schemeClr val="tx1"/>
+          </a:fontRef>
+        </p:style>
+      </p:cxnSp>
+      <p:cxnSp>
+        <p:nvCxnSpPr>
+          <p:cNvPr id="58" name="구부러진 연결선[U] 57">
+            <a:extLst>
+              <a:ext uri="{FF2B5EF4-FFF2-40B4-BE49-F238E27FC236}">
+                <a16:creationId xmlns:a16="http://schemas.microsoft.com/office/drawing/2014/main" id="{2AFF47B7-F229-D272-BD0B-BF35C118B592}"/>
+              </a:ext>
+            </a:extLst>
+          </p:cNvPr>
+          <p:cNvCxnSpPr>
+            <a:cxnSpLocks/>
+            <a:stCxn id="5" idx="2"/>
+            <a:endCxn id="3" idx="2"/>
+          </p:cNvCxnSpPr>
+          <p:nvPr/>
+        </p:nvCxnSpPr>
+        <p:spPr>
+          <a:xfrm rot="5400000" flipH="1">
+            <a:off x="2620427" y="2064785"/>
+            <a:ext cx="1" cy="2536612"/>
+          </a:xfrm>
+          <a:prstGeom prst="curvedConnector3">
+            <a:avLst>
+              <a:gd name="adj1" fmla="val -22860000000"/>
+            </a:avLst>
+          </a:prstGeom>
+          <a:ln>
+            <a:solidFill>
+              <a:srgbClr val="FF0000"/>
+            </a:solidFill>
+            <a:tailEnd type="triangle"/>
+          </a:ln>
+        </p:spPr>
+        <p:style>
+          <a:lnRef idx="3">
+            <a:schemeClr val="accent2"/>
+          </a:lnRef>
+          <a:fillRef idx="0">
+            <a:schemeClr val="accent2"/>
+          </a:fillRef>
+          <a:effectRef idx="2">
+            <a:schemeClr val="accent2"/>
+          </a:effectRef>
+          <a:fontRef idx="minor">
+            <a:schemeClr val="tx1"/>
+          </a:fontRef>
+        </p:style>
+      </p:cxnSp>
+      <p:sp>
+        <p:nvSpPr>
+          <p:cNvPr id="61" name="TextBox 60">
+            <a:extLst>
+              <a:ext uri="{FF2B5EF4-FFF2-40B4-BE49-F238E27FC236}">
+                <a16:creationId xmlns:a16="http://schemas.microsoft.com/office/drawing/2014/main" id="{FBE18134-B9B6-9FC0-6C7D-AFA7688923C2}"/>
+              </a:ext>
+            </a:extLst>
+          </p:cNvPr>
+          <p:cNvSpPr txBox="1"/>
+          <p:nvPr/>
+        </p:nvSpPr>
+        <p:spPr>
+          <a:xfrm>
+            <a:off x="7006288" y="3928817"/>
+            <a:ext cx="1422827" cy="646331"/>
+          </a:xfrm>
+          <a:prstGeom prst="rect">
+            <a:avLst/>
+          </a:prstGeom>
+          <a:ln>
+            <a:solidFill>
+              <a:schemeClr val="accent2"/>
+            </a:solidFill>
+          </a:ln>
+        </p:spPr>
+        <p:style>
+          <a:lnRef idx="2">
+            <a:schemeClr val="accent3"/>
+          </a:lnRef>
+          <a:fillRef idx="1">
+            <a:schemeClr val="lt1"/>
+          </a:fillRef>
+          <a:effectRef idx="0">
+            <a:schemeClr val="accent3"/>
+          </a:effectRef>
+          <a:fontRef idx="minor">
+            <a:schemeClr val="dk1"/>
+          </a:fontRef>
+        </p:style>
+        <p:txBody>
+          <a:bodyPr wrap="square" rtlCol="0">
+            <a:spAutoFit/>
+          </a:bodyPr>
+          <a:lstStyle/>
+          <a:p>
+            <a:pPr algn="ctr"/>
+            <a:r>
+              <a:rPr kumimoji="1" lang="ko-KR" altLang="en-US" dirty="0"/>
+              <a:t>보고</a:t>
+            </a:r>
+            <a:endParaRPr kumimoji="1" lang="en-US" altLang="ko-KR" dirty="0"/>
+          </a:p>
+          <a:p>
+            <a:pPr algn="ctr"/>
+            <a:r>
+              <a:rPr kumimoji="1" lang="en-US" altLang="ko-KR" dirty="0"/>
+              <a:t>(throw)</a:t>
+            </a:r>
+            <a:endParaRPr kumimoji="1" lang="ko-Kore-KR" altLang="en-US" dirty="0"/>
+          </a:p>
+        </p:txBody>
+      </p:sp>
+      <p:sp>
+        <p:nvSpPr>
+          <p:cNvPr id="62" name="TextBox 61">
+            <a:extLst>
+              <a:ext uri="{FF2B5EF4-FFF2-40B4-BE49-F238E27FC236}">
+                <a16:creationId xmlns:a16="http://schemas.microsoft.com/office/drawing/2014/main" id="{A1EE44B3-3A0B-D192-6984-510B24B6427B}"/>
+              </a:ext>
+            </a:extLst>
+          </p:cNvPr>
+          <p:cNvSpPr txBox="1"/>
+          <p:nvPr/>
+        </p:nvSpPr>
+        <p:spPr>
+          <a:xfrm>
+            <a:off x="4145171" y="3940366"/>
+            <a:ext cx="1909589" cy="646331"/>
+          </a:xfrm>
+          <a:prstGeom prst="rect">
+            <a:avLst/>
+          </a:prstGeom>
+          <a:ln>
+            <a:solidFill>
+              <a:schemeClr val="accent2"/>
+            </a:solidFill>
+          </a:ln>
+        </p:spPr>
+        <p:style>
+          <a:lnRef idx="2">
+            <a:schemeClr val="accent3"/>
+          </a:lnRef>
+          <a:fillRef idx="1">
+            <a:schemeClr val="lt1"/>
+          </a:fillRef>
+          <a:effectRef idx="0">
+            <a:schemeClr val="accent3"/>
+          </a:effectRef>
+          <a:fontRef idx="minor">
+            <a:schemeClr val="dk1"/>
+          </a:fontRef>
+        </p:style>
+        <p:txBody>
+          <a:bodyPr wrap="square" rtlCol="0">
+            <a:spAutoFit/>
+          </a:bodyPr>
+          <a:lstStyle/>
+          <a:p>
+            <a:pPr algn="ctr"/>
+            <a:r>
+              <a:rPr kumimoji="1" lang="ko-Kore-KR" altLang="en-US" dirty="0"/>
+              <a:t>선택</a:t>
+            </a:r>
+            <a:r>
+              <a:rPr kumimoji="1" lang="en-US" altLang="ko-Kore-KR" dirty="0"/>
+              <a:t>2</a:t>
+            </a:r>
+            <a:r>
+              <a:rPr kumimoji="1" lang="en-US" altLang="ko-KR" dirty="0"/>
+              <a:t>:</a:t>
+            </a:r>
+          </a:p>
+          <a:p>
+            <a:pPr algn="ctr"/>
+            <a:r>
+              <a:rPr kumimoji="1" lang="ko-KR" altLang="en-US" dirty="0"/>
+              <a:t>호출자에게 위임</a:t>
+            </a:r>
+            <a:endParaRPr kumimoji="1" lang="ko-Kore-KR" altLang="en-US" dirty="0"/>
+          </a:p>
+        </p:txBody>
+      </p:sp>
+      <p:sp>
+        <p:nvSpPr>
+          <p:cNvPr id="63" name="TextBox 62">
+            <a:extLst>
+              <a:ext uri="{FF2B5EF4-FFF2-40B4-BE49-F238E27FC236}">
+                <a16:creationId xmlns:a16="http://schemas.microsoft.com/office/drawing/2014/main" id="{C6144BDF-53FD-0A0A-97CA-AC7E20E9C001}"/>
+              </a:ext>
+            </a:extLst>
+          </p:cNvPr>
+          <p:cNvSpPr txBox="1"/>
+          <p:nvPr/>
+        </p:nvSpPr>
+        <p:spPr>
+          <a:xfrm>
+            <a:off x="1469284" y="3940366"/>
+            <a:ext cx="1909589" cy="646331"/>
+          </a:xfrm>
+          <a:prstGeom prst="rect">
+            <a:avLst/>
+          </a:prstGeom>
+          <a:ln>
+            <a:solidFill>
+              <a:schemeClr val="accent2"/>
+            </a:solidFill>
+          </a:ln>
+        </p:spPr>
+        <p:style>
+          <a:lnRef idx="2">
+            <a:schemeClr val="accent3"/>
+          </a:lnRef>
+          <a:fillRef idx="1">
+            <a:schemeClr val="lt1"/>
+          </a:fillRef>
+          <a:effectRef idx="0">
+            <a:schemeClr val="accent3"/>
+          </a:effectRef>
+          <a:fontRef idx="minor">
+            <a:schemeClr val="dk1"/>
+          </a:fontRef>
+        </p:style>
+        <p:txBody>
+          <a:bodyPr wrap="square" rtlCol="0">
+            <a:spAutoFit/>
+          </a:bodyPr>
+          <a:lstStyle/>
+          <a:p>
+            <a:pPr algn="ctr"/>
+            <a:r>
+              <a:rPr kumimoji="1" lang="ko-Kore-KR" altLang="en-US" dirty="0"/>
+              <a:t>선택</a:t>
+            </a:r>
+            <a:r>
+              <a:rPr kumimoji="1" lang="en-US" altLang="ko-KR" dirty="0"/>
+              <a:t>3:</a:t>
+            </a:r>
+          </a:p>
+          <a:p>
+            <a:pPr algn="ctr"/>
+            <a:r>
+              <a:rPr kumimoji="1" lang="ko-KR" altLang="en-US" dirty="0"/>
+              <a:t>호출자에게 위임</a:t>
+            </a:r>
+            <a:endParaRPr kumimoji="1" lang="ko-Kore-KR" altLang="en-US" dirty="0"/>
+          </a:p>
+        </p:txBody>
+      </p:sp>
+      <p:sp>
+        <p:nvSpPr>
+          <p:cNvPr id="64" name="TextBox 63">
+            <a:extLst>
+              <a:ext uri="{FF2B5EF4-FFF2-40B4-BE49-F238E27FC236}">
+                <a16:creationId xmlns:a16="http://schemas.microsoft.com/office/drawing/2014/main" id="{B9860E47-D53F-82AE-B139-68AA72551563}"/>
+              </a:ext>
+            </a:extLst>
+          </p:cNvPr>
+          <p:cNvSpPr txBox="1"/>
+          <p:nvPr/>
+        </p:nvSpPr>
+        <p:spPr>
+          <a:xfrm>
+            <a:off x="6617939" y="5152816"/>
+            <a:ext cx="2199524" cy="646331"/>
+          </a:xfrm>
+          <a:prstGeom prst="rect">
+            <a:avLst/>
+          </a:prstGeom>
+          <a:ln>
+            <a:solidFill>
+              <a:schemeClr val="accent2"/>
+            </a:solidFill>
+          </a:ln>
+        </p:spPr>
+        <p:style>
+          <a:lnRef idx="2">
+            <a:schemeClr val="accent3"/>
+          </a:lnRef>
+          <a:fillRef idx="1">
+            <a:schemeClr val="lt1"/>
+          </a:fillRef>
+          <a:effectRef idx="0">
+            <a:schemeClr val="accent3"/>
+          </a:effectRef>
+          <a:fontRef idx="minor">
+            <a:schemeClr val="dk1"/>
+          </a:fontRef>
+        </p:style>
+        <p:txBody>
+          <a:bodyPr wrap="square" rtlCol="0">
+            <a:spAutoFit/>
+          </a:bodyPr>
+          <a:lstStyle/>
+          <a:p>
+            <a:pPr algn="ctr"/>
+            <a:r>
+              <a:rPr kumimoji="1" lang="ko-Kore-KR" altLang="en-US" dirty="0"/>
+              <a:t>선택</a:t>
+            </a:r>
+            <a:r>
+              <a:rPr kumimoji="1" lang="en-US" altLang="ko-KR" dirty="0"/>
+              <a:t>1:</a:t>
+            </a:r>
+          </a:p>
+          <a:p>
+            <a:pPr algn="ctr"/>
+            <a:r>
+              <a:rPr kumimoji="1" lang="en-US" altLang="ko-KR" dirty="0"/>
+              <a:t>DAO</a:t>
+            </a:r>
+            <a:r>
+              <a:rPr kumimoji="1" lang="ko-KR" altLang="en-US" dirty="0"/>
+              <a:t>에서 예외처리</a:t>
+            </a:r>
+            <a:endParaRPr kumimoji="1" lang="ko-Kore-KR" altLang="en-US" dirty="0"/>
+          </a:p>
+        </p:txBody>
+      </p:sp>
+      <p:cxnSp>
+        <p:nvCxnSpPr>
+          <p:cNvPr id="67" name="직선 화살표 연결선 66">
+            <a:extLst>
+              <a:ext uri="{FF2B5EF4-FFF2-40B4-BE49-F238E27FC236}">
+                <a16:creationId xmlns:a16="http://schemas.microsoft.com/office/drawing/2014/main" id="{EEB102E5-BE18-1E66-16BA-4B395E31BDAF}"/>
+              </a:ext>
+            </a:extLst>
+          </p:cNvPr>
+          <p:cNvCxnSpPr>
+            <a:cxnSpLocks/>
+            <a:stCxn id="5" idx="2"/>
+            <a:endCxn id="71" idx="0"/>
+          </p:cNvCxnSpPr>
+          <p:nvPr/>
+        </p:nvCxnSpPr>
+        <p:spPr>
+          <a:xfrm flipH="1">
+            <a:off x="3888733" y="3333091"/>
+            <a:ext cx="1" cy="2939076"/>
+          </a:xfrm>
+          <a:prstGeom prst="straightConnector1">
+            <a:avLst/>
+          </a:prstGeom>
+          <a:ln>
+            <a:solidFill>
+              <a:schemeClr val="accent4"/>
+            </a:solidFill>
+            <a:tailEnd type="triangle"/>
+          </a:ln>
+        </p:spPr>
+        <p:style>
+          <a:lnRef idx="3">
+            <a:schemeClr val="accent2"/>
+          </a:lnRef>
+          <a:fillRef idx="0">
+            <a:schemeClr val="accent2"/>
+          </a:fillRef>
+          <a:effectRef idx="2">
+            <a:schemeClr val="accent2"/>
+          </a:effectRef>
+          <a:fontRef idx="minor">
+            <a:schemeClr val="tx1"/>
+          </a:fontRef>
+        </p:style>
+      </p:cxnSp>
+      <p:cxnSp>
+        <p:nvCxnSpPr>
+          <p:cNvPr id="69" name="직선 화살표 연결선 68">
+            <a:extLst>
+              <a:ext uri="{FF2B5EF4-FFF2-40B4-BE49-F238E27FC236}">
+                <a16:creationId xmlns:a16="http://schemas.microsoft.com/office/drawing/2014/main" id="{078C7528-9FD6-2D62-5B45-F93CD28373D4}"/>
+              </a:ext>
+            </a:extLst>
+          </p:cNvPr>
+          <p:cNvCxnSpPr>
+            <a:cxnSpLocks/>
+            <a:stCxn id="6" idx="2"/>
+            <a:endCxn id="71" idx="3"/>
+          </p:cNvCxnSpPr>
+          <p:nvPr/>
+        </p:nvCxnSpPr>
+        <p:spPr>
+          <a:xfrm flipH="1">
+            <a:off x="5954781" y="3333089"/>
+            <a:ext cx="222905" cy="3123744"/>
+          </a:xfrm>
+          <a:prstGeom prst="straightConnector1">
+            <a:avLst/>
+          </a:prstGeom>
+          <a:ln>
+            <a:solidFill>
+              <a:schemeClr val="accent4"/>
+            </a:solidFill>
+            <a:tailEnd type="triangle"/>
+          </a:ln>
+        </p:spPr>
+        <p:style>
+          <a:lnRef idx="3">
+            <a:schemeClr val="accent2"/>
+          </a:lnRef>
+          <a:fillRef idx="0">
+            <a:schemeClr val="accent2"/>
+          </a:fillRef>
+          <a:effectRef idx="2">
+            <a:schemeClr val="accent2"/>
+          </a:effectRef>
+          <a:fontRef idx="minor">
+            <a:schemeClr val="tx1"/>
+          </a:fontRef>
+        </p:style>
+      </p:cxnSp>
+      <p:sp>
+        <p:nvSpPr>
+          <p:cNvPr id="71" name="TextBox 70">
+            <a:extLst>
+              <a:ext uri="{FF2B5EF4-FFF2-40B4-BE49-F238E27FC236}">
+                <a16:creationId xmlns:a16="http://schemas.microsoft.com/office/drawing/2014/main" id="{58112554-9F02-DEA4-6599-1772DE2562D6}"/>
+              </a:ext>
+            </a:extLst>
+          </p:cNvPr>
+          <p:cNvSpPr txBox="1"/>
+          <p:nvPr/>
+        </p:nvSpPr>
+        <p:spPr>
+          <a:xfrm>
+            <a:off x="1822684" y="6272167"/>
+            <a:ext cx="4132097" cy="369332"/>
+          </a:xfrm>
+          <a:prstGeom prst="rect">
+            <a:avLst/>
+          </a:prstGeom>
+          <a:ln>
+            <a:solidFill>
+              <a:schemeClr val="accent4"/>
+            </a:solidFill>
+          </a:ln>
+        </p:spPr>
+        <p:style>
+          <a:lnRef idx="2">
+            <a:schemeClr val="accent3"/>
+          </a:lnRef>
+          <a:fillRef idx="1">
+            <a:schemeClr val="lt1"/>
+          </a:fillRef>
+          <a:effectRef idx="0">
+            <a:schemeClr val="accent3"/>
+          </a:effectRef>
+          <a:fontRef idx="minor">
+            <a:schemeClr val="dk1"/>
+          </a:fontRef>
+        </p:style>
+        <p:txBody>
+          <a:bodyPr wrap="square" rtlCol="0">
+            <a:spAutoFit/>
+          </a:bodyPr>
+          <a:lstStyle/>
+          <a:p>
+            <a:pPr algn="ctr"/>
+            <a:r>
+              <a:rPr kumimoji="1" lang="ko-KR" altLang="en-US" dirty="0"/>
+              <a:t>사용자에게 예외 상황 알림</a:t>
+            </a:r>
+            <a:r>
+              <a:rPr kumimoji="1" lang="en-US" altLang="ko-KR" dirty="0"/>
+              <a:t>(</a:t>
+            </a:r>
+            <a:r>
+              <a:rPr kumimoji="1" lang="ko-KR" altLang="en-US" dirty="0"/>
+              <a:t>출력</a:t>
+            </a:r>
+            <a:r>
+              <a:rPr kumimoji="1" lang="en-US" altLang="ko-KR" dirty="0"/>
+              <a:t>)</a:t>
+            </a:r>
+            <a:endParaRPr kumimoji="1" lang="ko-Kore-KR" altLang="en-US" dirty="0"/>
+          </a:p>
+        </p:txBody>
+      </p:sp>
+      <p:sp>
+        <p:nvSpPr>
+          <p:cNvPr id="81" name="TextBox 80">
+            <a:extLst>
+              <a:ext uri="{FF2B5EF4-FFF2-40B4-BE49-F238E27FC236}">
+                <a16:creationId xmlns:a16="http://schemas.microsoft.com/office/drawing/2014/main" id="{5F79D6D9-3576-B8A8-7CA6-5921B49F4712}"/>
+              </a:ext>
+            </a:extLst>
+          </p:cNvPr>
+          <p:cNvSpPr txBox="1"/>
+          <p:nvPr/>
+        </p:nvSpPr>
+        <p:spPr>
+          <a:xfrm>
+            <a:off x="2014774" y="619831"/>
+            <a:ext cx="1909589" cy="954107"/>
+          </a:xfrm>
+          <a:prstGeom prst="rect">
+            <a:avLst/>
+          </a:prstGeom>
+          <a:ln>
+            <a:solidFill>
+              <a:schemeClr val="accent2"/>
+            </a:solidFill>
+          </a:ln>
+        </p:spPr>
+        <p:style>
+          <a:lnRef idx="2">
+            <a:schemeClr val="accent3"/>
+          </a:lnRef>
+          <a:fillRef idx="1">
+            <a:schemeClr val="lt1"/>
+          </a:fillRef>
+          <a:effectRef idx="0">
+            <a:schemeClr val="accent3"/>
+          </a:effectRef>
+          <a:fontRef idx="minor">
+            <a:schemeClr val="dk1"/>
+          </a:fontRef>
+        </p:style>
+        <p:txBody>
+          <a:bodyPr wrap="square" rtlCol="0">
+            <a:spAutoFit/>
+          </a:bodyPr>
+          <a:lstStyle/>
+          <a:p>
+            <a:pPr algn="ctr"/>
+            <a:r>
+              <a:rPr kumimoji="1" lang="ko-Kore-KR" altLang="en-US" dirty="0"/>
+              <a:t>선택</a:t>
+            </a:r>
+            <a:r>
+              <a:rPr kumimoji="1" lang="en-US" altLang="ko-KR" dirty="0"/>
+              <a:t>4:</a:t>
+            </a:r>
+          </a:p>
+          <a:p>
+            <a:pPr algn="ctr"/>
+            <a:r>
+              <a:rPr kumimoji="1" lang="ko-KR" altLang="en-US" dirty="0"/>
+              <a:t>호출자에게 위임</a:t>
+            </a:r>
+            <a:endParaRPr kumimoji="1" lang="en-US" altLang="ko-KR" dirty="0"/>
+          </a:p>
+          <a:p>
+            <a:pPr algn="ctr"/>
+            <a:r>
+              <a:rPr kumimoji="1" lang="en-US" altLang="ko-KR" sz="1000" dirty="0"/>
+              <a:t>(</a:t>
+            </a:r>
+            <a:r>
+              <a:rPr kumimoji="1" lang="ko-KR" altLang="en-US" sz="1000" dirty="0"/>
+              <a:t>단점</a:t>
+            </a:r>
+            <a:r>
+              <a:rPr kumimoji="1" lang="en-US" altLang="ko-KR" sz="1000" dirty="0"/>
+              <a:t>:</a:t>
+            </a:r>
+            <a:r>
+              <a:rPr kumimoji="1" lang="ko-KR" altLang="en-US" sz="1000" dirty="0"/>
+              <a:t> 오류상황을 사용자에게 명확하게 안내하지 못한다</a:t>
+            </a:r>
+            <a:r>
+              <a:rPr kumimoji="1" lang="en-US" altLang="ko-KR" sz="1000" dirty="0"/>
+              <a:t>.)</a:t>
+            </a:r>
+            <a:endParaRPr kumimoji="1" lang="ko-Kore-KR" altLang="en-US" sz="1000" dirty="0"/>
+          </a:p>
+        </p:txBody>
+      </p:sp>
+      <p:sp>
+        <p:nvSpPr>
+          <p:cNvPr id="82" name="TextBox 81">
+            <a:extLst>
+              <a:ext uri="{FF2B5EF4-FFF2-40B4-BE49-F238E27FC236}">
+                <a16:creationId xmlns:a16="http://schemas.microsoft.com/office/drawing/2014/main" id="{DDDD2BA3-C95A-826F-C331-D158D3E49B37}"/>
+              </a:ext>
+            </a:extLst>
+          </p:cNvPr>
+          <p:cNvSpPr txBox="1"/>
+          <p:nvPr/>
+        </p:nvSpPr>
+        <p:spPr>
+          <a:xfrm>
+            <a:off x="218483" y="2589512"/>
+            <a:ext cx="1043967" cy="261610"/>
+          </a:xfrm>
+          <a:prstGeom prst="rect">
+            <a:avLst/>
+          </a:prstGeom>
+        </p:spPr>
+        <p:style>
+          <a:lnRef idx="2">
+            <a:schemeClr val="accent5"/>
+          </a:lnRef>
+          <a:fillRef idx="1">
+            <a:schemeClr val="lt1"/>
+          </a:fillRef>
+          <a:effectRef idx="0">
+            <a:schemeClr val="accent5"/>
+          </a:effectRef>
+          <a:fontRef idx="minor">
+            <a:schemeClr val="dk1"/>
+          </a:fontRef>
+        </p:style>
+        <p:txBody>
+          <a:bodyPr wrap="square" rtlCol="0">
+            <a:spAutoFit/>
+          </a:bodyPr>
+          <a:lstStyle/>
+          <a:p>
+            <a:r>
+              <a:rPr kumimoji="1" lang="ko-KR" altLang="en-US" sz="1100" dirty="0" err="1"/>
+              <a:t>메인메뉴처리</a:t>
+            </a:r>
+            <a:endParaRPr kumimoji="1" lang="ko-Kore-KR" altLang="en-US" sz="1100" dirty="0"/>
+          </a:p>
+        </p:txBody>
+      </p:sp>
+      <p:sp>
+        <p:nvSpPr>
+          <p:cNvPr id="84" name="TextBox 83">
+            <a:extLst>
+              <a:ext uri="{FF2B5EF4-FFF2-40B4-BE49-F238E27FC236}">
+                <a16:creationId xmlns:a16="http://schemas.microsoft.com/office/drawing/2014/main" id="{574FB675-DEE4-4994-BC4D-902C44495105}"/>
+              </a:ext>
+            </a:extLst>
+          </p:cNvPr>
+          <p:cNvSpPr txBox="1"/>
+          <p:nvPr/>
+        </p:nvSpPr>
+        <p:spPr>
+          <a:xfrm>
+            <a:off x="3344184" y="2595009"/>
+            <a:ext cx="758460" cy="261610"/>
+          </a:xfrm>
+          <a:prstGeom prst="rect">
+            <a:avLst/>
+          </a:prstGeom>
+        </p:spPr>
+        <p:style>
+          <a:lnRef idx="2">
+            <a:schemeClr val="accent5"/>
+          </a:lnRef>
+          <a:fillRef idx="1">
+            <a:schemeClr val="lt1"/>
+          </a:fillRef>
+          <a:effectRef idx="0">
+            <a:schemeClr val="accent5"/>
+          </a:effectRef>
+          <a:fontRef idx="minor">
+            <a:schemeClr val="dk1"/>
+          </a:fontRef>
+        </p:style>
+        <p:txBody>
+          <a:bodyPr wrap="square" rtlCol="0">
+            <a:spAutoFit/>
+          </a:bodyPr>
+          <a:lstStyle/>
+          <a:p>
+            <a:r>
+              <a:rPr kumimoji="1" lang="en-US" altLang="ko-KR" sz="1100" dirty="0"/>
+              <a:t>UI </a:t>
+            </a:r>
+            <a:r>
+              <a:rPr kumimoji="1" lang="ko-KR" altLang="en-US" sz="1100" dirty="0"/>
+              <a:t>처리</a:t>
+            </a:r>
+            <a:endParaRPr kumimoji="1" lang="ko-Kore-KR" altLang="en-US" sz="1100" dirty="0"/>
+          </a:p>
+        </p:txBody>
+      </p:sp>
+      <p:sp>
+        <p:nvSpPr>
+          <p:cNvPr id="85" name="TextBox 84">
+            <a:extLst>
+              <a:ext uri="{FF2B5EF4-FFF2-40B4-BE49-F238E27FC236}">
+                <a16:creationId xmlns:a16="http://schemas.microsoft.com/office/drawing/2014/main" id="{AEBB0722-C70F-CEAB-D670-18F1AD92BEFE}"/>
+              </a:ext>
+            </a:extLst>
+          </p:cNvPr>
+          <p:cNvSpPr txBox="1"/>
+          <p:nvPr/>
+        </p:nvSpPr>
+        <p:spPr>
+          <a:xfrm>
+            <a:off x="5443223" y="2601640"/>
+            <a:ext cx="935425" cy="261610"/>
+          </a:xfrm>
+          <a:prstGeom prst="rect">
+            <a:avLst/>
+          </a:prstGeom>
+        </p:spPr>
+        <p:style>
+          <a:lnRef idx="2">
+            <a:schemeClr val="accent5"/>
+          </a:lnRef>
+          <a:fillRef idx="1">
+            <a:schemeClr val="lt1"/>
+          </a:fillRef>
+          <a:effectRef idx="0">
+            <a:schemeClr val="accent5"/>
+          </a:effectRef>
+          <a:fontRef idx="minor">
+            <a:schemeClr val="dk1"/>
+          </a:fontRef>
+        </p:style>
+        <p:txBody>
+          <a:bodyPr wrap="square" rtlCol="0">
+            <a:spAutoFit/>
+          </a:bodyPr>
+          <a:lstStyle/>
+          <a:p>
+            <a:r>
+              <a:rPr kumimoji="1" lang="ko-KR" altLang="en-US" sz="1100" dirty="0"/>
+              <a:t>데이터</a:t>
+            </a:r>
+            <a:r>
+              <a:rPr kumimoji="1" lang="en-US" altLang="ko-KR" sz="1100" dirty="0"/>
+              <a:t> </a:t>
+            </a:r>
+            <a:r>
+              <a:rPr kumimoji="1" lang="ko-KR" altLang="en-US" sz="1100" dirty="0"/>
+              <a:t>처리</a:t>
+            </a:r>
+            <a:endParaRPr kumimoji="1" lang="ko-Kore-KR" altLang="en-US" sz="1100" dirty="0"/>
+          </a:p>
+        </p:txBody>
+      </p:sp>
+    </p:spTree>
+    <p:extLst>
+      <p:ext uri="{BB962C8B-B14F-4D97-AF65-F5344CB8AC3E}">
+        <p14:creationId xmlns:p14="http://schemas.microsoft.com/office/powerpoint/2010/main" val="1991988930"/>
+      </p:ext>
+    </p:extLst>
+  </p:cSld>
+  <p:clrMapOvr>
+    <a:masterClrMapping/>
+  </p:clrMapOvr>
+</p:sld>
+</file>
+
+<file path=ppt/slides/slide8.xml><?xml version="1.0" encoding="utf-8"?>
+<p:sld xmlns:a="http://schemas.openxmlformats.org/drawingml/2006/main" xmlns:r="http://schemas.openxmlformats.org/officeDocument/2006/relationships" xmlns:p="http://schemas.openxmlformats.org/presentationml/2006/main">
+  <p:cSld>
+    <p:spTree>
+      <p:nvGrpSpPr>
+        <p:cNvPr id="1" name=""/>
+        <p:cNvGrpSpPr/>
+        <p:nvPr/>
+      </p:nvGrpSpPr>
+      <p:grpSpPr>
+        <a:xfrm>
+          <a:off x="0" y="0"/>
+          <a:ext cx="0" cy="0"/>
+          <a:chOff x="0" y="0"/>
+          <a:chExt cx="0" cy="0"/>
+        </a:xfrm>
+      </p:grpSpPr>
+      <p:cxnSp>
+        <p:nvCxnSpPr>
+          <p:cNvPr id="94" name="구부러진 연결선[U] 93">
+            <a:extLst>
+              <a:ext uri="{FF2B5EF4-FFF2-40B4-BE49-F238E27FC236}">
+                <a16:creationId xmlns:a16="http://schemas.microsoft.com/office/drawing/2014/main" id="{865B1396-40CA-1ED2-4E99-55C2F7BD3D30}"/>
+              </a:ext>
+            </a:extLst>
+          </p:cNvPr>
+          <p:cNvCxnSpPr>
+            <a:cxnSpLocks/>
+            <a:stCxn id="56" idx="2"/>
+            <a:endCxn id="83" idx="2"/>
+          </p:cNvCxnSpPr>
+          <p:nvPr/>
+        </p:nvCxnSpPr>
+        <p:spPr>
+          <a:xfrm rot="5400000" flipH="1">
+            <a:off x="4517906" y="3156294"/>
+            <a:ext cx="1802979" cy="172235"/>
+          </a:xfrm>
+          <a:prstGeom prst="curvedConnector5">
+            <a:avLst>
+              <a:gd name="adj1" fmla="val -12679"/>
+              <a:gd name="adj2" fmla="val 430988"/>
+              <a:gd name="adj3" fmla="val 66004"/>
+            </a:avLst>
+          </a:prstGeom>
+          <a:ln>
+            <a:tailEnd type="triangle"/>
+          </a:ln>
+        </p:spPr>
+        <p:style>
+          <a:lnRef idx="3">
+            <a:schemeClr val="accent2"/>
+          </a:lnRef>
+          <a:fillRef idx="0">
+            <a:schemeClr val="accent2"/>
+          </a:fillRef>
+          <a:effectRef idx="2">
+            <a:schemeClr val="accent2"/>
+          </a:effectRef>
+          <a:fontRef idx="minor">
+            <a:schemeClr val="tx1"/>
+          </a:fontRef>
+        </p:style>
+      </p:cxnSp>
+      <p:cxnSp>
+        <p:nvCxnSpPr>
+          <p:cNvPr id="59" name="구부러진 연결선[U] 58">
+            <a:extLst>
+              <a:ext uri="{FF2B5EF4-FFF2-40B4-BE49-F238E27FC236}">
+                <a16:creationId xmlns:a16="http://schemas.microsoft.com/office/drawing/2014/main" id="{11DE7F11-E2DB-1C88-6AA4-19EE31F57837}"/>
+              </a:ext>
+            </a:extLst>
+          </p:cNvPr>
+          <p:cNvCxnSpPr>
+            <a:stCxn id="6" idx="0"/>
+            <a:endCxn id="5" idx="0"/>
+          </p:cNvCxnSpPr>
+          <p:nvPr/>
+        </p:nvCxnSpPr>
+        <p:spPr>
+          <a:xfrm rot="16200000" flipH="1" flipV="1">
+            <a:off x="7350212" y="980667"/>
+            <a:ext cx="1" cy="3621424"/>
+          </a:xfrm>
+          <a:prstGeom prst="curvedConnector3">
+            <a:avLst>
+              <a:gd name="adj1" fmla="val -22860000000"/>
+            </a:avLst>
+          </a:prstGeom>
+          <a:ln>
+            <a:tailEnd type="triangle"/>
+          </a:ln>
+        </p:spPr>
+        <p:style>
+          <a:lnRef idx="3">
+            <a:schemeClr val="accent2"/>
+          </a:lnRef>
+          <a:fillRef idx="0">
+            <a:schemeClr val="accent2"/>
+          </a:fillRef>
+          <a:effectRef idx="2">
+            <a:schemeClr val="accent2"/>
+          </a:effectRef>
+          <a:fontRef idx="minor">
+            <a:schemeClr val="tx1"/>
+          </a:fontRef>
+        </p:style>
+      </p:cxnSp>
+      <p:cxnSp>
+        <p:nvCxnSpPr>
+          <p:cNvPr id="60" name="구부러진 연결선[U] 59">
+            <a:extLst>
+              <a:ext uri="{FF2B5EF4-FFF2-40B4-BE49-F238E27FC236}">
+                <a16:creationId xmlns:a16="http://schemas.microsoft.com/office/drawing/2014/main" id="{A3DB236B-8DA5-F213-2E05-BD183A9A45DD}"/>
+              </a:ext>
+            </a:extLst>
+          </p:cNvPr>
+          <p:cNvCxnSpPr>
+            <a:cxnSpLocks/>
+            <a:stCxn id="5" idx="0"/>
+            <a:endCxn id="16" idx="3"/>
+          </p:cNvCxnSpPr>
+          <p:nvPr/>
+        </p:nvCxnSpPr>
+        <p:spPr>
+          <a:xfrm rot="5400000" flipH="1" flipV="1">
+            <a:off x="5442109" y="1680090"/>
+            <a:ext cx="1208682" cy="1013898"/>
+          </a:xfrm>
+          <a:prstGeom prst="curvedConnector4">
+            <a:avLst>
+              <a:gd name="adj1" fmla="val 40217"/>
+              <a:gd name="adj2" fmla="val 122547"/>
+            </a:avLst>
+          </a:prstGeom>
+          <a:ln>
+            <a:tailEnd type="triangle"/>
+          </a:ln>
+        </p:spPr>
+        <p:style>
+          <a:lnRef idx="3">
+            <a:schemeClr val="accent2"/>
+          </a:lnRef>
+          <a:fillRef idx="0">
+            <a:schemeClr val="accent2"/>
+          </a:fillRef>
+          <a:effectRef idx="2">
+            <a:schemeClr val="accent2"/>
+          </a:effectRef>
+          <a:fontRef idx="minor">
+            <a:schemeClr val="tx1"/>
+          </a:fontRef>
+        </p:style>
+      </p:cxnSp>
+      <p:cxnSp>
+        <p:nvCxnSpPr>
+          <p:cNvPr id="27" name="직선 화살표 연결선 26">
+            <a:extLst>
+              <a:ext uri="{FF2B5EF4-FFF2-40B4-BE49-F238E27FC236}">
+                <a16:creationId xmlns:a16="http://schemas.microsoft.com/office/drawing/2014/main" id="{32FECBE5-CC6D-101B-47E8-375EC923A768}"/>
+              </a:ext>
+            </a:extLst>
+          </p:cNvPr>
+          <p:cNvCxnSpPr>
+            <a:cxnSpLocks/>
+            <a:stCxn id="6" idx="2"/>
+            <a:endCxn id="45" idx="0"/>
+          </p:cNvCxnSpPr>
+          <p:nvPr/>
+        </p:nvCxnSpPr>
+        <p:spPr>
+          <a:xfrm flipH="1">
+            <a:off x="9160924" y="3264344"/>
+            <a:ext cx="1" cy="963010"/>
+          </a:xfrm>
+          <a:prstGeom prst="straightConnector1">
+            <a:avLst/>
+          </a:prstGeom>
+          <a:ln>
+            <a:solidFill>
+              <a:srgbClr val="FF0000"/>
+            </a:solidFill>
+            <a:tailEnd type="triangle"/>
+          </a:ln>
+        </p:spPr>
+        <p:style>
+          <a:lnRef idx="3">
+            <a:schemeClr val="accent1"/>
+          </a:lnRef>
+          <a:fillRef idx="0">
+            <a:schemeClr val="accent1"/>
+          </a:fillRef>
+          <a:effectRef idx="2">
+            <a:schemeClr val="accent1"/>
+          </a:effectRef>
+          <a:fontRef idx="minor">
+            <a:schemeClr val="tx1"/>
+          </a:fontRef>
+        </p:style>
+      </p:cxnSp>
+      <p:sp>
+        <p:nvSpPr>
+          <p:cNvPr id="4" name="직사각형 3">
+            <a:extLst>
+              <a:ext uri="{FF2B5EF4-FFF2-40B4-BE49-F238E27FC236}">
+                <a16:creationId xmlns:a16="http://schemas.microsoft.com/office/drawing/2014/main" id="{ACD2ED21-7BD5-5C79-4C71-FBE0B4A8CD29}"/>
+              </a:ext>
+            </a:extLst>
+          </p:cNvPr>
+          <p:cNvSpPr/>
+          <p:nvPr/>
+        </p:nvSpPr>
+        <p:spPr>
+          <a:xfrm>
+            <a:off x="10899749" y="3533852"/>
+            <a:ext cx="1161394" cy="780394"/>
+          </a:xfrm>
+          <a:prstGeom prst="rect">
+            <a:avLst/>
+          </a:prstGeom>
+        </p:spPr>
+        <p:style>
+          <a:lnRef idx="2">
+            <a:schemeClr val="accent3">
+              <a:shade val="50000"/>
+            </a:schemeClr>
+          </a:lnRef>
+          <a:fillRef idx="1">
+            <a:schemeClr val="accent3"/>
+          </a:fillRef>
+          <a:effectRef idx="0">
+            <a:schemeClr val="accent3"/>
+          </a:effectRef>
+          <a:fontRef idx="minor">
+            <a:schemeClr val="lt1"/>
+          </a:fontRef>
+        </p:style>
+        <p:txBody>
+          <a:bodyPr rtlCol="0" anchor="ctr"/>
+          <a:lstStyle/>
+          <a:p>
+            <a:pPr algn="ctr"/>
+            <a:r>
+              <a:rPr kumimoji="1" lang="en-US" altLang="ko-Kore-KR" dirty="0"/>
+              <a:t>File</a:t>
+            </a:r>
+            <a:endParaRPr kumimoji="1" lang="ko-Kore-KR" altLang="en-US" dirty="0"/>
+          </a:p>
+        </p:txBody>
+      </p:sp>
+      <p:cxnSp>
+        <p:nvCxnSpPr>
+          <p:cNvPr id="15" name="직선 화살표 연결선 14">
+            <a:extLst>
+              <a:ext uri="{FF2B5EF4-FFF2-40B4-BE49-F238E27FC236}">
+                <a16:creationId xmlns:a16="http://schemas.microsoft.com/office/drawing/2014/main" id="{61D8FD0E-E5E0-3A9C-96D2-21FA63923C2B}"/>
+              </a:ext>
+            </a:extLst>
+          </p:cNvPr>
+          <p:cNvCxnSpPr>
+            <a:cxnSpLocks/>
+            <a:stCxn id="5" idx="0"/>
+            <a:endCxn id="16" idx="2"/>
+          </p:cNvCxnSpPr>
+          <p:nvPr/>
+        </p:nvCxnSpPr>
+        <p:spPr>
+          <a:xfrm flipH="1" flipV="1">
+            <a:off x="5539500" y="1819180"/>
+            <a:ext cx="1" cy="972200"/>
+          </a:xfrm>
+          <a:prstGeom prst="straightConnector1">
+            <a:avLst/>
+          </a:prstGeom>
+          <a:ln>
+            <a:tailEnd type="triangle"/>
+          </a:ln>
+        </p:spPr>
+        <p:style>
+          <a:lnRef idx="3">
+            <a:schemeClr val="accent1"/>
+          </a:lnRef>
+          <a:fillRef idx="0">
+            <a:schemeClr val="accent1"/>
+          </a:fillRef>
+          <a:effectRef idx="2">
+            <a:schemeClr val="accent1"/>
+          </a:effectRef>
+          <a:fontRef idx="minor">
+            <a:schemeClr val="tx1"/>
+          </a:fontRef>
+        </p:style>
+      </p:cxnSp>
+      <p:cxnSp>
+        <p:nvCxnSpPr>
+          <p:cNvPr id="22" name="직선 화살표 연결선 21">
+            <a:extLst>
+              <a:ext uri="{FF2B5EF4-FFF2-40B4-BE49-F238E27FC236}">
+                <a16:creationId xmlns:a16="http://schemas.microsoft.com/office/drawing/2014/main" id="{E42A9736-D5A4-9D85-93B5-D6774B978FCA}"/>
+              </a:ext>
+            </a:extLst>
+          </p:cNvPr>
+          <p:cNvCxnSpPr>
+            <a:cxnSpLocks/>
+            <a:stCxn id="10" idx="3"/>
+            <a:endCxn id="4" idx="1"/>
+          </p:cNvCxnSpPr>
+          <p:nvPr/>
+        </p:nvCxnSpPr>
+        <p:spPr>
+          <a:xfrm>
+            <a:off x="10048101" y="3916216"/>
+            <a:ext cx="851648" cy="7833"/>
+          </a:xfrm>
+          <a:prstGeom prst="straightConnector1">
+            <a:avLst/>
+          </a:prstGeom>
+          <a:ln>
+            <a:tailEnd type="triangle"/>
+          </a:ln>
+        </p:spPr>
+        <p:style>
+          <a:lnRef idx="3">
+            <a:schemeClr val="accent3"/>
+          </a:lnRef>
+          <a:fillRef idx="0">
+            <a:schemeClr val="accent3"/>
+          </a:fillRef>
+          <a:effectRef idx="2">
+            <a:schemeClr val="accent3"/>
+          </a:effectRef>
+          <a:fontRef idx="minor">
+            <a:schemeClr val="tx1"/>
+          </a:fontRef>
+        </p:style>
+      </p:cxnSp>
+      <p:sp>
+        <p:nvSpPr>
+          <p:cNvPr id="10" name="직사각형 9">
+            <a:extLst>
+              <a:ext uri="{FF2B5EF4-FFF2-40B4-BE49-F238E27FC236}">
+                <a16:creationId xmlns:a16="http://schemas.microsoft.com/office/drawing/2014/main" id="{AFD5C85D-9BD1-A4FE-40E7-A6DEE6A29B8B}"/>
+              </a:ext>
+            </a:extLst>
+          </p:cNvPr>
+          <p:cNvSpPr/>
+          <p:nvPr/>
+        </p:nvSpPr>
+        <p:spPr>
+          <a:xfrm>
+            <a:off x="8273748" y="3793380"/>
+            <a:ext cx="1774353" cy="245672"/>
+          </a:xfrm>
+          <a:prstGeom prst="rect">
+            <a:avLst/>
+          </a:prstGeom>
+          <a:solidFill>
+            <a:srgbClr val="FF0000"/>
+          </a:solidFill>
+          <a:ln>
+            <a:solidFill>
+              <a:srgbClr val="FF0000"/>
+            </a:solidFill>
+          </a:ln>
+        </p:spPr>
+        <p:style>
+          <a:lnRef idx="2">
+            <a:schemeClr val="accent1">
+              <a:shade val="50000"/>
+            </a:schemeClr>
+          </a:lnRef>
+          <a:fillRef idx="1">
+            <a:schemeClr val="accent1"/>
+          </a:fillRef>
+          <a:effectRef idx="0">
+            <a:schemeClr val="accent1"/>
+          </a:effectRef>
+          <a:fontRef idx="minor">
+            <a:schemeClr val="lt1"/>
+          </a:fontRef>
+        </p:style>
+        <p:txBody>
+          <a:bodyPr rtlCol="0" anchor="ctr"/>
+          <a:lstStyle/>
+          <a:p>
+            <a:pPr algn="ctr"/>
+            <a:r>
+              <a:rPr kumimoji="1" lang="en-US" altLang="ko-Kore-KR" sz="1400" dirty="0" err="1"/>
+              <a:t>FileOutputStream</a:t>
+            </a:r>
+            <a:endParaRPr kumimoji="1" lang="ko-Kore-KR" altLang="en-US" sz="1400" dirty="0"/>
+          </a:p>
+        </p:txBody>
+      </p:sp>
+      <p:sp>
+        <p:nvSpPr>
+          <p:cNvPr id="3" name="직사각형 2">
+            <a:extLst>
+              <a:ext uri="{FF2B5EF4-FFF2-40B4-BE49-F238E27FC236}">
+                <a16:creationId xmlns:a16="http://schemas.microsoft.com/office/drawing/2014/main" id="{B359AB87-2B37-616C-2909-9A727F108C51}"/>
+              </a:ext>
+            </a:extLst>
+          </p:cNvPr>
+          <p:cNvSpPr/>
+          <p:nvPr/>
+        </p:nvSpPr>
+        <p:spPr>
+          <a:xfrm>
+            <a:off x="2223517" y="2791379"/>
+            <a:ext cx="819807" cy="472965"/>
+          </a:xfrm>
+          <a:prstGeom prst="rect">
+            <a:avLst/>
+          </a:prstGeom>
+        </p:spPr>
+        <p:style>
+          <a:lnRef idx="2">
+            <a:schemeClr val="accent1">
+              <a:shade val="50000"/>
+            </a:schemeClr>
+          </a:lnRef>
+          <a:fillRef idx="1">
+            <a:schemeClr val="accent1"/>
+          </a:fillRef>
+          <a:effectRef idx="0">
+            <a:schemeClr val="accent1"/>
+          </a:effectRef>
+          <a:fontRef idx="minor">
+            <a:schemeClr val="lt1"/>
+          </a:fontRef>
+        </p:style>
+        <p:txBody>
+          <a:bodyPr rtlCol="0" anchor="ctr"/>
+          <a:lstStyle/>
+          <a:p>
+            <a:pPr algn="ctr"/>
+            <a:r>
+              <a:rPr kumimoji="1" lang="en-US" altLang="ko-Kore-KR" dirty="0"/>
+              <a:t>App</a:t>
+            </a:r>
+          </a:p>
+          <a:p>
+            <a:pPr algn="ctr"/>
+            <a:r>
+              <a:rPr kumimoji="1" lang="en-US" altLang="ko-Kore-KR" dirty="0"/>
+              <a:t>class</a:t>
+            </a:r>
+            <a:endParaRPr kumimoji="1" lang="ko-Kore-KR" altLang="en-US" dirty="0"/>
+          </a:p>
+        </p:txBody>
+      </p:sp>
+      <p:sp>
+        <p:nvSpPr>
+          <p:cNvPr id="5" name="직사각형 4">
+            <a:extLst>
+              <a:ext uri="{FF2B5EF4-FFF2-40B4-BE49-F238E27FC236}">
+                <a16:creationId xmlns:a16="http://schemas.microsoft.com/office/drawing/2014/main" id="{DA64BFA5-9784-F432-8A05-973BA7226D5A}"/>
+              </a:ext>
+            </a:extLst>
+          </p:cNvPr>
+          <p:cNvSpPr/>
+          <p:nvPr/>
+        </p:nvSpPr>
+        <p:spPr>
+          <a:xfrm>
+            <a:off x="4626612" y="2791380"/>
+            <a:ext cx="1825777" cy="472965"/>
+          </a:xfrm>
+          <a:prstGeom prst="rect">
+            <a:avLst/>
+          </a:prstGeom>
+        </p:spPr>
+        <p:style>
+          <a:lnRef idx="2">
+            <a:schemeClr val="accent1">
+              <a:shade val="50000"/>
+            </a:schemeClr>
+          </a:lnRef>
+          <a:fillRef idx="1">
+            <a:schemeClr val="accent1"/>
+          </a:fillRef>
+          <a:effectRef idx="0">
+            <a:schemeClr val="accent1"/>
+          </a:effectRef>
+          <a:fontRef idx="minor">
+            <a:schemeClr val="lt1"/>
+          </a:fontRef>
+        </p:style>
+        <p:txBody>
+          <a:bodyPr rtlCol="0" anchor="ctr"/>
+          <a:lstStyle/>
+          <a:p>
+            <a:pPr algn="ctr"/>
+            <a:r>
+              <a:rPr kumimoji="1" lang="en-US" altLang="ko-Kore-KR" dirty="0" err="1"/>
+              <a:t>BoardHandler</a:t>
+            </a:r>
+            <a:endParaRPr kumimoji="1" lang="en-US" altLang="ko-Kore-KR" dirty="0"/>
+          </a:p>
+          <a:p>
+            <a:pPr algn="ctr"/>
+            <a:r>
+              <a:rPr kumimoji="1" lang="en-US" altLang="ko-Kore-KR" dirty="0"/>
+              <a:t>class</a:t>
+            </a:r>
+            <a:endParaRPr kumimoji="1" lang="ko-Kore-KR" altLang="en-US" dirty="0"/>
+          </a:p>
+        </p:txBody>
+      </p:sp>
+      <p:sp>
+        <p:nvSpPr>
+          <p:cNvPr id="6" name="직사각형 5">
+            <a:extLst>
+              <a:ext uri="{FF2B5EF4-FFF2-40B4-BE49-F238E27FC236}">
+                <a16:creationId xmlns:a16="http://schemas.microsoft.com/office/drawing/2014/main" id="{F542A163-FE29-B8AC-25B7-D027CE24A9A7}"/>
+              </a:ext>
+            </a:extLst>
+          </p:cNvPr>
+          <p:cNvSpPr/>
+          <p:nvPr/>
+        </p:nvSpPr>
+        <p:spPr>
+          <a:xfrm>
+            <a:off x="8303133" y="2791379"/>
+            <a:ext cx="1715584" cy="472965"/>
+          </a:xfrm>
+          <a:prstGeom prst="rect">
+            <a:avLst/>
+          </a:prstGeom>
+        </p:spPr>
+        <p:style>
+          <a:lnRef idx="2">
+            <a:schemeClr val="accent1">
+              <a:shade val="50000"/>
+            </a:schemeClr>
+          </a:lnRef>
+          <a:fillRef idx="1">
+            <a:schemeClr val="accent1"/>
+          </a:fillRef>
+          <a:effectRef idx="0">
+            <a:schemeClr val="accent1"/>
+          </a:effectRef>
+          <a:fontRef idx="minor">
+            <a:schemeClr val="lt1"/>
+          </a:fontRef>
+        </p:style>
+        <p:txBody>
+          <a:bodyPr rtlCol="0" anchor="ctr"/>
+          <a:lstStyle/>
+          <a:p>
+            <a:pPr algn="ctr"/>
+            <a:r>
+              <a:rPr kumimoji="1" lang="en-US" altLang="ko-Kore-KR" dirty="0" err="1"/>
+              <a:t>BoardDao</a:t>
+            </a:r>
+            <a:endParaRPr kumimoji="1" lang="en-US" altLang="ko-Kore-KR" dirty="0"/>
+          </a:p>
+          <a:p>
+            <a:pPr algn="ctr"/>
+            <a:r>
+              <a:rPr kumimoji="1" lang="en-US" altLang="ko-Kore-KR" dirty="0"/>
+              <a:t>class</a:t>
+            </a:r>
+            <a:endParaRPr kumimoji="1" lang="ko-Kore-KR" altLang="en-US" dirty="0"/>
+          </a:p>
+        </p:txBody>
+      </p:sp>
+      <p:cxnSp>
+        <p:nvCxnSpPr>
+          <p:cNvPr id="11" name="직선 화살표 연결선 10">
+            <a:extLst>
+              <a:ext uri="{FF2B5EF4-FFF2-40B4-BE49-F238E27FC236}">
+                <a16:creationId xmlns:a16="http://schemas.microsoft.com/office/drawing/2014/main" id="{1DE685C6-D980-AE8C-4B58-F320D5A14024}"/>
+              </a:ext>
+            </a:extLst>
+          </p:cNvPr>
+          <p:cNvCxnSpPr>
+            <a:cxnSpLocks/>
+            <a:stCxn id="3" idx="3"/>
+            <a:endCxn id="5" idx="1"/>
+          </p:cNvCxnSpPr>
+          <p:nvPr/>
+        </p:nvCxnSpPr>
+        <p:spPr>
+          <a:xfrm>
+            <a:off x="3043324" y="3027862"/>
+            <a:ext cx="1583288" cy="1"/>
+          </a:xfrm>
+          <a:prstGeom prst="straightConnector1">
+            <a:avLst/>
+          </a:prstGeom>
+          <a:ln>
+            <a:tailEnd type="triangle"/>
+          </a:ln>
+        </p:spPr>
+        <p:style>
+          <a:lnRef idx="3">
+            <a:schemeClr val="accent1"/>
+          </a:lnRef>
+          <a:fillRef idx="0">
+            <a:schemeClr val="accent1"/>
+          </a:fillRef>
+          <a:effectRef idx="2">
+            <a:schemeClr val="accent1"/>
+          </a:effectRef>
+          <a:fontRef idx="minor">
+            <a:schemeClr val="tx1"/>
+          </a:fontRef>
+        </p:style>
+      </p:cxnSp>
+      <p:cxnSp>
+        <p:nvCxnSpPr>
+          <p:cNvPr id="14" name="직선 화살표 연결선 13">
+            <a:extLst>
+              <a:ext uri="{FF2B5EF4-FFF2-40B4-BE49-F238E27FC236}">
+                <a16:creationId xmlns:a16="http://schemas.microsoft.com/office/drawing/2014/main" id="{079A7E7D-6C69-20B8-D83E-9DBD735899E0}"/>
+              </a:ext>
+            </a:extLst>
+          </p:cNvPr>
+          <p:cNvCxnSpPr>
+            <a:cxnSpLocks/>
+            <a:stCxn id="5" idx="3"/>
+            <a:endCxn id="6" idx="1"/>
+          </p:cNvCxnSpPr>
+          <p:nvPr/>
+        </p:nvCxnSpPr>
+        <p:spPr>
+          <a:xfrm flipV="1">
+            <a:off x="6452389" y="3027862"/>
+            <a:ext cx="1850744" cy="1"/>
+          </a:xfrm>
+          <a:prstGeom prst="straightConnector1">
+            <a:avLst/>
+          </a:prstGeom>
+          <a:ln>
+            <a:tailEnd type="triangle"/>
+          </a:ln>
+        </p:spPr>
+        <p:style>
+          <a:lnRef idx="3">
+            <a:schemeClr val="accent1"/>
+          </a:lnRef>
+          <a:fillRef idx="0">
+            <a:schemeClr val="accent1"/>
+          </a:fillRef>
+          <a:effectRef idx="2">
+            <a:schemeClr val="accent1"/>
+          </a:effectRef>
+          <a:fontRef idx="minor">
+            <a:schemeClr val="tx1"/>
+          </a:fontRef>
+        </p:style>
+      </p:cxnSp>
+      <p:sp>
+        <p:nvSpPr>
+          <p:cNvPr id="43" name="TextBox 42">
+            <a:extLst>
+              <a:ext uri="{FF2B5EF4-FFF2-40B4-BE49-F238E27FC236}">
+                <a16:creationId xmlns:a16="http://schemas.microsoft.com/office/drawing/2014/main" id="{B8AC984F-1A77-FB56-5A55-F61ACEB23F97}"/>
+              </a:ext>
+            </a:extLst>
+          </p:cNvPr>
+          <p:cNvSpPr txBox="1"/>
+          <p:nvPr/>
+        </p:nvSpPr>
+        <p:spPr>
+          <a:xfrm>
+            <a:off x="1750877" y="2213963"/>
+            <a:ext cx="1765085" cy="430887"/>
+          </a:xfrm>
+          <a:prstGeom prst="rect">
+            <a:avLst/>
+          </a:prstGeom>
+        </p:spPr>
+        <p:style>
+          <a:lnRef idx="2">
+            <a:schemeClr val="accent2"/>
+          </a:lnRef>
+          <a:fillRef idx="1">
+            <a:schemeClr val="lt1"/>
+          </a:fillRef>
+          <a:effectRef idx="0">
+            <a:schemeClr val="accent2"/>
+          </a:effectRef>
+          <a:fontRef idx="minor">
+            <a:schemeClr val="dk1"/>
+          </a:fontRef>
+        </p:style>
+        <p:txBody>
+          <a:bodyPr wrap="square" rtlCol="0">
+            <a:spAutoFit/>
+          </a:bodyPr>
+          <a:lstStyle/>
+          <a:p>
+            <a:r>
+              <a:rPr kumimoji="1" lang="en-US" altLang="ko-KR" sz="1100" dirty="0"/>
+              <a:t>m</a:t>
+            </a:r>
+            <a:r>
+              <a:rPr kumimoji="1" lang="en-US" altLang="ko-Kore-KR" sz="1100" dirty="0"/>
+              <a:t>ain() </a:t>
+            </a:r>
+            <a:r>
+              <a:rPr kumimoji="1" lang="ko-KR" altLang="en-US" sz="1100" dirty="0"/>
+              <a:t>전체</a:t>
+            </a:r>
+            <a:endParaRPr kumimoji="1" lang="en-US" altLang="ko-KR" sz="1100" dirty="0"/>
+          </a:p>
+          <a:p>
+            <a:r>
+              <a:rPr kumimoji="1" lang="en-US" altLang="ko-KR" sz="1100" dirty="0">
+                <a:sym typeface="Wingdings" pitchFamily="2" charset="2"/>
+              </a:rPr>
+              <a:t></a:t>
+            </a:r>
+            <a:r>
+              <a:rPr kumimoji="1" lang="ko-KR" altLang="en-US" sz="1100" dirty="0"/>
+              <a:t> </a:t>
+            </a:r>
+            <a:r>
+              <a:rPr kumimoji="1" lang="en-US" altLang="ko-KR" sz="1100" dirty="0"/>
+              <a:t>try-catch</a:t>
+            </a:r>
+            <a:r>
+              <a:rPr kumimoji="1" lang="ko-KR" altLang="en-US" sz="1100" dirty="0"/>
+              <a:t>로 감싸준다</a:t>
+            </a:r>
+            <a:r>
+              <a:rPr kumimoji="1" lang="en-US" altLang="ko-KR" sz="1100" dirty="0"/>
+              <a:t>. </a:t>
+            </a:r>
+          </a:p>
+        </p:txBody>
+      </p:sp>
+      <p:sp>
+        <p:nvSpPr>
+          <p:cNvPr id="16" name="직사각형 15">
+            <a:extLst>
+              <a:ext uri="{FF2B5EF4-FFF2-40B4-BE49-F238E27FC236}">
+                <a16:creationId xmlns:a16="http://schemas.microsoft.com/office/drawing/2014/main" id="{5CA29DB4-2B76-292B-9279-CFE819759F17}"/>
+              </a:ext>
+            </a:extLst>
+          </p:cNvPr>
+          <p:cNvSpPr/>
+          <p:nvPr/>
+        </p:nvSpPr>
+        <p:spPr>
+          <a:xfrm>
+            <a:off x="4525601" y="1346215"/>
+            <a:ext cx="2027798" cy="472965"/>
+          </a:xfrm>
+          <a:prstGeom prst="rect">
+            <a:avLst/>
+          </a:prstGeom>
+        </p:spPr>
+        <p:style>
+          <a:lnRef idx="2">
+            <a:schemeClr val="accent1">
+              <a:shade val="50000"/>
+            </a:schemeClr>
+          </a:lnRef>
+          <a:fillRef idx="1">
+            <a:schemeClr val="accent1"/>
+          </a:fillRef>
+          <a:effectRef idx="0">
+            <a:schemeClr val="accent1"/>
+          </a:effectRef>
+          <a:fontRef idx="minor">
+            <a:schemeClr val="lt1"/>
+          </a:fontRef>
+        </p:style>
+        <p:txBody>
+          <a:bodyPr rtlCol="0" anchor="ctr"/>
+          <a:lstStyle/>
+          <a:p>
+            <a:pPr algn="ctr"/>
+            <a:r>
+              <a:rPr kumimoji="1" lang="en-US" altLang="ko-Kore-KR" dirty="0" err="1"/>
+              <a:t>AbstractHandler</a:t>
+            </a:r>
+            <a:endParaRPr kumimoji="1" lang="en-US" altLang="ko-Kore-KR" dirty="0"/>
+          </a:p>
+          <a:p>
+            <a:pPr algn="ctr"/>
+            <a:r>
+              <a:rPr kumimoji="1" lang="en-US" altLang="ko-Kore-KR" dirty="0"/>
+              <a:t>class</a:t>
+            </a:r>
+            <a:endParaRPr kumimoji="1" lang="ko-Kore-KR" altLang="en-US" dirty="0"/>
+          </a:p>
+        </p:txBody>
+      </p:sp>
+      <p:sp>
+        <p:nvSpPr>
+          <p:cNvPr id="24" name="TextBox 23">
+            <a:extLst>
+              <a:ext uri="{FF2B5EF4-FFF2-40B4-BE49-F238E27FC236}">
+                <a16:creationId xmlns:a16="http://schemas.microsoft.com/office/drawing/2014/main" id="{9DF521D1-2B87-83DE-42E8-6B9A0938E274}"/>
+              </a:ext>
+            </a:extLst>
+          </p:cNvPr>
+          <p:cNvSpPr txBox="1"/>
+          <p:nvPr/>
+        </p:nvSpPr>
+        <p:spPr>
+          <a:xfrm>
+            <a:off x="3672893" y="4568171"/>
+            <a:ext cx="3733211" cy="1277273"/>
+          </a:xfrm>
+          <a:prstGeom prst="rect">
+            <a:avLst/>
+          </a:prstGeom>
+        </p:spPr>
+        <p:style>
+          <a:lnRef idx="2">
+            <a:schemeClr val="accent2"/>
+          </a:lnRef>
+          <a:fillRef idx="1">
+            <a:schemeClr val="lt1"/>
+          </a:fillRef>
+          <a:effectRef idx="0">
+            <a:schemeClr val="accent2"/>
+          </a:effectRef>
+          <a:fontRef idx="minor">
+            <a:schemeClr val="dk1"/>
+          </a:fontRef>
+        </p:style>
+        <p:txBody>
+          <a:bodyPr wrap="square" rtlCol="0">
+            <a:spAutoFit/>
+          </a:bodyPr>
+          <a:lstStyle/>
+          <a:p>
+            <a:r>
+              <a:rPr kumimoji="1" lang="en-US" altLang="ko-KR" sz="1100" dirty="0"/>
+              <a:t>1. </a:t>
+            </a:r>
+            <a:r>
+              <a:rPr kumimoji="1" lang="en-US" altLang="ko-KR" sz="1100" dirty="0" err="1"/>
+              <a:t>BoardHandler</a:t>
+            </a:r>
+            <a:r>
+              <a:rPr kumimoji="1" lang="en-US" altLang="ko-KR" sz="1100" dirty="0"/>
+              <a:t>()</a:t>
+            </a:r>
+            <a:r>
+              <a:rPr kumimoji="1" lang="ko-KR" altLang="en-US" sz="1100" dirty="0"/>
+              <a:t>생성자 </a:t>
+            </a:r>
+            <a:r>
+              <a:rPr kumimoji="1" lang="en-US" altLang="ko-KR" sz="1100" dirty="0">
+                <a:sym typeface="Wingdings" pitchFamily="2" charset="2"/>
+              </a:rPr>
+              <a:t></a:t>
+            </a:r>
+            <a:r>
+              <a:rPr kumimoji="1" lang="ko-KR" altLang="en-US" sz="1100" dirty="0"/>
+              <a:t> </a:t>
+            </a:r>
+            <a:r>
+              <a:rPr kumimoji="1" lang="en-US" altLang="ko-KR" sz="1100" dirty="0" err="1"/>
+              <a:t>boardDao.load</a:t>
+            </a:r>
+            <a:r>
+              <a:rPr kumimoji="1" lang="en-US" altLang="ko-KR" sz="1100" dirty="0"/>
+              <a:t>() </a:t>
+            </a:r>
+            <a:r>
+              <a:rPr kumimoji="1" lang="ko-KR" altLang="en-US" sz="1100" dirty="0"/>
+              <a:t>호출</a:t>
+            </a:r>
+            <a:endParaRPr kumimoji="1" lang="en-US" altLang="ko-KR" sz="1100" dirty="0"/>
+          </a:p>
+          <a:p>
+            <a:r>
+              <a:rPr kumimoji="1" lang="en-US" altLang="ko-KR" sz="1100" dirty="0">
+                <a:sym typeface="Wingdings" pitchFamily="2" charset="2"/>
+              </a:rPr>
+              <a:t></a:t>
+            </a:r>
+            <a:r>
+              <a:rPr kumimoji="1" lang="ko-KR" altLang="en-US" sz="1100" dirty="0"/>
+              <a:t> </a:t>
+            </a:r>
+            <a:r>
+              <a:rPr kumimoji="1" lang="en-US" altLang="ko-KR" sz="1100" dirty="0"/>
+              <a:t>try-catch</a:t>
+            </a:r>
+            <a:r>
+              <a:rPr kumimoji="1" lang="ko-KR" altLang="en-US" sz="1100" dirty="0"/>
+              <a:t>로 오류 처리하기</a:t>
+            </a:r>
+            <a:endParaRPr kumimoji="1" lang="en-US" altLang="ko-KR" sz="1100" dirty="0"/>
+          </a:p>
+          <a:p>
+            <a:r>
+              <a:rPr kumimoji="1" lang="en-US" altLang="ko-KR" sz="1100" dirty="0"/>
+              <a:t>2. </a:t>
+            </a:r>
+            <a:r>
+              <a:rPr kumimoji="1" lang="en-US" altLang="ko-KR" sz="1100" dirty="0" err="1"/>
+              <a:t>onInput</a:t>
+            </a:r>
+            <a:r>
+              <a:rPr kumimoji="1" lang="en-US" altLang="ko-KR" sz="1100" dirty="0"/>
+              <a:t>(), </a:t>
+            </a:r>
+            <a:r>
+              <a:rPr kumimoji="1" lang="en-US" altLang="ko-KR" sz="1100" dirty="0" err="1"/>
+              <a:t>onDelete</a:t>
+            </a:r>
+            <a:r>
+              <a:rPr kumimoji="1" lang="en-US" altLang="ko-KR" sz="1100" dirty="0"/>
+              <a:t>(), </a:t>
+            </a:r>
+            <a:r>
+              <a:rPr kumimoji="1" lang="en-US" altLang="ko-KR" sz="1100" dirty="0" err="1"/>
+              <a:t>onUpate</a:t>
+            </a:r>
+            <a:r>
+              <a:rPr kumimoji="1" lang="en-US" altLang="ko-KR" sz="1100" dirty="0"/>
+              <a:t>() </a:t>
+            </a:r>
+            <a:r>
+              <a:rPr kumimoji="1" lang="en-US" altLang="ko-KR" sz="1100" dirty="0">
+                <a:sym typeface="Wingdings" pitchFamily="2" charset="2"/>
+              </a:rPr>
+              <a:t> save() </a:t>
+            </a:r>
+            <a:r>
+              <a:rPr kumimoji="1" lang="ko-KR" altLang="en-US" sz="1100" dirty="0">
+                <a:sym typeface="Wingdings" pitchFamily="2" charset="2"/>
+              </a:rPr>
+              <a:t>호출</a:t>
+            </a:r>
+            <a:endParaRPr kumimoji="1" lang="en-US" altLang="ko-KR" sz="1100" dirty="0"/>
+          </a:p>
+          <a:p>
+            <a:r>
+              <a:rPr kumimoji="1" lang="en-US" altLang="ko-KR" sz="1100" dirty="0">
+                <a:sym typeface="Wingdings" pitchFamily="2" charset="2"/>
+              </a:rPr>
+              <a:t> </a:t>
+            </a:r>
+            <a:r>
+              <a:rPr kumimoji="1" lang="ko-KR" altLang="en-US" sz="1100" dirty="0">
+                <a:sym typeface="Wingdings" pitchFamily="2" charset="2"/>
+              </a:rPr>
+              <a:t>이 메서드들을 호출하는 </a:t>
+            </a:r>
+            <a:r>
+              <a:rPr kumimoji="1" lang="en-US" altLang="ko-KR" sz="1100" dirty="0">
+                <a:sym typeface="Wingdings" pitchFamily="2" charset="2"/>
+              </a:rPr>
+              <a:t>service()</a:t>
+            </a:r>
+            <a:r>
+              <a:rPr kumimoji="1" lang="ko-KR" altLang="en-US" sz="1100" dirty="0">
+                <a:sym typeface="Wingdings" pitchFamily="2" charset="2"/>
+              </a:rPr>
+              <a:t>에 위임</a:t>
+            </a:r>
+            <a:endParaRPr kumimoji="1" lang="en-US" altLang="ko-KR" sz="1100" dirty="0">
+              <a:sym typeface="Wingdings" pitchFamily="2" charset="2"/>
+            </a:endParaRPr>
+          </a:p>
+          <a:p>
+            <a:r>
+              <a:rPr kumimoji="1" lang="en-US" altLang="ko-KR" sz="1100" dirty="0"/>
+              <a:t>3. service()</a:t>
+            </a:r>
+          </a:p>
+          <a:p>
+            <a:r>
+              <a:rPr kumimoji="1" lang="en-US" altLang="ko-KR" sz="1100" dirty="0">
+                <a:sym typeface="Wingdings" pitchFamily="2" charset="2"/>
+              </a:rPr>
+              <a:t> </a:t>
+            </a:r>
+            <a:r>
+              <a:rPr kumimoji="1" lang="ko-KR" altLang="en-US" sz="1100" dirty="0"/>
+              <a:t>오류를 </a:t>
+            </a:r>
+            <a:r>
+              <a:rPr kumimoji="1" lang="en-US" altLang="ko-KR" sz="1100" dirty="0" err="1"/>
+              <a:t>AbstractHandler</a:t>
+            </a:r>
+            <a:r>
+              <a:rPr kumimoji="1" lang="ko-KR" altLang="en-US" sz="1100" dirty="0"/>
+              <a:t>로 위임</a:t>
+            </a:r>
+            <a:r>
+              <a:rPr kumimoji="1" lang="en-US" altLang="ko-KR" sz="1100" dirty="0"/>
+              <a:t>(</a:t>
+            </a:r>
+            <a:r>
+              <a:rPr kumimoji="1" lang="en-US" altLang="ko-KR" sz="1100" dirty="0" err="1"/>
+              <a:t>RuntimeException</a:t>
+            </a:r>
+            <a:r>
+              <a:rPr kumimoji="1" lang="en-US" altLang="ko-KR" sz="1100" dirty="0"/>
+              <a:t>)</a:t>
+            </a:r>
+          </a:p>
+          <a:p>
+            <a:pPr marL="342900" indent="-342900">
+              <a:buAutoNum type="arabicPeriod"/>
+            </a:pPr>
+            <a:endParaRPr kumimoji="1" lang="en-US" altLang="ko-Kore-KR" sz="1100" dirty="0"/>
+          </a:p>
+        </p:txBody>
+      </p:sp>
+      <p:sp>
+        <p:nvSpPr>
+          <p:cNvPr id="25" name="TextBox 24">
+            <a:extLst>
+              <a:ext uri="{FF2B5EF4-FFF2-40B4-BE49-F238E27FC236}">
+                <a16:creationId xmlns:a16="http://schemas.microsoft.com/office/drawing/2014/main" id="{B1848067-4026-401B-0D49-FC8DAC6D0CCB}"/>
+              </a:ext>
+            </a:extLst>
+          </p:cNvPr>
+          <p:cNvSpPr txBox="1"/>
+          <p:nvPr/>
+        </p:nvSpPr>
+        <p:spPr>
+          <a:xfrm>
+            <a:off x="4365754" y="702543"/>
+            <a:ext cx="2347490" cy="430887"/>
+          </a:xfrm>
+          <a:prstGeom prst="rect">
+            <a:avLst/>
+          </a:prstGeom>
+        </p:spPr>
+        <p:style>
+          <a:lnRef idx="2">
+            <a:schemeClr val="accent2"/>
+          </a:lnRef>
+          <a:fillRef idx="1">
+            <a:schemeClr val="lt1"/>
+          </a:fillRef>
+          <a:effectRef idx="0">
+            <a:schemeClr val="accent2"/>
+          </a:effectRef>
+          <a:fontRef idx="minor">
+            <a:schemeClr val="dk1"/>
+          </a:fontRef>
+        </p:style>
+        <p:txBody>
+          <a:bodyPr wrap="square" rtlCol="0">
+            <a:spAutoFit/>
+          </a:bodyPr>
+          <a:lstStyle/>
+          <a:p>
+            <a:r>
+              <a:rPr kumimoji="1" lang="en-US" altLang="ko-Kore-KR" sz="1100" dirty="0"/>
+              <a:t>Service</a:t>
+            </a:r>
+            <a:r>
+              <a:rPr kumimoji="1" lang="en-US" altLang="ko-KR" sz="1100" dirty="0"/>
+              <a:t>() </a:t>
+            </a:r>
+            <a:r>
+              <a:rPr kumimoji="1" lang="en-US" altLang="ko-KR" sz="1100" dirty="0">
+                <a:sym typeface="Wingdings" pitchFamily="2" charset="2"/>
+              </a:rPr>
+              <a:t> </a:t>
+            </a:r>
+            <a:r>
+              <a:rPr kumimoji="1" lang="ko-Kore-KR" altLang="en-US" sz="1100" dirty="0"/>
+              <a:t>호출</a:t>
+            </a:r>
+            <a:endParaRPr kumimoji="1" lang="en-US" altLang="ko-Kore-KR" sz="1100" dirty="0"/>
+          </a:p>
+          <a:p>
+            <a:r>
+              <a:rPr kumimoji="1" lang="en-US" altLang="ko-Kore-KR" sz="1100" dirty="0">
+                <a:sym typeface="Wingdings" pitchFamily="2" charset="2"/>
+              </a:rPr>
+              <a:t></a:t>
+            </a:r>
+            <a:r>
+              <a:rPr kumimoji="1" lang="ko-Kore-KR" altLang="en-US" sz="1100" dirty="0"/>
+              <a:t> </a:t>
+            </a:r>
+            <a:r>
+              <a:rPr kumimoji="1" lang="en-US" altLang="ko-Kore-KR" sz="1100" dirty="0"/>
+              <a:t>try-catch</a:t>
+            </a:r>
+            <a:r>
+              <a:rPr kumimoji="1" lang="ko-Kore-KR" altLang="en-US" sz="1100" dirty="0"/>
+              <a:t>로 처리</a:t>
+            </a:r>
+            <a:r>
+              <a:rPr kumimoji="1" lang="en-US" altLang="ko-KR" sz="1100" dirty="0"/>
+              <a:t>(Exception)</a:t>
+            </a:r>
+            <a:endParaRPr kumimoji="1" lang="en-US" altLang="ko-Kore-KR" sz="1100" dirty="0"/>
+          </a:p>
+        </p:txBody>
+      </p:sp>
+      <p:sp>
+        <p:nvSpPr>
+          <p:cNvPr id="26" name="TextBox 25">
+            <a:extLst>
+              <a:ext uri="{FF2B5EF4-FFF2-40B4-BE49-F238E27FC236}">
+                <a16:creationId xmlns:a16="http://schemas.microsoft.com/office/drawing/2014/main" id="{E0803E8B-A66C-BA12-88F0-16005E9EF739}"/>
+              </a:ext>
+            </a:extLst>
+          </p:cNvPr>
+          <p:cNvSpPr txBox="1"/>
+          <p:nvPr/>
+        </p:nvSpPr>
+        <p:spPr>
+          <a:xfrm>
+            <a:off x="7506577" y="1998520"/>
+            <a:ext cx="1534339" cy="430887"/>
+          </a:xfrm>
+          <a:prstGeom prst="rect">
+            <a:avLst/>
+          </a:prstGeom>
+        </p:spPr>
+        <p:style>
+          <a:lnRef idx="2">
+            <a:schemeClr val="accent2"/>
+          </a:lnRef>
+          <a:fillRef idx="1">
+            <a:schemeClr val="lt1"/>
+          </a:fillRef>
+          <a:effectRef idx="0">
+            <a:schemeClr val="accent2"/>
+          </a:effectRef>
+          <a:fontRef idx="minor">
+            <a:schemeClr val="dk1"/>
+          </a:fontRef>
+        </p:style>
+        <p:txBody>
+          <a:bodyPr wrap="square" rtlCol="0">
+            <a:spAutoFit/>
+          </a:bodyPr>
+          <a:lstStyle/>
+          <a:p>
+            <a:r>
+              <a:rPr kumimoji="1" lang="en-US" altLang="ko-Kore-KR" sz="1100" dirty="0"/>
+              <a:t>load(), save()</a:t>
+            </a:r>
+          </a:p>
+          <a:p>
+            <a:r>
+              <a:rPr kumimoji="1" lang="en-US" altLang="ko-Kore-KR" sz="1100" dirty="0">
+                <a:sym typeface="Wingdings" pitchFamily="2" charset="2"/>
+              </a:rPr>
+              <a:t> </a:t>
+            </a:r>
+            <a:r>
+              <a:rPr kumimoji="1" lang="ko-Kore-KR" altLang="en-US" sz="1100" dirty="0">
+                <a:sym typeface="Wingdings" pitchFamily="2" charset="2"/>
+              </a:rPr>
+              <a:t>호출자에게 위임</a:t>
+            </a:r>
+            <a:endParaRPr kumimoji="1" lang="en-US" altLang="ko-Kore-KR" sz="1100" dirty="0"/>
+          </a:p>
+        </p:txBody>
+      </p:sp>
+      <p:sp>
+        <p:nvSpPr>
+          <p:cNvPr id="40" name="TextBox 39">
+            <a:extLst>
+              <a:ext uri="{FF2B5EF4-FFF2-40B4-BE49-F238E27FC236}">
+                <a16:creationId xmlns:a16="http://schemas.microsoft.com/office/drawing/2014/main" id="{656F46EC-A36A-39B9-FDA7-B2DE3D6E2D00}"/>
+              </a:ext>
+            </a:extLst>
+          </p:cNvPr>
+          <p:cNvSpPr txBox="1"/>
+          <p:nvPr/>
+        </p:nvSpPr>
+        <p:spPr>
+          <a:xfrm>
+            <a:off x="3408512" y="2897056"/>
+            <a:ext cx="819808" cy="261610"/>
+          </a:xfrm>
+          <a:prstGeom prst="rect">
+            <a:avLst/>
+          </a:prstGeom>
+        </p:spPr>
+        <p:style>
+          <a:lnRef idx="2">
+            <a:schemeClr val="accent5"/>
+          </a:lnRef>
+          <a:fillRef idx="1">
+            <a:schemeClr val="lt1"/>
+          </a:fillRef>
+          <a:effectRef idx="0">
+            <a:schemeClr val="accent5"/>
+          </a:effectRef>
+          <a:fontRef idx="minor">
+            <a:schemeClr val="dk1"/>
+          </a:fontRef>
+        </p:style>
+        <p:txBody>
+          <a:bodyPr wrap="square" rtlCol="0">
+            <a:spAutoFit/>
+          </a:bodyPr>
+          <a:lstStyle/>
+          <a:p>
+            <a:r>
+              <a:rPr kumimoji="1" lang="en-US" altLang="ko-Kore-KR" sz="1050" dirty="0"/>
+              <a:t>execute()</a:t>
+            </a:r>
+            <a:endParaRPr kumimoji="1" lang="ko-Kore-KR" altLang="en-US" sz="1050" dirty="0"/>
+          </a:p>
+        </p:txBody>
+      </p:sp>
+      <p:sp>
+        <p:nvSpPr>
+          <p:cNvPr id="42" name="TextBox 41">
+            <a:extLst>
+              <a:ext uri="{FF2B5EF4-FFF2-40B4-BE49-F238E27FC236}">
+                <a16:creationId xmlns:a16="http://schemas.microsoft.com/office/drawing/2014/main" id="{56A9BEB7-FF9C-7EC6-D870-7E8B3AE532A7}"/>
+              </a:ext>
+            </a:extLst>
+          </p:cNvPr>
+          <p:cNvSpPr txBox="1"/>
+          <p:nvPr/>
+        </p:nvSpPr>
+        <p:spPr>
+          <a:xfrm>
+            <a:off x="7018362" y="2831175"/>
+            <a:ext cx="819808" cy="415498"/>
+          </a:xfrm>
+          <a:prstGeom prst="rect">
+            <a:avLst/>
+          </a:prstGeom>
+        </p:spPr>
+        <p:style>
+          <a:lnRef idx="2">
+            <a:schemeClr val="accent5"/>
+          </a:lnRef>
+          <a:fillRef idx="1">
+            <a:schemeClr val="lt1"/>
+          </a:fillRef>
+          <a:effectRef idx="0">
+            <a:schemeClr val="accent5"/>
+          </a:effectRef>
+          <a:fontRef idx="minor">
+            <a:schemeClr val="dk1"/>
+          </a:fontRef>
+        </p:style>
+        <p:txBody>
+          <a:bodyPr wrap="square" rtlCol="0">
+            <a:spAutoFit/>
+          </a:bodyPr>
+          <a:lstStyle/>
+          <a:p>
+            <a:pPr marL="171450" indent="-171450">
+              <a:buFont typeface="Arial" panose="020B0604020202020204" pitchFamily="34" charset="0"/>
+              <a:buChar char="•"/>
+            </a:pPr>
+            <a:r>
+              <a:rPr kumimoji="1" lang="en-US" altLang="ko-Kore-KR" sz="1050" dirty="0"/>
+              <a:t>load()</a:t>
+            </a:r>
+          </a:p>
+          <a:p>
+            <a:pPr marL="171450" indent="-171450">
+              <a:buFont typeface="Arial" panose="020B0604020202020204" pitchFamily="34" charset="0"/>
+              <a:buChar char="•"/>
+            </a:pPr>
+            <a:r>
+              <a:rPr kumimoji="1" lang="en-US" altLang="ko-Kore-KR" sz="1050" dirty="0"/>
+              <a:t>save()</a:t>
+            </a:r>
+            <a:endParaRPr kumimoji="1" lang="ko-Kore-KR" altLang="en-US" sz="1050" dirty="0"/>
+          </a:p>
+        </p:txBody>
+      </p:sp>
+      <p:sp>
+        <p:nvSpPr>
+          <p:cNvPr id="45" name="직사각형 44">
+            <a:extLst>
+              <a:ext uri="{FF2B5EF4-FFF2-40B4-BE49-F238E27FC236}">
+                <a16:creationId xmlns:a16="http://schemas.microsoft.com/office/drawing/2014/main" id="{8B872786-C822-0A0C-98C5-EB2952722E87}"/>
+              </a:ext>
+            </a:extLst>
+          </p:cNvPr>
+          <p:cNvSpPr/>
+          <p:nvPr/>
+        </p:nvSpPr>
+        <p:spPr>
+          <a:xfrm>
+            <a:off x="8273747" y="4227354"/>
+            <a:ext cx="1774353" cy="245672"/>
+          </a:xfrm>
+          <a:prstGeom prst="rect">
+            <a:avLst/>
+          </a:prstGeom>
+          <a:solidFill>
+            <a:srgbClr val="FF0000"/>
+          </a:solidFill>
+          <a:ln>
+            <a:solidFill>
+              <a:srgbClr val="FF0000"/>
+            </a:solidFill>
+          </a:ln>
+        </p:spPr>
+        <p:style>
+          <a:lnRef idx="2">
+            <a:schemeClr val="accent1">
+              <a:shade val="50000"/>
+            </a:schemeClr>
+          </a:lnRef>
+          <a:fillRef idx="1">
+            <a:schemeClr val="accent1"/>
+          </a:fillRef>
+          <a:effectRef idx="0">
+            <a:schemeClr val="accent1"/>
+          </a:effectRef>
+          <a:fontRef idx="minor">
+            <a:schemeClr val="lt1"/>
+          </a:fontRef>
+        </p:style>
+        <p:txBody>
+          <a:bodyPr rtlCol="0" anchor="ctr"/>
+          <a:lstStyle/>
+          <a:p>
+            <a:pPr algn="ctr"/>
+            <a:r>
+              <a:rPr kumimoji="1" lang="en-US" altLang="ko-Kore-KR" sz="1400" dirty="0" err="1"/>
+              <a:t>FileInputStream</a:t>
+            </a:r>
+            <a:endParaRPr kumimoji="1" lang="ko-Kore-KR" altLang="en-US" sz="1400" dirty="0"/>
+          </a:p>
+        </p:txBody>
+      </p:sp>
+      <p:cxnSp>
+        <p:nvCxnSpPr>
+          <p:cNvPr id="47" name="직선 화살표 연결선 46">
+            <a:extLst>
+              <a:ext uri="{FF2B5EF4-FFF2-40B4-BE49-F238E27FC236}">
+                <a16:creationId xmlns:a16="http://schemas.microsoft.com/office/drawing/2014/main" id="{460557DA-0A32-BC22-8339-D272C2200CBB}"/>
+              </a:ext>
+            </a:extLst>
+          </p:cNvPr>
+          <p:cNvCxnSpPr>
+            <a:cxnSpLocks/>
+            <a:stCxn id="45" idx="3"/>
+            <a:endCxn id="4" idx="1"/>
+          </p:cNvCxnSpPr>
+          <p:nvPr/>
+        </p:nvCxnSpPr>
+        <p:spPr>
+          <a:xfrm flipV="1">
+            <a:off x="10048100" y="3924049"/>
+            <a:ext cx="851649" cy="426141"/>
+          </a:xfrm>
+          <a:prstGeom prst="straightConnector1">
+            <a:avLst/>
+          </a:prstGeom>
+          <a:ln>
+            <a:tailEnd type="triangle"/>
+          </a:ln>
+        </p:spPr>
+        <p:style>
+          <a:lnRef idx="3">
+            <a:schemeClr val="accent3"/>
+          </a:lnRef>
+          <a:fillRef idx="0">
+            <a:schemeClr val="accent3"/>
+          </a:fillRef>
+          <a:effectRef idx="2">
+            <a:schemeClr val="accent3"/>
+          </a:effectRef>
+          <a:fontRef idx="minor">
+            <a:schemeClr val="tx1"/>
+          </a:fontRef>
+        </p:style>
+      </p:cxnSp>
+      <p:sp>
+        <p:nvSpPr>
+          <p:cNvPr id="56" name="TextBox 55">
+            <a:extLst>
+              <a:ext uri="{FF2B5EF4-FFF2-40B4-BE49-F238E27FC236}">
+                <a16:creationId xmlns:a16="http://schemas.microsoft.com/office/drawing/2014/main" id="{CF1F67F3-1924-C6AE-8A7B-40D4D2B6C2D0}"/>
+              </a:ext>
+            </a:extLst>
+          </p:cNvPr>
+          <p:cNvSpPr txBox="1"/>
+          <p:nvPr/>
+        </p:nvSpPr>
+        <p:spPr>
+          <a:xfrm>
+            <a:off x="4991800" y="3566819"/>
+            <a:ext cx="1027425" cy="577081"/>
+          </a:xfrm>
+          <a:prstGeom prst="rect">
+            <a:avLst/>
+          </a:prstGeom>
+        </p:spPr>
+        <p:style>
+          <a:lnRef idx="2">
+            <a:schemeClr val="accent5"/>
+          </a:lnRef>
+          <a:fillRef idx="1">
+            <a:schemeClr val="lt1"/>
+          </a:fillRef>
+          <a:effectRef idx="0">
+            <a:schemeClr val="accent5"/>
+          </a:effectRef>
+          <a:fontRef idx="minor">
+            <a:schemeClr val="dk1"/>
+          </a:fontRef>
+        </p:style>
+        <p:txBody>
+          <a:bodyPr wrap="square" rtlCol="0">
+            <a:spAutoFit/>
+          </a:bodyPr>
+          <a:lstStyle/>
+          <a:p>
+            <a:pPr marL="171450" indent="-171450">
+              <a:buFont typeface="Arial" panose="020B0604020202020204" pitchFamily="34" charset="0"/>
+              <a:buChar char="•"/>
+            </a:pPr>
+            <a:r>
+              <a:rPr kumimoji="1" lang="en-US" altLang="ko-Kore-KR" sz="1050" dirty="0" err="1"/>
+              <a:t>onInput</a:t>
+            </a:r>
+            <a:r>
+              <a:rPr kumimoji="1" lang="en-US" altLang="ko-Kore-KR" sz="1050" dirty="0"/>
+              <a:t>()</a:t>
+            </a:r>
+          </a:p>
+          <a:p>
+            <a:pPr marL="171450" indent="-171450">
+              <a:buFont typeface="Arial" panose="020B0604020202020204" pitchFamily="34" charset="0"/>
+              <a:buChar char="•"/>
+            </a:pPr>
+            <a:r>
+              <a:rPr kumimoji="1" lang="en-US" altLang="ko-Kore-KR" sz="1050" dirty="0" err="1"/>
+              <a:t>onDelete</a:t>
+            </a:r>
+            <a:r>
+              <a:rPr kumimoji="1" lang="en-US" altLang="ko-Kore-KR" sz="1050" dirty="0"/>
+              <a:t>()</a:t>
+            </a:r>
+          </a:p>
+          <a:p>
+            <a:pPr marL="171450" indent="-171450">
+              <a:buFont typeface="Arial" panose="020B0604020202020204" pitchFamily="34" charset="0"/>
+              <a:buChar char="•"/>
+            </a:pPr>
+            <a:r>
+              <a:rPr kumimoji="1" lang="en-US" altLang="ko-Kore-KR" sz="1050" dirty="0" err="1"/>
+              <a:t>onUpate</a:t>
+            </a:r>
+            <a:r>
+              <a:rPr kumimoji="1" lang="en-US" altLang="ko-Kore-KR" sz="1050" dirty="0"/>
+              <a:t>()</a:t>
+            </a:r>
+            <a:endParaRPr kumimoji="1" lang="ko-Kore-KR" altLang="en-US" sz="1050" dirty="0"/>
+          </a:p>
+        </p:txBody>
+      </p:sp>
+      <p:cxnSp>
+        <p:nvCxnSpPr>
+          <p:cNvPr id="75" name="구부러진 연결선[U] 74">
+            <a:extLst>
+              <a:ext uri="{FF2B5EF4-FFF2-40B4-BE49-F238E27FC236}">
+                <a16:creationId xmlns:a16="http://schemas.microsoft.com/office/drawing/2014/main" id="{3B9D1C64-8D57-1873-BC8F-5B672E60749E}"/>
+              </a:ext>
+            </a:extLst>
+          </p:cNvPr>
+          <p:cNvCxnSpPr>
+            <a:cxnSpLocks/>
+            <a:stCxn id="42" idx="2"/>
+            <a:endCxn id="56" idx="2"/>
+          </p:cNvCxnSpPr>
+          <p:nvPr/>
+        </p:nvCxnSpPr>
+        <p:spPr>
+          <a:xfrm rot="5400000">
+            <a:off x="6018277" y="2733910"/>
+            <a:ext cx="897227" cy="1922753"/>
+          </a:xfrm>
+          <a:prstGeom prst="curvedConnector3">
+            <a:avLst>
+              <a:gd name="adj1" fmla="val 125479"/>
+            </a:avLst>
+          </a:prstGeom>
+          <a:ln>
+            <a:tailEnd type="triangle"/>
+          </a:ln>
+        </p:spPr>
+        <p:style>
+          <a:lnRef idx="3">
+            <a:schemeClr val="accent2"/>
+          </a:lnRef>
+          <a:fillRef idx="0">
+            <a:schemeClr val="accent2"/>
+          </a:fillRef>
+          <a:effectRef idx="2">
+            <a:schemeClr val="accent2"/>
+          </a:effectRef>
+          <a:fontRef idx="minor">
+            <a:schemeClr val="tx1"/>
+          </a:fontRef>
+        </p:style>
+      </p:cxnSp>
+      <p:cxnSp>
+        <p:nvCxnSpPr>
+          <p:cNvPr id="80" name="직선 화살표 연결선 79">
+            <a:extLst>
+              <a:ext uri="{FF2B5EF4-FFF2-40B4-BE49-F238E27FC236}">
+                <a16:creationId xmlns:a16="http://schemas.microsoft.com/office/drawing/2014/main" id="{2E85F50F-7423-CC69-7C24-421C8A99A3A6}"/>
+              </a:ext>
+            </a:extLst>
+          </p:cNvPr>
+          <p:cNvCxnSpPr>
+            <a:stCxn id="56" idx="3"/>
+            <a:endCxn id="42" idx="1"/>
+          </p:cNvCxnSpPr>
+          <p:nvPr/>
+        </p:nvCxnSpPr>
+        <p:spPr>
+          <a:xfrm flipV="1">
+            <a:off x="6019225" y="3038924"/>
+            <a:ext cx="999137" cy="816436"/>
+          </a:xfrm>
+          <a:prstGeom prst="straightConnector1">
+            <a:avLst/>
+          </a:prstGeom>
+          <a:ln>
+            <a:tailEnd type="triangle"/>
+          </a:ln>
+        </p:spPr>
+        <p:style>
+          <a:lnRef idx="1">
+            <a:schemeClr val="accent1"/>
+          </a:lnRef>
+          <a:fillRef idx="0">
+            <a:schemeClr val="accent1"/>
+          </a:fillRef>
+          <a:effectRef idx="0">
+            <a:schemeClr val="accent1"/>
+          </a:effectRef>
+          <a:fontRef idx="minor">
+            <a:schemeClr val="tx1"/>
+          </a:fontRef>
+        </p:style>
+      </p:cxnSp>
+      <p:sp>
+        <p:nvSpPr>
+          <p:cNvPr id="83" name="TextBox 82">
+            <a:extLst>
+              <a:ext uri="{FF2B5EF4-FFF2-40B4-BE49-F238E27FC236}">
+                <a16:creationId xmlns:a16="http://schemas.microsoft.com/office/drawing/2014/main" id="{CB0ACADC-806A-F940-E502-2ECE9B291DCB}"/>
+              </a:ext>
+            </a:extLst>
+          </p:cNvPr>
+          <p:cNvSpPr txBox="1"/>
+          <p:nvPr/>
+        </p:nvSpPr>
+        <p:spPr>
+          <a:xfrm>
+            <a:off x="4993683" y="2087005"/>
+            <a:ext cx="679190" cy="253916"/>
+          </a:xfrm>
+          <a:prstGeom prst="rect">
+            <a:avLst/>
+          </a:prstGeom>
+        </p:spPr>
+        <p:style>
+          <a:lnRef idx="2">
+            <a:schemeClr val="accent5"/>
+          </a:lnRef>
+          <a:fillRef idx="1">
+            <a:schemeClr val="lt1"/>
+          </a:fillRef>
+          <a:effectRef idx="0">
+            <a:schemeClr val="accent5"/>
+          </a:effectRef>
+          <a:fontRef idx="minor">
+            <a:schemeClr val="dk1"/>
+          </a:fontRef>
+        </p:style>
+        <p:txBody>
+          <a:bodyPr wrap="square" rtlCol="0">
+            <a:spAutoFit/>
+          </a:bodyPr>
+          <a:lstStyle/>
+          <a:p>
+            <a:r>
+              <a:rPr kumimoji="1" lang="en-US" altLang="ko-Kore-KR" sz="1050" dirty="0" err="1"/>
+              <a:t>sevice</a:t>
+            </a:r>
+            <a:r>
+              <a:rPr kumimoji="1" lang="en-US" altLang="ko-Kore-KR" sz="1050" dirty="0"/>
+              <a:t>()</a:t>
+            </a:r>
+          </a:p>
+        </p:txBody>
+      </p:sp>
+      <p:cxnSp>
+        <p:nvCxnSpPr>
+          <p:cNvPr id="86" name="직선 화살표 연결선 85">
+            <a:extLst>
+              <a:ext uri="{FF2B5EF4-FFF2-40B4-BE49-F238E27FC236}">
+                <a16:creationId xmlns:a16="http://schemas.microsoft.com/office/drawing/2014/main" id="{987CE312-2DEA-14B8-ACF7-8ACC38B18E94}"/>
+              </a:ext>
+            </a:extLst>
+          </p:cNvPr>
+          <p:cNvCxnSpPr>
+            <a:cxnSpLocks/>
+            <a:stCxn id="83" idx="2"/>
+            <a:endCxn id="56" idx="1"/>
+          </p:cNvCxnSpPr>
+          <p:nvPr/>
+        </p:nvCxnSpPr>
+        <p:spPr>
+          <a:xfrm flipH="1">
+            <a:off x="4991800" y="2340921"/>
+            <a:ext cx="341478" cy="1514439"/>
+          </a:xfrm>
+          <a:prstGeom prst="straightConnector1">
+            <a:avLst/>
+          </a:prstGeom>
+          <a:ln>
+            <a:tailEnd type="triangle"/>
+          </a:ln>
+        </p:spPr>
+        <p:style>
+          <a:lnRef idx="1">
+            <a:schemeClr val="accent1"/>
+          </a:lnRef>
+          <a:fillRef idx="0">
+            <a:schemeClr val="accent1"/>
+          </a:fillRef>
+          <a:effectRef idx="0">
+            <a:schemeClr val="accent1"/>
+          </a:effectRef>
+          <a:fontRef idx="minor">
+            <a:schemeClr val="tx1"/>
+          </a:fontRef>
+        </p:style>
+      </p:cxnSp>
+    </p:spTree>
+    <p:extLst>
+      <p:ext uri="{BB962C8B-B14F-4D97-AF65-F5344CB8AC3E}">
+        <p14:creationId xmlns:p14="http://schemas.microsoft.com/office/powerpoint/2010/main" val="1508814606"/>
       </p:ext>
     </p:extLst>
   </p:cSld>
